--- a/trunk/Informes/TP Anual 1/3- Diseño/proyecto140611.pptx
+++ b/trunk/Informes/TP Anual 1/3- Diseño/proyecto140611.pptx
@@ -454,7 +454,7 @@
               <a:pPr>
                 <a:defRPr/>
               </a:pPr>
-              <a:t>‹#›</a:t>
+              <a:t>‹Nº›</a:t>
             </a:fld>
             <a:endParaRPr lang="en-US"/>
           </a:p>
@@ -868,7 +868,7 @@
               <a:pPr>
                 <a:defRPr/>
               </a:pPr>
-              <a:t>‹#›</a:t>
+              <a:t>‹Nº›</a:t>
             </a:fld>
             <a:endParaRPr lang="es-AR"/>
           </a:p>
@@ -1060,7 +1060,7 @@
               <a:pPr>
                 <a:defRPr/>
               </a:pPr>
-              <a:t>‹#›</a:t>
+              <a:t>‹Nº›</a:t>
             </a:fld>
             <a:endParaRPr lang="es-AR"/>
           </a:p>
@@ -1262,7 +1262,7 @@
               <a:pPr>
                 <a:defRPr/>
               </a:pPr>
-              <a:t>‹#›</a:t>
+              <a:t>‹Nº›</a:t>
             </a:fld>
             <a:endParaRPr lang="es-AR"/>
           </a:p>
@@ -1575,7 +1575,7 @@
               <a:pPr>
                 <a:defRPr/>
               </a:pPr>
-              <a:t>‹#›</a:t>
+              <a:t>‹Nº›</a:t>
             </a:fld>
             <a:endParaRPr lang="es-AR">
               <a:solidFill>
@@ -1802,7 +1802,7 @@
               <a:pPr>
                 <a:defRPr/>
               </a:pPr>
-              <a:t>‹#›</a:t>
+              <a:t>‹Nº›</a:t>
             </a:fld>
             <a:endParaRPr lang="es-AR">
               <a:solidFill>
@@ -2105,7 +2105,7 @@
               <a:pPr>
                 <a:defRPr/>
               </a:pPr>
-              <a:t>‹#›</a:t>
+              <a:t>‹Nº›</a:t>
             </a:fld>
             <a:endParaRPr lang="es-AR">
               <a:solidFill>
@@ -2450,7 +2450,7 @@
               <a:pPr>
                 <a:defRPr/>
               </a:pPr>
-              <a:t>‹#›</a:t>
+              <a:t>‹Nº›</a:t>
             </a:fld>
             <a:endParaRPr lang="es-AR">
               <a:solidFill>
@@ -2929,7 +2929,7 @@
               <a:pPr>
                 <a:defRPr/>
               </a:pPr>
-              <a:t>‹#›</a:t>
+              <a:t>‹Nº›</a:t>
             </a:fld>
             <a:endParaRPr lang="es-AR">
               <a:solidFill>
@@ -3104,7 +3104,7 @@
               <a:pPr>
                 <a:defRPr/>
               </a:pPr>
-              <a:t>‹#›</a:t>
+              <a:t>‹Nº›</a:t>
             </a:fld>
             <a:endParaRPr lang="es-AR">
               <a:solidFill>
@@ -3256,7 +3256,7 @@
               <a:pPr>
                 <a:defRPr/>
               </a:pPr>
-              <a:t>‹#›</a:t>
+              <a:t>‹Nº›</a:t>
             </a:fld>
             <a:endParaRPr lang="es-AR">
               <a:solidFill>
@@ -3590,7 +3590,7 @@
               <a:pPr>
                 <a:defRPr/>
               </a:pPr>
-              <a:t>‹#›</a:t>
+              <a:t>‹Nº›</a:t>
             </a:fld>
             <a:endParaRPr lang="es-AR">
               <a:solidFill>
@@ -3793,7 +3793,7 @@
               <a:pPr>
                 <a:defRPr/>
               </a:pPr>
-              <a:t>‹#›</a:t>
+              <a:t>‹Nº›</a:t>
             </a:fld>
             <a:endParaRPr lang="es-AR"/>
           </a:p>
@@ -4099,7 +4099,7 @@
               <a:pPr>
                 <a:defRPr/>
               </a:pPr>
-              <a:t>‹#›</a:t>
+              <a:t>‹Nº›</a:t>
             </a:fld>
             <a:endParaRPr lang="es-AR">
               <a:solidFill>
@@ -4326,7 +4326,7 @@
               <a:pPr>
                 <a:defRPr/>
               </a:pPr>
-              <a:t>‹#›</a:t>
+              <a:t>‹Nº›</a:t>
             </a:fld>
             <a:endParaRPr lang="es-AR">
               <a:solidFill>
@@ -4563,7 +4563,7 @@
               <a:pPr>
                 <a:defRPr/>
               </a:pPr>
-              <a:t>‹#›</a:t>
+              <a:t>‹Nº›</a:t>
             </a:fld>
             <a:endParaRPr lang="es-AR">
               <a:solidFill>
@@ -4887,7 +4887,7 @@
               <a:pPr>
                 <a:defRPr/>
               </a:pPr>
-              <a:t>‹#›</a:t>
+              <a:t>‹Nº›</a:t>
             </a:fld>
             <a:endParaRPr lang="es-AR">
               <a:solidFill>
@@ -5114,7 +5114,7 @@
               <a:pPr>
                 <a:defRPr/>
               </a:pPr>
-              <a:t>‹#›</a:t>
+              <a:t>‹Nº›</a:t>
             </a:fld>
             <a:endParaRPr lang="es-AR">
               <a:solidFill>
@@ -5417,7 +5417,7 @@
               <a:pPr>
                 <a:defRPr/>
               </a:pPr>
-              <a:t>‹#›</a:t>
+              <a:t>‹Nº›</a:t>
             </a:fld>
             <a:endParaRPr lang="es-AR">
               <a:solidFill>
@@ -5762,7 +5762,7 @@
               <a:pPr>
                 <a:defRPr/>
               </a:pPr>
-              <a:t>‹#›</a:t>
+              <a:t>‹Nº›</a:t>
             </a:fld>
             <a:endParaRPr lang="es-AR">
               <a:solidFill>
@@ -6241,7 +6241,7 @@
               <a:pPr>
                 <a:defRPr/>
               </a:pPr>
-              <a:t>‹#›</a:t>
+              <a:t>‹Nº›</a:t>
             </a:fld>
             <a:endParaRPr lang="es-AR">
               <a:solidFill>
@@ -6416,7 +6416,7 @@
               <a:pPr>
                 <a:defRPr/>
               </a:pPr>
-              <a:t>‹#›</a:t>
+              <a:t>‹Nº›</a:t>
             </a:fld>
             <a:endParaRPr lang="es-AR">
               <a:solidFill>
@@ -6568,7 +6568,7 @@
               <a:pPr>
                 <a:defRPr/>
               </a:pPr>
-              <a:t>‹#›</a:t>
+              <a:t>‹Nº›</a:t>
             </a:fld>
             <a:endParaRPr lang="es-AR">
               <a:solidFill>
@@ -6847,7 +6847,7 @@
               <a:pPr>
                 <a:defRPr/>
               </a:pPr>
-              <a:t>‹#›</a:t>
+              <a:t>‹Nº›</a:t>
             </a:fld>
             <a:endParaRPr lang="es-AR"/>
           </a:p>
@@ -7170,7 +7170,7 @@
               <a:pPr>
                 <a:defRPr/>
               </a:pPr>
-              <a:t>‹#›</a:t>
+              <a:t>‹Nº›</a:t>
             </a:fld>
             <a:endParaRPr lang="es-AR">
               <a:solidFill>
@@ -7487,7 +7487,7 @@
               <a:pPr>
                 <a:defRPr/>
               </a:pPr>
-              <a:t>‹#›</a:t>
+              <a:t>‹Nº›</a:t>
             </a:fld>
             <a:endParaRPr lang="es-AR">
               <a:solidFill>
@@ -7714,7 +7714,7 @@
               <a:pPr>
                 <a:defRPr/>
               </a:pPr>
-              <a:t>‹#›</a:t>
+              <a:t>‹Nº›</a:t>
             </a:fld>
             <a:endParaRPr lang="es-AR">
               <a:solidFill>
@@ -7951,7 +7951,7 @@
               <a:pPr>
                 <a:defRPr/>
               </a:pPr>
-              <a:t>‹#›</a:t>
+              <a:t>‹Nº›</a:t>
             </a:fld>
             <a:endParaRPr lang="es-AR">
               <a:solidFill>
@@ -8275,7 +8275,7 @@
               <a:pPr>
                 <a:defRPr/>
               </a:pPr>
-              <a:t>‹#›</a:t>
+              <a:t>‹Nº›</a:t>
             </a:fld>
             <a:endParaRPr lang="es-AR">
               <a:solidFill>
@@ -8502,7 +8502,7 @@
               <a:pPr>
                 <a:defRPr/>
               </a:pPr>
-              <a:t>‹#›</a:t>
+              <a:t>‹Nº›</a:t>
             </a:fld>
             <a:endParaRPr lang="es-AR">
               <a:solidFill>
@@ -8805,7 +8805,7 @@
               <a:pPr>
                 <a:defRPr/>
               </a:pPr>
-              <a:t>‹#›</a:t>
+              <a:t>‹Nº›</a:t>
             </a:fld>
             <a:endParaRPr lang="es-AR">
               <a:solidFill>
@@ -9150,7 +9150,7 @@
               <a:pPr>
                 <a:defRPr/>
               </a:pPr>
-              <a:t>‹#›</a:t>
+              <a:t>‹Nº›</a:t>
             </a:fld>
             <a:endParaRPr lang="es-AR">
               <a:solidFill>
@@ -9629,7 +9629,7 @@
               <a:pPr>
                 <a:defRPr/>
               </a:pPr>
-              <a:t>‹#›</a:t>
+              <a:t>‹Nº›</a:t>
             </a:fld>
             <a:endParaRPr lang="es-AR">
               <a:solidFill>
@@ -9804,7 +9804,7 @@
               <a:pPr>
                 <a:defRPr/>
               </a:pPr>
-              <a:t>‹#›</a:t>
+              <a:t>‹Nº›</a:t>
             </a:fld>
             <a:endParaRPr lang="es-AR">
               <a:solidFill>
@@ -10125,7 +10125,7 @@
               <a:pPr>
                 <a:defRPr/>
               </a:pPr>
-              <a:t>‹#›</a:t>
+              <a:t>‹Nº›</a:t>
             </a:fld>
             <a:endParaRPr lang="es-AR"/>
           </a:p>
@@ -10266,7 +10266,7 @@
               <a:pPr>
                 <a:defRPr/>
               </a:pPr>
-              <a:t>‹#›</a:t>
+              <a:t>‹Nº›</a:t>
             </a:fld>
             <a:endParaRPr lang="es-AR">
               <a:solidFill>
@@ -10600,7 +10600,7 @@
               <a:pPr>
                 <a:defRPr/>
               </a:pPr>
-              <a:t>‹#›</a:t>
+              <a:t>‹Nº›</a:t>
             </a:fld>
             <a:endParaRPr lang="es-AR">
               <a:solidFill>
@@ -10917,7 +10917,7 @@
               <a:pPr>
                 <a:defRPr/>
               </a:pPr>
-              <a:t>‹#›</a:t>
+              <a:t>‹Nº›</a:t>
             </a:fld>
             <a:endParaRPr lang="es-AR">
               <a:solidFill>
@@ -11144,7 +11144,7 @@
               <a:pPr>
                 <a:defRPr/>
               </a:pPr>
-              <a:t>‹#›</a:t>
+              <a:t>‹Nº›</a:t>
             </a:fld>
             <a:endParaRPr lang="es-AR">
               <a:solidFill>
@@ -11381,7 +11381,7 @@
               <a:pPr>
                 <a:defRPr/>
               </a:pPr>
-              <a:t>‹#›</a:t>
+              <a:t>‹Nº›</a:t>
             </a:fld>
             <a:endParaRPr lang="es-AR">
               <a:solidFill>
@@ -11836,7 +11836,7 @@
               <a:pPr>
                 <a:defRPr/>
               </a:pPr>
-              <a:t>‹#›</a:t>
+              <a:t>‹Nº›</a:t>
             </a:fld>
             <a:endParaRPr lang="es-AR"/>
           </a:p>
@@ -11976,7 +11976,7 @@
               <a:pPr>
                 <a:defRPr/>
               </a:pPr>
-              <a:t>‹#›</a:t>
+              <a:t>‹Nº›</a:t>
             </a:fld>
             <a:endParaRPr lang="es-AR"/>
           </a:p>
@@ -12093,7 +12093,7 @@
               <a:pPr>
                 <a:defRPr/>
               </a:pPr>
-              <a:t>‹#›</a:t>
+              <a:t>‹Nº›</a:t>
             </a:fld>
             <a:endParaRPr lang="es-AR"/>
           </a:p>
@@ -12392,7 +12392,7 @@
               <a:pPr>
                 <a:defRPr/>
               </a:pPr>
-              <a:t>‹#›</a:t>
+              <a:t>‹Nº›</a:t>
             </a:fld>
             <a:endParaRPr lang="es-AR"/>
           </a:p>
@@ -12674,7 +12674,7 @@
               <a:pPr>
                 <a:defRPr/>
               </a:pPr>
-              <a:t>‹#›</a:t>
+              <a:t>‹Nº›</a:t>
             </a:fld>
             <a:endParaRPr lang="es-AR"/>
           </a:p>
@@ -12978,7 +12978,7 @@
               <a:pPr>
                 <a:defRPr/>
               </a:pPr>
-              <a:t>‹#›</a:t>
+              <a:t>‹Nº›</a:t>
             </a:fld>
             <a:endParaRPr lang="es-AR"/>
           </a:p>
@@ -13704,7 +13704,7 @@
               <a:pPr>
                 <a:defRPr/>
               </a:pPr>
-              <a:t>‹#›</a:t>
+              <a:t>‹Nº›</a:t>
             </a:fld>
             <a:endParaRPr lang="es-AR">
               <a:solidFill>
@@ -14441,7 +14441,7 @@
               <a:pPr>
                 <a:defRPr/>
               </a:pPr>
-              <a:t>‹#›</a:t>
+              <a:t>‹Nº›</a:t>
             </a:fld>
             <a:endParaRPr lang="es-AR">
               <a:solidFill>
@@ -15178,7 +15178,7 @@
               <a:pPr>
                 <a:defRPr/>
               </a:pPr>
-              <a:t>‹#›</a:t>
+              <a:t>‹Nº›</a:t>
             </a:fld>
             <a:endParaRPr lang="es-AR">
               <a:solidFill>
@@ -16012,13 +16012,13 @@
   <p:clrMapOvr>
     <a:masterClrMapping/>
   </p:clrMapOvr>
-  <mc:AlternateContent xmlns:mc="http://schemas.openxmlformats.org/markup-compatibility/2006">
-    <mc:Choice xmlns:p14="http://schemas.microsoft.com/office/powerpoint/2010/main" Requires="p14">
+  <mc:AlternateContent xmlns:mc="http://schemas.openxmlformats.org/markup-compatibility/2006" xmlns:p14="http://schemas.microsoft.com/office/powerpoint/2010/main">
+    <mc:Choice Requires="p14">
       <p:transition spd="med" p14:dur="700">
         <p:fade/>
       </p:transition>
     </mc:Choice>
-    <mc:Fallback>
+    <mc:Fallback xmlns="">
       <p:transition spd="med">
         <p:fade/>
       </p:transition>
@@ -16286,13 +16286,13 @@
   <p:clrMapOvr>
     <a:masterClrMapping/>
   </p:clrMapOvr>
-  <mc:AlternateContent xmlns:mc="http://schemas.openxmlformats.org/markup-compatibility/2006">
-    <mc:Choice xmlns:p14="http://schemas.microsoft.com/office/powerpoint/2010/main" Requires="p14">
+  <mc:AlternateContent xmlns:mc="http://schemas.openxmlformats.org/markup-compatibility/2006" xmlns:p14="http://schemas.microsoft.com/office/powerpoint/2010/main">
+    <mc:Choice Requires="p14">
       <p:transition spd="med" p14:dur="700">
         <p:fade/>
       </p:transition>
     </mc:Choice>
-    <mc:Fallback>
+    <mc:Fallback xmlns="">
       <p:transition spd="med">
         <p:fade/>
       </p:transition>
@@ -16564,13 +16564,13 @@
   <p:clrMapOvr>
     <a:masterClrMapping/>
   </p:clrMapOvr>
-  <mc:AlternateContent xmlns:mc="http://schemas.openxmlformats.org/markup-compatibility/2006">
-    <mc:Choice xmlns:p14="http://schemas.microsoft.com/office/powerpoint/2010/main" Requires="p14">
+  <mc:AlternateContent xmlns:mc="http://schemas.openxmlformats.org/markup-compatibility/2006" xmlns:p14="http://schemas.microsoft.com/office/powerpoint/2010/main">
+    <mc:Choice Requires="p14">
       <p:transition spd="med" p14:dur="700">
         <p:fade/>
       </p:transition>
     </mc:Choice>
-    <mc:Fallback>
+    <mc:Fallback xmlns="">
       <p:transition spd="med">
         <p:fade/>
       </p:transition>
@@ -16842,13 +16842,13 @@
   <p:clrMapOvr>
     <a:masterClrMapping/>
   </p:clrMapOvr>
-  <mc:AlternateContent xmlns:mc="http://schemas.openxmlformats.org/markup-compatibility/2006">
-    <mc:Choice xmlns:p14="http://schemas.microsoft.com/office/powerpoint/2010/main" Requires="p14">
+  <mc:AlternateContent xmlns:mc="http://schemas.openxmlformats.org/markup-compatibility/2006" xmlns:p14="http://schemas.microsoft.com/office/powerpoint/2010/main">
+    <mc:Choice Requires="p14">
       <p:transition spd="med" p14:dur="700">
         <p:fade/>
       </p:transition>
     </mc:Choice>
-    <mc:Fallback>
+    <mc:Fallback xmlns="">
       <p:transition spd="med">
         <p:fade/>
       </p:transition>
@@ -17120,13 +17120,13 @@
   <p:clrMapOvr>
     <a:masterClrMapping/>
   </p:clrMapOvr>
-  <mc:AlternateContent xmlns:mc="http://schemas.openxmlformats.org/markup-compatibility/2006">
-    <mc:Choice xmlns:p14="http://schemas.microsoft.com/office/powerpoint/2010/main" Requires="p14">
+  <mc:AlternateContent xmlns:mc="http://schemas.openxmlformats.org/markup-compatibility/2006" xmlns:p14="http://schemas.microsoft.com/office/powerpoint/2010/main">
+    <mc:Choice Requires="p14">
       <p:transition spd="med" p14:dur="700">
         <p:fade/>
       </p:transition>
     </mc:Choice>
-    <mc:Fallback>
+    <mc:Fallback xmlns="">
       <p:transition spd="med">
         <p:fade/>
       </p:transition>
@@ -17169,7 +17169,12 @@
             <p:ph type="title"/>
           </p:nvPr>
         </p:nvSpPr>
-        <p:spPr/>
+        <p:spPr>
+          <a:xfrm>
+            <a:off x="457200" y="1412776"/>
+            <a:ext cx="8229600" cy="838200"/>
+          </a:xfrm>
+        </p:spPr>
         <p:txBody>
           <a:bodyPr/>
           <a:lstStyle/>
@@ -17192,7 +17197,12 @@
             <p:ph idx="1"/>
           </p:nvPr>
         </p:nvSpPr>
-        <p:spPr/>
+        <p:spPr>
+          <a:xfrm>
+            <a:off x="0" y="2132856"/>
+            <a:ext cx="8229600" cy="4191000"/>
+          </a:xfrm>
+        </p:spPr>
         <p:txBody>
           <a:bodyPr/>
           <a:lstStyle/>
@@ -17214,25 +17224,25 @@
           <p:nvPr>
             <p:extLst>
               <p:ext uri="{D42A27DB-BD31-4B8C-83A1-F6EECF244321}">
-                <p14:modId xmlns:p14="http://schemas.microsoft.com/office/powerpoint/2010/main" val="3117760559"/>
+                <p14:modId xmlns:p14="http://schemas.microsoft.com/office/powerpoint/2010/main" val="4195840809"/>
               </p:ext>
             </p:extLst>
           </p:nvPr>
         </p:nvGraphicFramePr>
         <p:xfrm>
-          <a:off x="1979712" y="3140968"/>
-          <a:ext cx="5194300" cy="3171825"/>
+          <a:off x="1187624" y="2564904"/>
+          <a:ext cx="6480719" cy="4104450"/>
         </p:xfrm>
         <a:graphic>
           <a:graphicData uri="http://schemas.openxmlformats.org/drawingml/2006/table">
             <a:tbl>
               <a:tblPr/>
               <a:tblGrid>
-                <a:gridCol w="1917700"/>
-                <a:gridCol w="1638300"/>
-                <a:gridCol w="1638300"/>
+                <a:gridCol w="2392637"/>
+                <a:gridCol w="2044041"/>
+                <a:gridCol w="2044041"/>
               </a:tblGrid>
-              <a:tr h="200025">
+              <a:tr h="258839">
                 <a:tc gridSpan="3">
                   <a:txBody>
                     <a:bodyPr/>
@@ -17314,7 +17324,7 @@
                   <a:tcPr/>
                 </a:tc>
               </a:tr>
-              <a:tr h="200025">
+              <a:tr h="258839">
                 <a:tc>
                   <a:txBody>
                     <a:bodyPr/>
@@ -17322,7 +17332,7 @@
                     <a:p>
                       <a:pPr algn="ctr" fontAlgn="ctr"/>
                       <a:r>
-                        <a:rPr lang="es-ES" sz="1100" b="1" i="0" u="none" strike="noStrike">
+                        <a:rPr lang="es-ES" sz="1400" b="1" i="0" u="none" strike="noStrike" dirty="0">
                           <a:solidFill>
                             <a:srgbClr val="000000"/>
                           </a:solidFill>
@@ -17379,7 +17389,7 @@
                     <a:p>
                       <a:pPr algn="ctr" fontAlgn="ctr"/>
                       <a:r>
-                        <a:rPr lang="es-ES" sz="1100" b="0" i="0" u="none" strike="noStrike">
+                        <a:rPr lang="es-ES" sz="1400" b="0" i="0" u="none" strike="noStrike">
                           <a:solidFill>
                             <a:srgbClr val="000000"/>
                           </a:solidFill>
@@ -17436,7 +17446,7 @@
                     <a:p>
                       <a:pPr algn="ctr" fontAlgn="ctr"/>
                       <a:r>
-                        <a:rPr lang="es-ES" sz="1100" b="0" i="0" u="none" strike="noStrike">
+                        <a:rPr lang="es-ES" sz="1400" b="0" i="0" u="none" strike="noStrike">
                           <a:solidFill>
                             <a:srgbClr val="000000"/>
                           </a:solidFill>
@@ -17487,7 +17497,7 @@
                   </a:tcPr>
                 </a:tc>
               </a:tr>
-              <a:tr h="200025">
+              <a:tr h="258839">
                 <a:tc>
                   <a:txBody>
                     <a:bodyPr/>
@@ -17495,7 +17505,7 @@
                     <a:p>
                       <a:pPr algn="ctr" fontAlgn="ctr"/>
                       <a:r>
-                        <a:rPr lang="es-ES" sz="1100" b="1" i="0" u="none" strike="noStrike">
+                        <a:rPr lang="es-ES" sz="1400" b="1" i="0" u="none" strike="noStrike">
                           <a:solidFill>
                             <a:srgbClr val="000000"/>
                           </a:solidFill>
@@ -17552,7 +17562,7 @@
                     <a:p>
                       <a:pPr algn="ctr" fontAlgn="ctr"/>
                       <a:r>
-                        <a:rPr lang="es-ES" sz="1100" b="0" i="0" u="none" strike="noStrike">
+                        <a:rPr lang="es-ES" sz="1400" b="0" i="0" u="none" strike="noStrike">
                           <a:solidFill>
                             <a:srgbClr val="000000"/>
                           </a:solidFill>
@@ -17609,7 +17619,7 @@
                     <a:p>
                       <a:pPr algn="ctr" fontAlgn="ctr"/>
                       <a:r>
-                        <a:rPr lang="es-ES" sz="1100" b="0" i="0" u="none" strike="noStrike">
+                        <a:rPr lang="es-ES" sz="1400" b="0" i="0" u="none" strike="noStrike">
                           <a:solidFill>
                             <a:srgbClr val="000000"/>
                           </a:solidFill>
@@ -17660,7 +17670,7 @@
                   </a:tcPr>
                 </a:tc>
               </a:tr>
-              <a:tr h="200025">
+              <a:tr h="258839">
                 <a:tc>
                   <a:txBody>
                     <a:bodyPr/>
@@ -17668,7 +17678,7 @@
                     <a:p>
                       <a:pPr algn="ctr" fontAlgn="ctr"/>
                       <a:r>
-                        <a:rPr lang="es-ES" sz="1100" b="1" i="0" u="none" strike="noStrike">
+                        <a:rPr lang="es-ES" sz="1400" b="1" i="0" u="none" strike="noStrike">
                           <a:solidFill>
                             <a:srgbClr val="000000"/>
                           </a:solidFill>
@@ -17725,7 +17735,7 @@
                     <a:p>
                       <a:pPr algn="ctr" fontAlgn="ctr"/>
                       <a:r>
-                        <a:rPr lang="es-ES" sz="1100" b="0" i="0" u="none" strike="noStrike">
+                        <a:rPr lang="es-ES" sz="1400" b="0" i="0" u="none" strike="noStrike">
                           <a:solidFill>
                             <a:srgbClr val="000000"/>
                           </a:solidFill>
@@ -17782,7 +17792,7 @@
                     <a:p>
                       <a:pPr algn="ctr" fontAlgn="ctr"/>
                       <a:r>
-                        <a:rPr lang="es-ES" sz="1100" b="0" i="0" u="none" strike="noStrike">
+                        <a:rPr lang="es-ES" sz="1400" b="0" i="0" u="none" strike="noStrike" dirty="0">
                           <a:solidFill>
                             <a:srgbClr val="000000"/>
                           </a:solidFill>
@@ -17833,7 +17843,7 @@
                   </a:tcPr>
                 </a:tc>
               </a:tr>
-              <a:tr h="200025">
+              <a:tr h="258839">
                 <a:tc>
                   <a:txBody>
                     <a:bodyPr/>
@@ -17841,7 +17851,7 @@
                     <a:p>
                       <a:pPr algn="ctr" fontAlgn="ctr"/>
                       <a:r>
-                        <a:rPr lang="es-ES" sz="1100" b="1" i="0" u="none" strike="noStrike">
+                        <a:rPr lang="es-ES" sz="1400" b="1" i="0" u="none" strike="noStrike">
                           <a:solidFill>
                             <a:srgbClr val="000000"/>
                           </a:solidFill>
@@ -17898,7 +17908,7 @@
                     <a:p>
                       <a:pPr algn="ctr" fontAlgn="ctr"/>
                       <a:r>
-                        <a:rPr lang="es-ES" sz="1100" b="0" i="0" u="none" strike="noStrike" dirty="0">
+                        <a:rPr lang="es-ES" sz="1400" b="0" i="0" u="none" strike="noStrike" dirty="0">
                           <a:solidFill>
                             <a:srgbClr val="000000"/>
                           </a:solidFill>
@@ -17955,7 +17965,7 @@
                     <a:p>
                       <a:pPr algn="ctr" fontAlgn="ctr"/>
                       <a:r>
-                        <a:rPr lang="es-ES" sz="1100" b="0" i="0" u="none" strike="noStrike">
+                        <a:rPr lang="es-ES" sz="1400" b="0" i="0" u="none" strike="noStrike">
                           <a:solidFill>
                             <a:srgbClr val="000000"/>
                           </a:solidFill>
@@ -18006,7 +18016,7 @@
                   </a:tcPr>
                 </a:tc>
               </a:tr>
-              <a:tr h="390525">
+              <a:tr h="505354">
                 <a:tc>
                   <a:txBody>
                     <a:bodyPr/>
@@ -18014,7 +18024,7 @@
                     <a:p>
                       <a:pPr algn="ctr" fontAlgn="ctr"/>
                       <a:r>
-                        <a:rPr lang="es-ES" sz="1100" b="1" i="0" u="none" strike="noStrike">
+                        <a:rPr lang="es-ES" sz="1400" b="1" i="0" u="none" strike="noStrike">
                           <a:solidFill>
                             <a:srgbClr val="000000"/>
                           </a:solidFill>
@@ -18071,7 +18081,7 @@
                     <a:p>
                       <a:pPr algn="ctr" fontAlgn="ctr"/>
                       <a:r>
-                        <a:rPr lang="es-ES" sz="1100" b="0" i="0" u="none" strike="noStrike">
+                        <a:rPr lang="es-ES" sz="1400" b="0" i="0" u="none" strike="noStrike" dirty="0">
                           <a:solidFill>
                             <a:srgbClr val="000000"/>
                           </a:solidFill>
@@ -18128,7 +18138,7 @@
                     <a:p>
                       <a:pPr algn="ctr" fontAlgn="ctr"/>
                       <a:r>
-                        <a:rPr lang="es-ES" sz="1100" b="0" i="0" u="none" strike="noStrike">
+                        <a:rPr lang="es-ES" sz="1400" b="0" i="0" u="none" strike="noStrike">
                           <a:solidFill>
                             <a:srgbClr val="000000"/>
                           </a:solidFill>
@@ -18179,7 +18189,7 @@
                   </a:tcPr>
                 </a:tc>
               </a:tr>
-              <a:tr h="200025">
+              <a:tr h="258839">
                 <a:tc>
                   <a:txBody>
                     <a:bodyPr/>
@@ -18187,7 +18197,7 @@
                     <a:p>
                       <a:pPr algn="ctr" fontAlgn="ctr"/>
                       <a:r>
-                        <a:rPr lang="es-ES" sz="1100" b="1" i="0" u="none" strike="noStrike">
+                        <a:rPr lang="es-ES" sz="1400" b="1" i="0" u="none" strike="noStrike">
                           <a:solidFill>
                             <a:srgbClr val="000000"/>
                           </a:solidFill>
@@ -18244,7 +18254,7 @@
                     <a:p>
                       <a:pPr algn="ctr" fontAlgn="ctr"/>
                       <a:r>
-                        <a:rPr lang="es-ES" sz="1100" b="0" i="0" u="none" strike="noStrike">
+                        <a:rPr lang="es-ES" sz="1400" b="0" i="0" u="none" strike="noStrike">
                           <a:solidFill>
                             <a:srgbClr val="000000"/>
                           </a:solidFill>
@@ -18301,7 +18311,7 @@
                     <a:p>
                       <a:pPr algn="ctr" fontAlgn="ctr"/>
                       <a:r>
-                        <a:rPr lang="es-ES" sz="1100" b="0" i="0" u="none" strike="noStrike">
+                        <a:rPr lang="es-ES" sz="1400" b="0" i="0" u="none" strike="noStrike">
                           <a:solidFill>
                             <a:srgbClr val="000000"/>
                           </a:solidFill>
@@ -18352,7 +18362,7 @@
                   </a:tcPr>
                 </a:tc>
               </a:tr>
-              <a:tr h="200025">
+              <a:tr h="258839">
                 <a:tc gridSpan="3">
                   <a:txBody>
                     <a:bodyPr/>
@@ -18360,7 +18370,7 @@
                     <a:p>
                       <a:pPr algn="ctr" fontAlgn="ctr"/>
                       <a:r>
-                        <a:rPr lang="es-ES" sz="1100" b="1" i="0" u="none" strike="noStrike">
+                        <a:rPr lang="es-ES" sz="1400" b="1" i="0" u="none" strike="noStrike">
                           <a:solidFill>
                             <a:srgbClr val="000000"/>
                           </a:solidFill>
@@ -18434,7 +18444,7 @@
                   <a:tcPr/>
                 </a:tc>
               </a:tr>
-              <a:tr h="200025">
+              <a:tr h="258839">
                 <a:tc>
                   <a:txBody>
                     <a:bodyPr/>
@@ -18442,7 +18452,7 @@
                     <a:p>
                       <a:pPr algn="ctr" fontAlgn="ctr"/>
                       <a:r>
-                        <a:rPr lang="es-ES" sz="1100" b="1" i="0" u="none" strike="noStrike">
+                        <a:rPr lang="es-ES" sz="1400" b="1" i="0" u="none" strike="noStrike">
                           <a:solidFill>
                             <a:srgbClr val="000000"/>
                           </a:solidFill>
@@ -18499,7 +18509,7 @@
                     <a:p>
                       <a:pPr algn="ctr" fontAlgn="ctr"/>
                       <a:r>
-                        <a:rPr lang="es-ES" sz="1100" b="0" i="0" u="none" strike="noStrike">
+                        <a:rPr lang="es-ES" sz="1400" b="0" i="0" u="none" strike="noStrike">
                           <a:solidFill>
                             <a:srgbClr val="000000"/>
                           </a:solidFill>
@@ -18556,7 +18566,7 @@
                     <a:p>
                       <a:pPr algn="ctr" fontAlgn="ctr"/>
                       <a:r>
-                        <a:rPr lang="es-ES" sz="1100" b="0" i="0" u="none" strike="noStrike">
+                        <a:rPr lang="es-ES" sz="1400" b="0" i="0" u="none" strike="noStrike">
                           <a:solidFill>
                             <a:srgbClr val="000000"/>
                           </a:solidFill>
@@ -18607,7 +18617,7 @@
                   </a:tcPr>
                 </a:tc>
               </a:tr>
-              <a:tr h="200025">
+              <a:tr h="258839">
                 <a:tc gridSpan="3">
                   <a:txBody>
                     <a:bodyPr/>
@@ -18615,7 +18625,7 @@
                     <a:p>
                       <a:pPr algn="ctr" fontAlgn="ctr"/>
                       <a:r>
-                        <a:rPr lang="es-ES" sz="1100" b="1" i="0" u="none" strike="noStrike">
+                        <a:rPr lang="es-ES" sz="1400" b="1" i="0" u="none" strike="noStrike">
                           <a:solidFill>
                             <a:srgbClr val="000000"/>
                           </a:solidFill>
@@ -18689,7 +18699,7 @@
                   <a:tcPr/>
                 </a:tc>
               </a:tr>
-              <a:tr h="200025">
+              <a:tr h="258839">
                 <a:tc>
                   <a:txBody>
                     <a:bodyPr/>
@@ -18697,7 +18707,7 @@
                     <a:p>
                       <a:pPr algn="ctr" fontAlgn="ctr"/>
                       <a:r>
-                        <a:rPr lang="es-ES" sz="1100" b="1" i="0" u="none" strike="noStrike">
+                        <a:rPr lang="es-ES" sz="1400" b="1" i="0" u="none" strike="noStrike">
                           <a:solidFill>
                             <a:srgbClr val="000000"/>
                           </a:solidFill>
@@ -18754,7 +18764,7 @@
                     <a:p>
                       <a:pPr algn="ctr" fontAlgn="ctr"/>
                       <a:r>
-                        <a:rPr lang="es-ES" sz="1100" b="0" i="0" u="none" strike="noStrike">
+                        <a:rPr lang="es-ES" sz="1400" b="0" i="0" u="none" strike="noStrike" dirty="0">
                           <a:solidFill>
                             <a:srgbClr val="000000"/>
                           </a:solidFill>
@@ -18811,7 +18821,7 @@
                     <a:p>
                       <a:pPr algn="ctr" fontAlgn="ctr"/>
                       <a:r>
-                        <a:rPr lang="es-ES" sz="1100" b="1" i="0" u="none" strike="noStrike">
+                        <a:rPr lang="es-ES" sz="1400" b="1" i="0" u="none" strike="noStrike">
                           <a:solidFill>
                             <a:srgbClr val="000000"/>
                           </a:solidFill>
@@ -18862,7 +18872,7 @@
                   </a:tcPr>
                 </a:tc>
               </a:tr>
-              <a:tr h="190500">
+              <a:tr h="246514">
                 <a:tc>
                   <a:txBody>
                     <a:bodyPr/>
@@ -18870,7 +18880,7 @@
                     <a:p>
                       <a:pPr algn="ctr" fontAlgn="ctr"/>
                       <a:r>
-                        <a:rPr lang="es-ES" sz="1100" b="1" i="0" u="none" strike="noStrike">
+                        <a:rPr lang="es-ES" sz="1400" b="1" i="0" u="none" strike="noStrike">
                           <a:solidFill>
                             <a:srgbClr val="000000"/>
                           </a:solidFill>
@@ -18927,7 +18937,7 @@
                     <a:p>
                       <a:pPr algn="ctr" fontAlgn="ctr"/>
                       <a:r>
-                        <a:rPr lang="es-ES" sz="1100" b="0" i="0" u="none" strike="noStrike">
+                        <a:rPr lang="es-ES" sz="1400" b="0" i="0" u="none" strike="noStrike">
                           <a:solidFill>
                             <a:srgbClr val="000000"/>
                           </a:solidFill>
@@ -18984,7 +18994,7 @@
                     <a:p>
                       <a:pPr algn="ctr" fontAlgn="ctr"/>
                       <a:r>
-                        <a:rPr lang="es-ES" sz="1100" b="1" i="0" u="none" strike="noStrike">
+                        <a:rPr lang="es-ES" sz="1400" b="1" i="0" u="none" strike="noStrike">
                           <a:solidFill>
                             <a:srgbClr val="000000"/>
                           </a:solidFill>
@@ -19035,7 +19045,7 @@
                   </a:tcPr>
                 </a:tc>
               </a:tr>
-              <a:tr h="190500">
+              <a:tr h="246514">
                 <a:tc>
                   <a:txBody>
                     <a:bodyPr/>
@@ -19043,7 +19053,7 @@
                     <a:p>
                       <a:pPr algn="ctr" fontAlgn="ctr"/>
                       <a:r>
-                        <a:rPr lang="es-ES" sz="1100" b="1" i="0" u="none" strike="noStrike">
+                        <a:rPr lang="es-ES" sz="1400" b="1" i="0" u="none" strike="noStrike">
                           <a:solidFill>
                             <a:srgbClr val="000000"/>
                           </a:solidFill>
@@ -19100,7 +19110,7 @@
                     <a:p>
                       <a:pPr algn="ctr" fontAlgn="ctr"/>
                       <a:r>
-                        <a:rPr lang="es-ES" sz="1100" b="0" i="0" u="none" strike="noStrike">
+                        <a:rPr lang="es-ES" sz="1400" b="0" i="0" u="none" strike="noStrike">
                           <a:solidFill>
                             <a:srgbClr val="000000"/>
                           </a:solidFill>
@@ -19157,7 +19167,7 @@
                     <a:p>
                       <a:pPr algn="ctr" fontAlgn="ctr"/>
                       <a:r>
-                        <a:rPr lang="es-ES" sz="1100" b="1" i="0" u="none" strike="noStrike">
+                        <a:rPr lang="es-ES" sz="1400" b="1" i="0" u="none" strike="noStrike">
                           <a:solidFill>
                             <a:srgbClr val="000000"/>
                           </a:solidFill>
@@ -19208,7 +19218,7 @@
                   </a:tcPr>
                 </a:tc>
               </a:tr>
-              <a:tr h="200025">
+              <a:tr h="258839">
                 <a:tc>
                   <a:txBody>
                     <a:bodyPr/>
@@ -19216,7 +19226,7 @@
                     <a:p>
                       <a:pPr algn="ctr" fontAlgn="ctr"/>
                       <a:r>
-                        <a:rPr lang="es-ES" sz="1100" b="1" i="0" u="none" strike="noStrike">
+                        <a:rPr lang="es-ES" sz="1400" b="1" i="0" u="none" strike="noStrike">
                           <a:solidFill>
                             <a:srgbClr val="000000"/>
                           </a:solidFill>
@@ -19273,7 +19283,7 @@
                     <a:p>
                       <a:pPr algn="ctr" fontAlgn="ctr"/>
                       <a:r>
-                        <a:rPr lang="es-ES" sz="1100" b="0" i="0" u="none" strike="noStrike">
+                        <a:rPr lang="es-ES" sz="1400" b="0" i="0" u="none" strike="noStrike">
                           <a:solidFill>
                             <a:srgbClr val="000000"/>
                           </a:solidFill>
@@ -19330,7 +19340,7 @@
                     <a:p>
                       <a:pPr algn="ctr" fontAlgn="ctr"/>
                       <a:r>
-                        <a:rPr lang="es-ES" sz="1100" b="1" i="0" u="none" strike="noStrike">
+                        <a:rPr lang="es-ES" sz="1400" b="1" i="0" u="none" strike="noStrike">
                           <a:solidFill>
                             <a:srgbClr val="000000"/>
                           </a:solidFill>
@@ -19381,7 +19391,7 @@
                   </a:tcPr>
                 </a:tc>
               </a:tr>
-              <a:tr h="200025">
+              <a:tr h="258839">
                 <a:tc>
                   <a:txBody>
                     <a:bodyPr/>
@@ -19389,7 +19399,7 @@
                     <a:p>
                       <a:pPr algn="ctr" fontAlgn="ctr"/>
                       <a:r>
-                        <a:rPr lang="es-ES" sz="1100" b="0" i="0" u="none" strike="noStrike">
+                        <a:rPr lang="es-ES" sz="1400" b="0" i="0" u="none" strike="noStrike">
                           <a:solidFill>
                             <a:srgbClr val="000000"/>
                           </a:solidFill>
@@ -19446,7 +19456,7 @@
                     <a:p>
                       <a:pPr algn="ctr" fontAlgn="ctr"/>
                       <a:r>
-                        <a:rPr lang="es-ES" sz="1100" b="1" i="0" u="none" strike="noStrike" dirty="0">
+                        <a:rPr lang="es-ES" sz="1400" b="1" i="0" u="none" strike="noStrike" dirty="0">
                           <a:solidFill>
                             <a:srgbClr val="000000"/>
                           </a:solidFill>
@@ -19506,7 +19516,7 @@
                     <a:p>
                       <a:pPr algn="ctr" fontAlgn="ctr"/>
                       <a:r>
-                        <a:rPr lang="es-ES" sz="1100" b="1" i="0" u="none" strike="noStrike" dirty="0">
+                        <a:rPr lang="es-ES" sz="1400" b="1" i="0" u="none" strike="noStrike" dirty="0">
                           <a:solidFill>
                             <a:srgbClr val="000000"/>
                           </a:solidFill>
@@ -19574,18 +19584,25 @@
   <p:clrMapOvr>
     <a:masterClrMapping/>
   </p:clrMapOvr>
-  <mc:AlternateContent xmlns:mc="http://schemas.openxmlformats.org/markup-compatibility/2006">
-    <mc:Choice xmlns:p14="http://schemas.microsoft.com/office/powerpoint/2010/main" Requires="p14">
+  <mc:AlternateContent xmlns:mc="http://schemas.openxmlformats.org/markup-compatibility/2006" xmlns:p14="http://schemas.microsoft.com/office/powerpoint/2010/main">
+    <mc:Choice Requires="p14">
       <p:transition spd="med" p14:dur="700">
         <p:fade/>
       </p:transition>
     </mc:Choice>
-    <mc:Fallback>
+    <mc:Fallback xmlns="">
       <p:transition spd="med">
         <p:fade/>
       </p:transition>
     </mc:Fallback>
   </mc:AlternateContent>
+  <p:timing>
+    <p:tnLst>
+      <p:par>
+        <p:cTn id="1" dur="indefinite" restart="never" nodeType="tmRoot"/>
+      </p:par>
+    </p:tnLst>
+  </p:timing>
 </p:sld>
 </file>
 
@@ -19644,13 +19661,6 @@
           <a:bodyPr/>
           <a:lstStyle/>
           <a:p>
-            <a:r>
-              <a:rPr lang="es-AR" dirty="0" smtClean="0"/>
-              <a:t>Gastos Varios y Resumen</a:t>
-            </a:r>
-            <a:endParaRPr lang="es-AR" dirty="0"/>
-          </a:p>
-          <a:p>
             <a:pPr marL="0" indent="0">
               <a:buNone/>
             </a:pPr>
@@ -19660,6 +19670,12 @@
             <a:pPr marL="0" indent="0">
               <a:buNone/>
             </a:pPr>
+            <a:endParaRPr lang="es-AR" sz="1400" i="1" dirty="0" smtClean="0"/>
+          </a:p>
+          <a:p>
+            <a:pPr marL="0" indent="0">
+              <a:buNone/>
+            </a:pPr>
             <a:endParaRPr lang="es-AR" sz="1400" i="1" dirty="0"/>
           </a:p>
           <a:p>
@@ -19722,11 +19738,7 @@
             </a:pPr>
             <a:r>
               <a:rPr lang="es-AR" sz="1400" i="1" dirty="0" smtClean="0"/>
-              <a:t>E</a:t>
-            </a:r>
-            <a:r>
-              <a:rPr lang="es-AR" sz="1400" i="1" dirty="0" smtClean="0"/>
-              <a:t>stimación preliminar sobre los resultados económicos de este proyecto (datos previos a supervisión de la alta gerencia).</a:t>
+              <a:t>Estimación preliminar sobre los resultados económicos de este proyecto (datos previos a supervisión de la alta gerencia).</a:t>
             </a:r>
             <a:endParaRPr lang="es-AR" sz="1400" i="1" dirty="0"/>
           </a:p>
@@ -19741,14 +19753,14 @@
           <p:nvPr>
             <p:extLst>
               <p:ext uri="{D42A27DB-BD31-4B8C-83A1-F6EECF244321}">
-                <p14:modId xmlns:p14="http://schemas.microsoft.com/office/powerpoint/2010/main" val="2422335702"/>
+                <p14:modId xmlns:p14="http://schemas.microsoft.com/office/powerpoint/2010/main" val="2606619"/>
               </p:ext>
             </p:extLst>
           </p:nvPr>
         </p:nvGraphicFramePr>
         <p:xfrm>
-          <a:off x="2771800" y="3717032"/>
-          <a:ext cx="3556000" cy="1143000"/>
+          <a:off x="1619672" y="2996954"/>
+          <a:ext cx="5760640" cy="2448270"/>
         </p:xfrm>
         <a:graphic>
           <a:graphicData uri="http://schemas.openxmlformats.org/drawingml/2006/table">
@@ -19757,10 +19769,10 @@
                 <a:tableStyleId>{3C2FFA5D-87B4-456A-9821-1D502468CF0F}</a:tableStyleId>
               </a:tblPr>
               <a:tblGrid>
-                <a:gridCol w="1917700"/>
-                <a:gridCol w="1638300"/>
+                <a:gridCol w="3106631"/>
+                <a:gridCol w="2654009"/>
               </a:tblGrid>
-              <a:tr h="190500">
+              <a:tr h="408045">
                 <a:tc>
                   <a:txBody>
                     <a:bodyPr/>
@@ -19768,12 +19780,12 @@
                     <a:p>
                       <a:pPr algn="ctr" fontAlgn="b"/>
                       <a:r>
-                        <a:rPr lang="es-ES" sz="1100" u="none" strike="noStrike">
+                        <a:rPr lang="es-ES" sz="1600" u="none" strike="noStrike" dirty="0">
                           <a:effectLst/>
                         </a:rPr>
                         <a:t>COSTO TOTAL</a:t>
                       </a:r>
-                      <a:endParaRPr lang="es-ES" sz="1100" b="1" i="0" u="none" strike="noStrike">
+                      <a:endParaRPr lang="es-ES" sz="1600" b="1" i="0" u="none" strike="noStrike" dirty="0">
                         <a:solidFill>
                           <a:srgbClr val="000000"/>
                         </a:solidFill>
@@ -19791,12 +19803,12 @@
                     <a:p>
                       <a:pPr algn="ctr" fontAlgn="b"/>
                       <a:r>
-                        <a:rPr lang="es-ES" sz="1100" u="none" strike="noStrike">
+                        <a:rPr lang="es-ES" sz="1600" b="1" u="none" strike="noStrike" dirty="0">
                           <a:effectLst/>
                         </a:rPr>
                         <a:t>$ 72.543,60</a:t>
                       </a:r>
-                      <a:endParaRPr lang="es-ES" sz="1100" b="0" i="0" u="none" strike="noStrike">
+                      <a:endParaRPr lang="es-ES" sz="1600" b="1" i="0" u="none" strike="noStrike" dirty="0">
                         <a:solidFill>
                           <a:srgbClr val="000000"/>
                         </a:solidFill>
@@ -19808,7 +19820,7 @@
                   <a:tcPr marL="9525" marR="9525" marT="9525" marB="0" anchor="b"/>
                 </a:tc>
               </a:tr>
-              <a:tr h="190500">
+              <a:tr h="408045">
                 <a:tc>
                   <a:txBody>
                     <a:bodyPr/>
@@ -19816,12 +19828,12 @@
                     <a:p>
                       <a:pPr algn="ctr" fontAlgn="b"/>
                       <a:r>
-                        <a:rPr lang="es-ES" sz="1100" u="none" strike="noStrike">
+                        <a:rPr lang="es-ES" sz="1600" u="none" strike="noStrike">
                           <a:effectLst/>
                         </a:rPr>
                         <a:t>PRECIO DÓLAR</a:t>
                       </a:r>
-                      <a:endParaRPr lang="es-ES" sz="1100" b="1" i="0" u="none" strike="noStrike">
+                      <a:endParaRPr lang="es-ES" sz="1600" b="1" i="0" u="none" strike="noStrike">
                         <a:solidFill>
                           <a:srgbClr val="000000"/>
                         </a:solidFill>
@@ -19839,12 +19851,12 @@
                     <a:p>
                       <a:pPr algn="ctr" fontAlgn="b"/>
                       <a:r>
-                        <a:rPr lang="es-ES" sz="1100" u="none" strike="noStrike">
+                        <a:rPr lang="es-ES" sz="1600" u="none" strike="noStrike">
                           <a:effectLst/>
                         </a:rPr>
                         <a:t>4,12</a:t>
                       </a:r>
-                      <a:endParaRPr lang="es-ES" sz="1100" b="0" i="0" u="none" strike="noStrike">
+                      <a:endParaRPr lang="es-ES" sz="1600" b="0" i="0" u="none" strike="noStrike">
                         <a:solidFill>
                           <a:srgbClr val="000000"/>
                         </a:solidFill>
@@ -19856,7 +19868,7 @@
                   <a:tcPr marL="9525" marR="9525" marT="9525" marB="0" anchor="b"/>
                 </a:tc>
               </a:tr>
-              <a:tr h="190500">
+              <a:tr h="408045">
                 <a:tc>
                   <a:txBody>
                     <a:bodyPr/>
@@ -19864,12 +19876,12 @@
                     <a:p>
                       <a:pPr algn="ctr" fontAlgn="b"/>
                       <a:r>
-                        <a:rPr lang="es-ES" sz="1100" u="none" strike="noStrike">
+                        <a:rPr lang="es-ES" sz="1600" u="none" strike="noStrike">
                           <a:effectLst/>
                         </a:rPr>
                         <a:t>PORCENTAJE DE GANANCIA</a:t>
                       </a:r>
-                      <a:endParaRPr lang="es-ES" sz="1100" b="1" i="0" u="none" strike="noStrike">
+                      <a:endParaRPr lang="es-ES" sz="1600" b="1" i="0" u="none" strike="noStrike">
                         <a:solidFill>
                           <a:srgbClr val="000000"/>
                         </a:solidFill>
@@ -19887,12 +19899,12 @@
                     <a:p>
                       <a:pPr algn="ctr" fontAlgn="b"/>
                       <a:r>
-                        <a:rPr lang="es-ES" sz="1100" b="1" u="none" strike="noStrike" dirty="0">
+                        <a:rPr lang="es-ES" sz="1600" b="1" u="none" strike="noStrike" dirty="0">
                           <a:effectLst/>
                         </a:rPr>
                         <a:t>150%</a:t>
                       </a:r>
-                      <a:endParaRPr lang="es-ES" sz="1100" b="1" i="0" u="none" strike="noStrike" dirty="0">
+                      <a:endParaRPr lang="es-ES" sz="1600" b="1" i="0" u="none" strike="noStrike" dirty="0">
                         <a:solidFill>
                           <a:srgbClr val="000000"/>
                         </a:solidFill>
@@ -19904,7 +19916,7 @@
                   <a:tcPr marL="9525" marR="9525" marT="9525" marB="0" anchor="b"/>
                 </a:tc>
               </a:tr>
-              <a:tr h="190500">
+              <a:tr h="408045">
                 <a:tc>
                   <a:txBody>
                     <a:bodyPr/>
@@ -19912,12 +19924,12 @@
                     <a:p>
                       <a:pPr algn="ctr" fontAlgn="b"/>
                       <a:r>
-                        <a:rPr lang="es-ES" sz="1100" u="none" strike="noStrike">
+                        <a:rPr lang="es-ES" sz="1600" u="none" strike="noStrike">
                           <a:effectLst/>
                         </a:rPr>
                         <a:t>PRECIO DE VENTA (dólares)</a:t>
                       </a:r>
-                      <a:endParaRPr lang="es-ES" sz="1100" b="1" i="0" u="none" strike="noStrike">
+                      <a:endParaRPr lang="es-ES" sz="1600" b="1" i="0" u="none" strike="noStrike">
                         <a:solidFill>
                           <a:srgbClr val="000000"/>
                         </a:solidFill>
@@ -19935,12 +19947,12 @@
                     <a:p>
                       <a:pPr algn="ctr" fontAlgn="b"/>
                       <a:r>
-                        <a:rPr lang="es-ES" sz="1100" u="none" strike="noStrike">
+                        <a:rPr lang="es-ES" sz="1600" u="none" strike="noStrike" dirty="0">
                           <a:effectLst/>
                         </a:rPr>
                         <a:t>USD 44.019,17</a:t>
                       </a:r>
-                      <a:endParaRPr lang="es-ES" sz="1100" b="0" i="0" u="none" strike="noStrike">
+                      <a:endParaRPr lang="es-ES" sz="1600" b="0" i="0" u="none" strike="noStrike" dirty="0">
                         <a:solidFill>
                           <a:srgbClr val="000000"/>
                         </a:solidFill>
@@ -19952,7 +19964,7 @@
                   <a:tcPr marL="9525" marR="9525" marT="9525" marB="0" anchor="b"/>
                 </a:tc>
               </a:tr>
-              <a:tr h="190500">
+              <a:tr h="408045">
                 <a:tc>
                   <a:txBody>
                     <a:bodyPr/>
@@ -19960,12 +19972,12 @@
                     <a:p>
                       <a:pPr algn="ctr" fontAlgn="b"/>
                       <a:r>
-                        <a:rPr lang="es-ES" sz="1100" u="none" strike="noStrike">
+                        <a:rPr lang="es-ES" sz="1600" u="none" strike="noStrike">
                           <a:effectLst/>
                         </a:rPr>
                         <a:t>PRECIO DE VENTA (pesos arg)</a:t>
                       </a:r>
-                      <a:endParaRPr lang="es-ES" sz="1100" b="1" i="0" u="none" strike="noStrike">
+                      <a:endParaRPr lang="es-ES" sz="1600" b="1" i="0" u="none" strike="noStrike">
                         <a:solidFill>
                           <a:srgbClr val="000000"/>
                         </a:solidFill>
@@ -19983,12 +19995,12 @@
                     <a:p>
                       <a:pPr algn="ctr" fontAlgn="b"/>
                       <a:r>
-                        <a:rPr lang="es-ES" sz="1100" u="none" strike="noStrike">
+                        <a:rPr lang="es-ES" sz="1600" u="none" strike="noStrike">
                           <a:effectLst/>
                         </a:rPr>
                         <a:t>$ 181.359,00</a:t>
                       </a:r>
-                      <a:endParaRPr lang="es-ES" sz="1100" b="0" i="0" u="none" strike="noStrike">
+                      <a:endParaRPr lang="es-ES" sz="1600" b="0" i="0" u="none" strike="noStrike">
                         <a:solidFill>
                           <a:srgbClr val="000000"/>
                         </a:solidFill>
@@ -20000,7 +20012,7 @@
                   <a:tcPr marL="9525" marR="9525" marT="9525" marB="0" anchor="b"/>
                 </a:tc>
               </a:tr>
-              <a:tr h="190500">
+              <a:tr h="408045">
                 <a:tc>
                   <a:txBody>
                     <a:bodyPr/>
@@ -20008,12 +20020,12 @@
                     <a:p>
                       <a:pPr algn="ctr" fontAlgn="b"/>
                       <a:r>
-                        <a:rPr lang="es-ES" sz="1100" u="none" strike="noStrike">
+                        <a:rPr lang="es-ES" sz="1600" u="none" strike="noStrike" dirty="0">
                           <a:effectLst/>
                         </a:rPr>
                         <a:t>GANANCIA PARA LA EMPRESA</a:t>
                       </a:r>
-                      <a:endParaRPr lang="es-ES" sz="1100" b="1" i="0" u="none" strike="noStrike">
+                      <a:endParaRPr lang="es-ES" sz="1600" b="1" i="0" u="none" strike="noStrike" dirty="0">
                         <a:solidFill>
                           <a:srgbClr val="000000"/>
                         </a:solidFill>
@@ -20031,12 +20043,12 @@
                     <a:p>
                       <a:pPr algn="ctr" fontAlgn="b"/>
                       <a:r>
-                        <a:rPr lang="es-ES" sz="1100" u="none" strike="noStrike" dirty="0">
+                        <a:rPr lang="es-ES" sz="1800" b="1" u="none" strike="noStrike" dirty="0">
                           <a:effectLst/>
                         </a:rPr>
                         <a:t>$ 108.815,40</a:t>
                       </a:r>
-                      <a:endParaRPr lang="es-ES" sz="1100" b="0" i="0" u="none" strike="noStrike" dirty="0">
+                      <a:endParaRPr lang="es-ES" sz="1800" b="1" i="0" u="none" strike="noStrike" dirty="0">
                         <a:solidFill>
                           <a:srgbClr val="000000"/>
                         </a:solidFill>
@@ -20062,18 +20074,25 @@
   <p:clrMapOvr>
     <a:masterClrMapping/>
   </p:clrMapOvr>
-  <mc:AlternateContent xmlns:mc="http://schemas.openxmlformats.org/markup-compatibility/2006">
-    <mc:Choice xmlns:p14="http://schemas.microsoft.com/office/powerpoint/2010/main" Requires="p14">
+  <mc:AlternateContent xmlns:mc="http://schemas.openxmlformats.org/markup-compatibility/2006" xmlns:p14="http://schemas.microsoft.com/office/powerpoint/2010/main">
+    <mc:Choice Requires="p14">
       <p:transition spd="med" p14:dur="700">
         <p:fade/>
       </p:transition>
     </mc:Choice>
-    <mc:Fallback>
+    <mc:Fallback xmlns="">
       <p:transition spd="med">
         <p:fade/>
       </p:transition>
     </mc:Fallback>
   </mc:AlternateContent>
+  <p:timing>
+    <p:tnLst>
+      <p:par>
+        <p:cTn id="1" dur="indefinite" restart="never" nodeType="tmRoot"/>
+      </p:par>
+    </p:tnLst>
+  </p:timing>
 </p:sld>
 </file>
 
@@ -20134,7 +20153,15 @@
           <a:p>
             <a:r>
               <a:rPr lang="es-ES" dirty="0" smtClean="0"/>
-              <a:t>Se hace evidente la necesidad de un sistema de monitoreo en procesos industriales que hacen de soporte a la sociedad (industria energética, agraria, etc.).</a:t>
+              <a:t>Se hace evidente la necesidad de un sistema de monitoreo en procesos industriales que </a:t>
+            </a:r>
+            <a:r>
+              <a:rPr lang="es-ES" dirty="0" smtClean="0"/>
+              <a:t>haga de </a:t>
+            </a:r>
+            <a:r>
+              <a:rPr lang="es-ES" dirty="0" smtClean="0"/>
+              <a:t>soporte a la sociedad (industria energética, agraria, etc.).</a:t>
             </a:r>
           </a:p>
           <a:p>
@@ -20146,8 +20173,25 @@
           <a:p>
             <a:r>
               <a:rPr lang="es-ES" dirty="0" smtClean="0"/>
-              <a:t>El proyecto es económicamente viable según los cálculos iniciales.</a:t>
-            </a:r>
+              <a:t>El proyecto es económicamente viable según los cálculos iniciales</a:t>
+            </a:r>
+            <a:r>
+              <a:rPr lang="es-ES" dirty="0" smtClean="0"/>
+              <a:t>.</a:t>
+            </a:r>
+          </a:p>
+          <a:p>
+            <a:endParaRPr lang="es-ES" dirty="0" smtClean="0"/>
+          </a:p>
+          <a:p>
+            <a:r>
+              <a:rPr lang="es-ES" dirty="0" smtClean="0"/>
+              <a:t>El proyecto servirá de base para futuras implementaciones de sistemas SCADA de características similares</a:t>
+            </a:r>
+            <a:endParaRPr lang="es-ES" dirty="0"/>
+          </a:p>
+          <a:p>
+            <a:endParaRPr lang="es-ES" dirty="0" smtClean="0"/>
           </a:p>
         </p:txBody>
       </p:sp>
@@ -20161,13 +20205,13 @@
   <p:clrMapOvr>
     <a:masterClrMapping/>
   </p:clrMapOvr>
-  <mc:AlternateContent xmlns:mc="http://schemas.openxmlformats.org/markup-compatibility/2006">
-    <mc:Choice xmlns:p14="http://schemas.microsoft.com/office/powerpoint/2010/main" Requires="p14">
+  <mc:AlternateContent xmlns:mc="http://schemas.openxmlformats.org/markup-compatibility/2006" xmlns:p14="http://schemas.microsoft.com/office/powerpoint/2010/main">
+    <mc:Choice Requires="p14">
       <p:transition spd="med" p14:dur="700">
         <p:fade/>
       </p:transition>
     </mc:Choice>
-    <mc:Fallback>
+    <mc:Fallback xmlns="">
       <p:transition spd="med">
         <p:fade/>
       </p:transition>
@@ -20349,13 +20393,13 @@
   <p:clrMapOvr>
     <a:masterClrMapping/>
   </p:clrMapOvr>
-  <mc:AlternateContent xmlns:mc="http://schemas.openxmlformats.org/markup-compatibility/2006">
-    <mc:Choice xmlns:p14="http://schemas.microsoft.com/office/powerpoint/2010/main" Requires="p14">
+  <mc:AlternateContent xmlns:mc="http://schemas.openxmlformats.org/markup-compatibility/2006" xmlns:p14="http://schemas.microsoft.com/office/powerpoint/2010/main">
+    <mc:Choice Requires="p14">
       <p:transition spd="med" p14:dur="700">
         <p:fade/>
       </p:transition>
     </mc:Choice>
-    <mc:Fallback>
+    <mc:Fallback xmlns="">
       <p:transition spd="med">
         <p:fade/>
       </p:transition>
@@ -20576,18 +20620,25 @@
   <p:clrMapOvr>
     <a:masterClrMapping/>
   </p:clrMapOvr>
-  <mc:AlternateContent xmlns:mc="http://schemas.openxmlformats.org/markup-compatibility/2006">
-    <mc:Choice xmlns:p14="http://schemas.microsoft.com/office/powerpoint/2010/main" Requires="p14">
+  <mc:AlternateContent xmlns:mc="http://schemas.openxmlformats.org/markup-compatibility/2006" xmlns:p14="http://schemas.microsoft.com/office/powerpoint/2010/main">
+    <mc:Choice Requires="p14">
       <p:transition spd="med" p14:dur="700">
         <p:fade/>
       </p:transition>
     </mc:Choice>
-    <mc:Fallback>
+    <mc:Fallback xmlns="">
       <p:transition spd="med">
         <p:fade/>
       </p:transition>
     </mc:Fallback>
   </mc:AlternateContent>
+  <p:timing>
+    <p:tnLst>
+      <p:par>
+        <p:cTn id="1" dur="indefinite" restart="never" nodeType="tmRoot"/>
+      </p:par>
+    </p:tnLst>
+  </p:timing>
 </p:sld>
 </file>
 
@@ -20781,13 +20832,13 @@
   <p:clrMapOvr>
     <a:masterClrMapping/>
   </p:clrMapOvr>
-  <mc:AlternateContent xmlns:mc="http://schemas.openxmlformats.org/markup-compatibility/2006">
-    <mc:Choice xmlns:p14="http://schemas.microsoft.com/office/powerpoint/2010/main" Requires="p14">
+  <mc:AlternateContent xmlns:mc="http://schemas.openxmlformats.org/markup-compatibility/2006" xmlns:p14="http://schemas.microsoft.com/office/powerpoint/2010/main">
+    <mc:Choice Requires="p14">
       <p:transition spd="med" p14:dur="700">
         <p:fade/>
       </p:transition>
     </mc:Choice>
-    <mc:Fallback>
+    <mc:Fallback xmlns="">
       <p:transition spd="med">
         <p:fade/>
       </p:transition>
@@ -21109,13 +21160,13 @@
   <p:clrMapOvr>
     <a:masterClrMapping/>
   </p:clrMapOvr>
-  <mc:AlternateContent xmlns:mc="http://schemas.openxmlformats.org/markup-compatibility/2006">
-    <mc:Choice xmlns:p14="http://schemas.microsoft.com/office/powerpoint/2010/main" Requires="p14">
+  <mc:AlternateContent xmlns:mc="http://schemas.openxmlformats.org/markup-compatibility/2006" xmlns:p14="http://schemas.microsoft.com/office/powerpoint/2010/main">
+    <mc:Choice Requires="p14">
       <p:transition spd="med" p14:dur="700">
         <p:fade/>
       </p:transition>
     </mc:Choice>
-    <mc:Fallback>
+    <mc:Fallback xmlns="">
       <p:transition spd="med">
         <p:fade/>
       </p:transition>
@@ -21582,13 +21633,13 @@
   <p:clrMapOvr>
     <a:masterClrMapping/>
   </p:clrMapOvr>
-  <mc:AlternateContent xmlns:mc="http://schemas.openxmlformats.org/markup-compatibility/2006">
-    <mc:Choice xmlns:p14="http://schemas.microsoft.com/office/powerpoint/2010/main" Requires="p14">
+  <mc:AlternateContent xmlns:mc="http://schemas.openxmlformats.org/markup-compatibility/2006" xmlns:p14="http://schemas.microsoft.com/office/powerpoint/2010/main">
+    <mc:Choice Requires="p14">
       <p:transition spd="med" p14:dur="700">
         <p:fade/>
       </p:transition>
     </mc:Choice>
-    <mc:Fallback>
+    <mc:Fallback xmlns="">
       <p:transition spd="med">
         <p:fade/>
       </p:transition>
@@ -21927,13 +21978,13 @@
   <p:clrMapOvr>
     <a:masterClrMapping/>
   </p:clrMapOvr>
-  <mc:AlternateContent xmlns:mc="http://schemas.openxmlformats.org/markup-compatibility/2006">
-    <mc:Choice xmlns:p14="http://schemas.microsoft.com/office/powerpoint/2010/main" Requires="p14">
+  <mc:AlternateContent xmlns:mc="http://schemas.openxmlformats.org/markup-compatibility/2006" xmlns:p14="http://schemas.microsoft.com/office/powerpoint/2010/main">
+    <mc:Choice Requires="p14">
       <p:transition spd="med" p14:dur="700">
         <p:fade/>
       </p:transition>
     </mc:Choice>
-    <mc:Fallback>
+    <mc:Fallback xmlns="">
       <p:transition spd="med">
         <p:fade/>
       </p:transition>
@@ -22119,8 +22170,8 @@
         </p:blipFill>
         <p:spPr>
           <a:xfrm>
-            <a:off x="2627784" y="2636912"/>
-            <a:ext cx="6067425" cy="3362325"/>
+            <a:off x="2387079" y="2420888"/>
+            <a:ext cx="6756921" cy="3744416"/>
           </a:xfrm>
           <a:prstGeom prst="rect">
             <a:avLst/>
@@ -22137,13 +22188,13 @@
   <p:clrMapOvr>
     <a:masterClrMapping/>
   </p:clrMapOvr>
-  <mc:AlternateContent xmlns:mc="http://schemas.openxmlformats.org/markup-compatibility/2006">
-    <mc:Choice xmlns:p14="http://schemas.microsoft.com/office/powerpoint/2010/main" Requires="p14">
+  <mc:AlternateContent xmlns:mc="http://schemas.openxmlformats.org/markup-compatibility/2006" xmlns:p14="http://schemas.microsoft.com/office/powerpoint/2010/main">
+    <mc:Choice Requires="p14">
       <p:transition spd="med" p14:dur="700">
         <p:fade/>
       </p:transition>
     </mc:Choice>
-    <mc:Fallback>
+    <mc:Fallback xmlns="">
       <p:transition spd="med">
         <p:fade/>
       </p:transition>
@@ -22367,8 +22418,8 @@
         </p:blipFill>
         <p:spPr>
           <a:xfrm>
-            <a:off x="2158819" y="4509120"/>
-            <a:ext cx="4667250" cy="1733550"/>
+            <a:off x="1259632" y="4365104"/>
+            <a:ext cx="6157597" cy="2304256"/>
           </a:xfrm>
           <a:prstGeom prst="rect">
             <a:avLst/>
@@ -22385,13 +22436,13 @@
   <p:clrMapOvr>
     <a:masterClrMapping/>
   </p:clrMapOvr>
-  <mc:AlternateContent xmlns:mc="http://schemas.openxmlformats.org/markup-compatibility/2006">
-    <mc:Choice xmlns:p14="http://schemas.microsoft.com/office/powerpoint/2010/main" Requires="p14">
+  <mc:AlternateContent xmlns:mc="http://schemas.openxmlformats.org/markup-compatibility/2006" xmlns:p14="http://schemas.microsoft.com/office/powerpoint/2010/main">
+    <mc:Choice Requires="p14">
       <p:transition spd="med" p14:dur="700">
         <p:fade/>
       </p:transition>
     </mc:Choice>
-    <mc:Fallback>
+    <mc:Fallback xmlns="">
       <p:transition spd="med">
         <p:fade/>
       </p:transition>
@@ -22513,7 +22564,7 @@
         </p:blipFill>
         <p:spPr>
           <a:xfrm>
-            <a:off x="3491880" y="771074"/>
+            <a:off x="3491879" y="692696"/>
             <a:ext cx="4599441" cy="6318517"/>
           </a:xfrm>
           <a:prstGeom prst="rect">
@@ -22531,13 +22582,13 @@
   <p:clrMapOvr>
     <a:masterClrMapping/>
   </p:clrMapOvr>
-  <mc:AlternateContent xmlns:mc="http://schemas.openxmlformats.org/markup-compatibility/2006">
-    <mc:Choice xmlns:p14="http://schemas.microsoft.com/office/powerpoint/2010/main" Requires="p14">
+  <mc:AlternateContent xmlns:mc="http://schemas.openxmlformats.org/markup-compatibility/2006" xmlns:p14="http://schemas.microsoft.com/office/powerpoint/2010/main">
+    <mc:Choice Requires="p14">
       <p:transition spd="med" p14:dur="700">
         <p:fade/>
       </p:transition>
     </mc:Choice>
-    <mc:Fallback>
+    <mc:Fallback xmlns="">
       <p:transition spd="med">
         <p:fade/>
       </p:transition>
@@ -22634,13 +22685,13 @@
   <p:clrMapOvr>
     <a:masterClrMapping/>
   </p:clrMapOvr>
-  <mc:AlternateContent xmlns:mc="http://schemas.openxmlformats.org/markup-compatibility/2006">
-    <mc:Choice xmlns:p14="http://schemas.microsoft.com/office/powerpoint/2010/main" Requires="p14">
+  <mc:AlternateContent xmlns:mc="http://schemas.openxmlformats.org/markup-compatibility/2006" xmlns:p14="http://schemas.microsoft.com/office/powerpoint/2010/main">
+    <mc:Choice Requires="p14">
       <p:transition spd="med" p14:dur="700">
         <p:fade/>
       </p:transition>
     </mc:Choice>
-    <mc:Fallback>
+    <mc:Fallback xmlns="">
       <p:transition spd="med">
         <p:fade/>
       </p:transition>

--- a/trunk/Informes/TP Anual 1/3- Diseño/proyecto140611.pptx
+++ b/trunk/Informes/TP Anual 1/3- Diseño/proyecto140611.pptx
@@ -267,7 +267,7 @@
               <a:pPr>
                 <a:defRPr/>
               </a:pPr>
-              <a:t>6/13/2011</a:t>
+              <a:t>6/14/2011</a:t>
             </a:fld>
             <a:endParaRPr lang="en-US"/>
           </a:p>
@@ -463,7 +463,7 @@
     </p:spTree>
     <p:extLst>
       <p:ext uri="{BB962C8B-B14F-4D97-AF65-F5344CB8AC3E}">
-        <p14:creationId xmlns:p14="http://schemas.microsoft.com/office/powerpoint/2010/main" val="1389276015"/>
+        <p14:creationId xmlns:p14="http://schemas.microsoft.com/office/powerpoint/2010/main" xmlns="" val="1389276015"/>
       </p:ext>
     </p:extLst>
   </p:cSld>
@@ -599,7 +599,7 @@
     <p:bg>
       <p:bgPr>
         <a:blipFill dpi="0" rotWithShape="0">
-          <a:blip r:embed="rId2"/>
+          <a:blip r:embed="rId2" cstate="print"/>
           <a:srcRect/>
           <a:stretch>
             <a:fillRect/>
@@ -809,7 +809,7 @@
               <a:pPr>
                 <a:defRPr/>
               </a:pPr>
-              <a:t>13/06/2011</a:t>
+              <a:t>14/06/2011</a:t>
             </a:fld>
             <a:endParaRPr lang="es-AR"/>
           </a:p>
@@ -1001,7 +1001,7 @@
               <a:pPr>
                 <a:defRPr/>
               </a:pPr>
-              <a:t>13/06/2011</a:t>
+              <a:t>14/06/2011</a:t>
             </a:fld>
             <a:endParaRPr lang="es-AR"/>
           </a:p>
@@ -1203,7 +1203,7 @@
               <a:pPr>
                 <a:defRPr/>
               </a:pPr>
-              <a:t>13/06/2011</a:t>
+              <a:t>14/06/2011</a:t>
             </a:fld>
             <a:endParaRPr lang="es-AR"/>
           </a:p>
@@ -1282,7 +1282,7 @@
     <p:bg>
       <p:bgPr>
         <a:blipFill dpi="0" rotWithShape="0">
-          <a:blip r:embed="rId2"/>
+          <a:blip r:embed="rId2" cstate="print"/>
           <a:srcRect/>
           <a:stretch>
             <a:fillRect/>
@@ -1498,7 +1498,7 @@
               <a:pPr>
                 <a:defRPr/>
               </a:pPr>
-              <a:t>13/06/2011</a:t>
+              <a:t>14/06/2011</a:t>
             </a:fld>
             <a:endParaRPr lang="es-AR">
               <a:solidFill>
@@ -1590,7 +1590,7 @@
     </p:spTree>
     <p:extLst>
       <p:ext uri="{BB962C8B-B14F-4D97-AF65-F5344CB8AC3E}">
-        <p14:creationId xmlns:p14="http://schemas.microsoft.com/office/powerpoint/2010/main" val="3777896623"/>
+        <p14:creationId xmlns:p14="http://schemas.microsoft.com/office/powerpoint/2010/main" xmlns="" val="3777896623"/>
       </p:ext>
     </p:extLst>
   </p:cSld>
@@ -1725,7 +1725,7 @@
               <a:pPr>
                 <a:defRPr/>
               </a:pPr>
-              <a:t>13/06/2011</a:t>
+              <a:t>14/06/2011</a:t>
             </a:fld>
             <a:endParaRPr lang="es-AR">
               <a:solidFill>
@@ -1817,7 +1817,7 @@
     </p:spTree>
     <p:extLst>
       <p:ext uri="{BB962C8B-B14F-4D97-AF65-F5344CB8AC3E}">
-        <p14:creationId xmlns:p14="http://schemas.microsoft.com/office/powerpoint/2010/main" val="671988515"/>
+        <p14:creationId xmlns:p14="http://schemas.microsoft.com/office/powerpoint/2010/main" xmlns="" val="671988515"/>
       </p:ext>
     </p:extLst>
   </p:cSld>
@@ -2028,7 +2028,7 @@
               <a:pPr>
                 <a:defRPr/>
               </a:pPr>
-              <a:t>13/06/2011</a:t>
+              <a:t>14/06/2011</a:t>
             </a:fld>
             <a:endParaRPr lang="es-AR">
               <a:solidFill>
@@ -2120,7 +2120,7 @@
     </p:spTree>
     <p:extLst>
       <p:ext uri="{BB962C8B-B14F-4D97-AF65-F5344CB8AC3E}">
-        <p14:creationId xmlns:p14="http://schemas.microsoft.com/office/powerpoint/2010/main" val="823818449"/>
+        <p14:creationId xmlns:p14="http://schemas.microsoft.com/office/powerpoint/2010/main" xmlns="" val="823818449"/>
       </p:ext>
     </p:extLst>
   </p:cSld>
@@ -2373,7 +2373,7 @@
               <a:pPr>
                 <a:defRPr/>
               </a:pPr>
-              <a:t>13/06/2011</a:t>
+              <a:t>14/06/2011</a:t>
             </a:fld>
             <a:endParaRPr lang="es-AR">
               <a:solidFill>
@@ -2465,7 +2465,7 @@
     </p:spTree>
     <p:extLst>
       <p:ext uri="{BB962C8B-B14F-4D97-AF65-F5344CB8AC3E}">
-        <p14:creationId xmlns:p14="http://schemas.microsoft.com/office/powerpoint/2010/main" val="3800929692"/>
+        <p14:creationId xmlns:p14="http://schemas.microsoft.com/office/powerpoint/2010/main" xmlns="" val="3800929692"/>
       </p:ext>
     </p:extLst>
   </p:cSld>
@@ -2852,7 +2852,7 @@
               <a:pPr>
                 <a:defRPr/>
               </a:pPr>
-              <a:t>13/06/2011</a:t>
+              <a:t>14/06/2011</a:t>
             </a:fld>
             <a:endParaRPr lang="es-AR">
               <a:solidFill>
@@ -2944,7 +2944,7 @@
     </p:spTree>
     <p:extLst>
       <p:ext uri="{BB962C8B-B14F-4D97-AF65-F5344CB8AC3E}">
-        <p14:creationId xmlns:p14="http://schemas.microsoft.com/office/powerpoint/2010/main" val="1776761572"/>
+        <p14:creationId xmlns:p14="http://schemas.microsoft.com/office/powerpoint/2010/main" xmlns="" val="1776761572"/>
       </p:ext>
     </p:extLst>
   </p:cSld>
@@ -3027,7 +3027,7 @@
               <a:pPr>
                 <a:defRPr/>
               </a:pPr>
-              <a:t>13/06/2011</a:t>
+              <a:t>14/06/2011</a:t>
             </a:fld>
             <a:endParaRPr lang="es-AR">
               <a:solidFill>
@@ -3119,7 +3119,7 @@
     </p:spTree>
     <p:extLst>
       <p:ext uri="{BB962C8B-B14F-4D97-AF65-F5344CB8AC3E}">
-        <p14:creationId xmlns:p14="http://schemas.microsoft.com/office/powerpoint/2010/main" val="129074054"/>
+        <p14:creationId xmlns:p14="http://schemas.microsoft.com/office/powerpoint/2010/main" xmlns="" val="129074054"/>
       </p:ext>
     </p:extLst>
   </p:cSld>
@@ -3179,7 +3179,7 @@
               <a:pPr>
                 <a:defRPr/>
               </a:pPr>
-              <a:t>13/06/2011</a:t>
+              <a:t>14/06/2011</a:t>
             </a:fld>
             <a:endParaRPr lang="es-AR">
               <a:solidFill>
@@ -3271,7 +3271,7 @@
     </p:spTree>
     <p:extLst>
       <p:ext uri="{BB962C8B-B14F-4D97-AF65-F5344CB8AC3E}">
-        <p14:creationId xmlns:p14="http://schemas.microsoft.com/office/powerpoint/2010/main" val="277450841"/>
+        <p14:creationId xmlns:p14="http://schemas.microsoft.com/office/powerpoint/2010/main" xmlns="" val="277450841"/>
       </p:ext>
     </p:extLst>
   </p:cSld>
@@ -3513,7 +3513,7 @@
               <a:pPr>
                 <a:defRPr/>
               </a:pPr>
-              <a:t>13/06/2011</a:t>
+              <a:t>14/06/2011</a:t>
             </a:fld>
             <a:endParaRPr lang="es-AR">
               <a:solidFill>
@@ -3605,7 +3605,7 @@
     </p:spTree>
     <p:extLst>
       <p:ext uri="{BB962C8B-B14F-4D97-AF65-F5344CB8AC3E}">
-        <p14:creationId xmlns:p14="http://schemas.microsoft.com/office/powerpoint/2010/main" val="1027746096"/>
+        <p14:creationId xmlns:p14="http://schemas.microsoft.com/office/powerpoint/2010/main" xmlns="" val="1027746096"/>
       </p:ext>
     </p:extLst>
   </p:cSld>
@@ -3734,7 +3734,7 @@
               <a:pPr>
                 <a:defRPr/>
               </a:pPr>
-              <a:t>13/06/2011</a:t>
+              <a:t>14/06/2011</a:t>
             </a:fld>
             <a:endParaRPr lang="es-AR"/>
           </a:p>
@@ -4022,7 +4022,7 @@
               <a:pPr>
                 <a:defRPr/>
               </a:pPr>
-              <a:t>13/06/2011</a:t>
+              <a:t>14/06/2011</a:t>
             </a:fld>
             <a:endParaRPr lang="es-AR">
               <a:solidFill>
@@ -4114,7 +4114,7 @@
     </p:spTree>
     <p:extLst>
       <p:ext uri="{BB962C8B-B14F-4D97-AF65-F5344CB8AC3E}">
-        <p14:creationId xmlns:p14="http://schemas.microsoft.com/office/powerpoint/2010/main" val="1781292016"/>
+        <p14:creationId xmlns:p14="http://schemas.microsoft.com/office/powerpoint/2010/main" xmlns="" val="1781292016"/>
       </p:ext>
     </p:extLst>
   </p:cSld>
@@ -4249,7 +4249,7 @@
               <a:pPr>
                 <a:defRPr/>
               </a:pPr>
-              <a:t>13/06/2011</a:t>
+              <a:t>14/06/2011</a:t>
             </a:fld>
             <a:endParaRPr lang="es-AR">
               <a:solidFill>
@@ -4341,7 +4341,7 @@
     </p:spTree>
     <p:extLst>
       <p:ext uri="{BB962C8B-B14F-4D97-AF65-F5344CB8AC3E}">
-        <p14:creationId xmlns:p14="http://schemas.microsoft.com/office/powerpoint/2010/main" val="2371060601"/>
+        <p14:creationId xmlns:p14="http://schemas.microsoft.com/office/powerpoint/2010/main" xmlns="" val="2371060601"/>
       </p:ext>
     </p:extLst>
   </p:cSld>
@@ -4486,7 +4486,7 @@
               <a:pPr>
                 <a:defRPr/>
               </a:pPr>
-              <a:t>13/06/2011</a:t>
+              <a:t>14/06/2011</a:t>
             </a:fld>
             <a:endParaRPr lang="es-AR">
               <a:solidFill>
@@ -4578,7 +4578,7 @@
     </p:spTree>
     <p:extLst>
       <p:ext uri="{BB962C8B-B14F-4D97-AF65-F5344CB8AC3E}">
-        <p14:creationId xmlns:p14="http://schemas.microsoft.com/office/powerpoint/2010/main" val="231306336"/>
+        <p14:creationId xmlns:p14="http://schemas.microsoft.com/office/powerpoint/2010/main" xmlns="" val="231306336"/>
       </p:ext>
     </p:extLst>
   </p:cSld>
@@ -4594,7 +4594,7 @@
     <p:bg>
       <p:bgPr>
         <a:blipFill dpi="0" rotWithShape="0">
-          <a:blip r:embed="rId2"/>
+          <a:blip r:embed="rId2" cstate="print"/>
           <a:srcRect/>
           <a:stretch>
             <a:fillRect/>
@@ -4810,7 +4810,7 @@
               <a:pPr>
                 <a:defRPr/>
               </a:pPr>
-              <a:t>13/06/2011</a:t>
+              <a:t>14/06/2011</a:t>
             </a:fld>
             <a:endParaRPr lang="es-AR">
               <a:solidFill>
@@ -4902,7 +4902,7 @@
     </p:spTree>
     <p:extLst>
       <p:ext uri="{BB962C8B-B14F-4D97-AF65-F5344CB8AC3E}">
-        <p14:creationId xmlns:p14="http://schemas.microsoft.com/office/powerpoint/2010/main" val="1696776543"/>
+        <p14:creationId xmlns:p14="http://schemas.microsoft.com/office/powerpoint/2010/main" xmlns="" val="1696776543"/>
       </p:ext>
     </p:extLst>
   </p:cSld>
@@ -5037,7 +5037,7 @@
               <a:pPr>
                 <a:defRPr/>
               </a:pPr>
-              <a:t>13/06/2011</a:t>
+              <a:t>14/06/2011</a:t>
             </a:fld>
             <a:endParaRPr lang="es-AR">
               <a:solidFill>
@@ -5129,7 +5129,7 @@
     </p:spTree>
     <p:extLst>
       <p:ext uri="{BB962C8B-B14F-4D97-AF65-F5344CB8AC3E}">
-        <p14:creationId xmlns:p14="http://schemas.microsoft.com/office/powerpoint/2010/main" val="1591797227"/>
+        <p14:creationId xmlns:p14="http://schemas.microsoft.com/office/powerpoint/2010/main" xmlns="" val="1591797227"/>
       </p:ext>
     </p:extLst>
   </p:cSld>
@@ -5340,7 +5340,7 @@
               <a:pPr>
                 <a:defRPr/>
               </a:pPr>
-              <a:t>13/06/2011</a:t>
+              <a:t>14/06/2011</a:t>
             </a:fld>
             <a:endParaRPr lang="es-AR">
               <a:solidFill>
@@ -5432,7 +5432,7 @@
     </p:spTree>
     <p:extLst>
       <p:ext uri="{BB962C8B-B14F-4D97-AF65-F5344CB8AC3E}">
-        <p14:creationId xmlns:p14="http://schemas.microsoft.com/office/powerpoint/2010/main" val="3989167606"/>
+        <p14:creationId xmlns:p14="http://schemas.microsoft.com/office/powerpoint/2010/main" xmlns="" val="3989167606"/>
       </p:ext>
     </p:extLst>
   </p:cSld>
@@ -5685,7 +5685,7 @@
               <a:pPr>
                 <a:defRPr/>
               </a:pPr>
-              <a:t>13/06/2011</a:t>
+              <a:t>14/06/2011</a:t>
             </a:fld>
             <a:endParaRPr lang="es-AR">
               <a:solidFill>
@@ -5777,7 +5777,7 @@
     </p:spTree>
     <p:extLst>
       <p:ext uri="{BB962C8B-B14F-4D97-AF65-F5344CB8AC3E}">
-        <p14:creationId xmlns:p14="http://schemas.microsoft.com/office/powerpoint/2010/main" val="22619960"/>
+        <p14:creationId xmlns:p14="http://schemas.microsoft.com/office/powerpoint/2010/main" xmlns="" val="22619960"/>
       </p:ext>
     </p:extLst>
   </p:cSld>
@@ -6164,7 +6164,7 @@
               <a:pPr>
                 <a:defRPr/>
               </a:pPr>
-              <a:t>13/06/2011</a:t>
+              <a:t>14/06/2011</a:t>
             </a:fld>
             <a:endParaRPr lang="es-AR">
               <a:solidFill>
@@ -6256,7 +6256,7 @@
     </p:spTree>
     <p:extLst>
       <p:ext uri="{BB962C8B-B14F-4D97-AF65-F5344CB8AC3E}">
-        <p14:creationId xmlns:p14="http://schemas.microsoft.com/office/powerpoint/2010/main" val="3428242447"/>
+        <p14:creationId xmlns:p14="http://schemas.microsoft.com/office/powerpoint/2010/main" xmlns="" val="3428242447"/>
       </p:ext>
     </p:extLst>
   </p:cSld>
@@ -6339,7 +6339,7 @@
               <a:pPr>
                 <a:defRPr/>
               </a:pPr>
-              <a:t>13/06/2011</a:t>
+              <a:t>14/06/2011</a:t>
             </a:fld>
             <a:endParaRPr lang="es-AR">
               <a:solidFill>
@@ -6431,7 +6431,7 @@
     </p:spTree>
     <p:extLst>
       <p:ext uri="{BB962C8B-B14F-4D97-AF65-F5344CB8AC3E}">
-        <p14:creationId xmlns:p14="http://schemas.microsoft.com/office/powerpoint/2010/main" val="1191567490"/>
+        <p14:creationId xmlns:p14="http://schemas.microsoft.com/office/powerpoint/2010/main" xmlns="" val="1191567490"/>
       </p:ext>
     </p:extLst>
   </p:cSld>
@@ -6491,7 +6491,7 @@
               <a:pPr>
                 <a:defRPr/>
               </a:pPr>
-              <a:t>13/06/2011</a:t>
+              <a:t>14/06/2011</a:t>
             </a:fld>
             <a:endParaRPr lang="es-AR">
               <a:solidFill>
@@ -6583,7 +6583,7 @@
     </p:spTree>
     <p:extLst>
       <p:ext uri="{BB962C8B-B14F-4D97-AF65-F5344CB8AC3E}">
-        <p14:creationId xmlns:p14="http://schemas.microsoft.com/office/powerpoint/2010/main" val="2343786880"/>
+        <p14:creationId xmlns:p14="http://schemas.microsoft.com/office/powerpoint/2010/main" xmlns="" val="2343786880"/>
       </p:ext>
     </p:extLst>
   </p:cSld>
@@ -6788,7 +6788,7 @@
               <a:pPr>
                 <a:defRPr/>
               </a:pPr>
-              <a:t>13/06/2011</a:t>
+              <a:t>14/06/2011</a:t>
             </a:fld>
             <a:endParaRPr lang="es-AR"/>
           </a:p>
@@ -7093,7 +7093,7 @@
               <a:pPr>
                 <a:defRPr/>
               </a:pPr>
-              <a:t>13/06/2011</a:t>
+              <a:t>14/06/2011</a:t>
             </a:fld>
             <a:endParaRPr lang="es-AR">
               <a:solidFill>
@@ -7185,7 +7185,7 @@
     </p:spTree>
     <p:extLst>
       <p:ext uri="{BB962C8B-B14F-4D97-AF65-F5344CB8AC3E}">
-        <p14:creationId xmlns:p14="http://schemas.microsoft.com/office/powerpoint/2010/main" val="1783943044"/>
+        <p14:creationId xmlns:p14="http://schemas.microsoft.com/office/powerpoint/2010/main" xmlns="" val="1783943044"/>
       </p:ext>
     </p:extLst>
   </p:cSld>
@@ -7410,7 +7410,7 @@
               <a:pPr>
                 <a:defRPr/>
               </a:pPr>
-              <a:t>13/06/2011</a:t>
+              <a:t>14/06/2011</a:t>
             </a:fld>
             <a:endParaRPr lang="es-AR">
               <a:solidFill>
@@ -7502,7 +7502,7 @@
     </p:spTree>
     <p:extLst>
       <p:ext uri="{BB962C8B-B14F-4D97-AF65-F5344CB8AC3E}">
-        <p14:creationId xmlns:p14="http://schemas.microsoft.com/office/powerpoint/2010/main" val="3743672369"/>
+        <p14:creationId xmlns:p14="http://schemas.microsoft.com/office/powerpoint/2010/main" xmlns="" val="3743672369"/>
       </p:ext>
     </p:extLst>
   </p:cSld>
@@ -7637,7 +7637,7 @@
               <a:pPr>
                 <a:defRPr/>
               </a:pPr>
-              <a:t>13/06/2011</a:t>
+              <a:t>14/06/2011</a:t>
             </a:fld>
             <a:endParaRPr lang="es-AR">
               <a:solidFill>
@@ -7729,7 +7729,7 @@
     </p:spTree>
     <p:extLst>
       <p:ext uri="{BB962C8B-B14F-4D97-AF65-F5344CB8AC3E}">
-        <p14:creationId xmlns:p14="http://schemas.microsoft.com/office/powerpoint/2010/main" val="115402225"/>
+        <p14:creationId xmlns:p14="http://schemas.microsoft.com/office/powerpoint/2010/main" xmlns="" val="115402225"/>
       </p:ext>
     </p:extLst>
   </p:cSld>
@@ -7874,7 +7874,7 @@
               <a:pPr>
                 <a:defRPr/>
               </a:pPr>
-              <a:t>13/06/2011</a:t>
+              <a:t>14/06/2011</a:t>
             </a:fld>
             <a:endParaRPr lang="es-AR">
               <a:solidFill>
@@ -7966,7 +7966,7 @@
     </p:spTree>
     <p:extLst>
       <p:ext uri="{BB962C8B-B14F-4D97-AF65-F5344CB8AC3E}">
-        <p14:creationId xmlns:p14="http://schemas.microsoft.com/office/powerpoint/2010/main" val="2294831599"/>
+        <p14:creationId xmlns:p14="http://schemas.microsoft.com/office/powerpoint/2010/main" xmlns="" val="2294831599"/>
       </p:ext>
     </p:extLst>
   </p:cSld>
@@ -7982,7 +7982,7 @@
     <p:bg>
       <p:bgPr>
         <a:blipFill dpi="0" rotWithShape="0">
-          <a:blip r:embed="rId2"/>
+          <a:blip r:embed="rId2" cstate="print"/>
           <a:srcRect/>
           <a:stretch>
             <a:fillRect/>
@@ -8198,7 +8198,7 @@
               <a:pPr>
                 <a:defRPr/>
               </a:pPr>
-              <a:t>13/06/2011</a:t>
+              <a:t>14/06/2011</a:t>
             </a:fld>
             <a:endParaRPr lang="es-AR">
               <a:solidFill>
@@ -8290,7 +8290,7 @@
     </p:spTree>
     <p:extLst>
       <p:ext uri="{BB962C8B-B14F-4D97-AF65-F5344CB8AC3E}">
-        <p14:creationId xmlns:p14="http://schemas.microsoft.com/office/powerpoint/2010/main" val="369527432"/>
+        <p14:creationId xmlns:p14="http://schemas.microsoft.com/office/powerpoint/2010/main" xmlns="" val="369527432"/>
       </p:ext>
     </p:extLst>
   </p:cSld>
@@ -8425,7 +8425,7 @@
               <a:pPr>
                 <a:defRPr/>
               </a:pPr>
-              <a:t>13/06/2011</a:t>
+              <a:t>14/06/2011</a:t>
             </a:fld>
             <a:endParaRPr lang="es-AR">
               <a:solidFill>
@@ -8517,7 +8517,7 @@
     </p:spTree>
     <p:extLst>
       <p:ext uri="{BB962C8B-B14F-4D97-AF65-F5344CB8AC3E}">
-        <p14:creationId xmlns:p14="http://schemas.microsoft.com/office/powerpoint/2010/main" val="3010011057"/>
+        <p14:creationId xmlns:p14="http://schemas.microsoft.com/office/powerpoint/2010/main" xmlns="" val="3010011057"/>
       </p:ext>
     </p:extLst>
   </p:cSld>
@@ -8728,7 +8728,7 @@
               <a:pPr>
                 <a:defRPr/>
               </a:pPr>
-              <a:t>13/06/2011</a:t>
+              <a:t>14/06/2011</a:t>
             </a:fld>
             <a:endParaRPr lang="es-AR">
               <a:solidFill>
@@ -8820,7 +8820,7 @@
     </p:spTree>
     <p:extLst>
       <p:ext uri="{BB962C8B-B14F-4D97-AF65-F5344CB8AC3E}">
-        <p14:creationId xmlns:p14="http://schemas.microsoft.com/office/powerpoint/2010/main" val="1539975443"/>
+        <p14:creationId xmlns:p14="http://schemas.microsoft.com/office/powerpoint/2010/main" xmlns="" val="1539975443"/>
       </p:ext>
     </p:extLst>
   </p:cSld>
@@ -9073,7 +9073,7 @@
               <a:pPr>
                 <a:defRPr/>
               </a:pPr>
-              <a:t>13/06/2011</a:t>
+              <a:t>14/06/2011</a:t>
             </a:fld>
             <a:endParaRPr lang="es-AR">
               <a:solidFill>
@@ -9165,7 +9165,7 @@
     </p:spTree>
     <p:extLst>
       <p:ext uri="{BB962C8B-B14F-4D97-AF65-F5344CB8AC3E}">
-        <p14:creationId xmlns:p14="http://schemas.microsoft.com/office/powerpoint/2010/main" val="2297100974"/>
+        <p14:creationId xmlns:p14="http://schemas.microsoft.com/office/powerpoint/2010/main" xmlns="" val="2297100974"/>
       </p:ext>
     </p:extLst>
   </p:cSld>
@@ -9552,7 +9552,7 @@
               <a:pPr>
                 <a:defRPr/>
               </a:pPr>
-              <a:t>13/06/2011</a:t>
+              <a:t>14/06/2011</a:t>
             </a:fld>
             <a:endParaRPr lang="es-AR">
               <a:solidFill>
@@ -9644,7 +9644,7 @@
     </p:spTree>
     <p:extLst>
       <p:ext uri="{BB962C8B-B14F-4D97-AF65-F5344CB8AC3E}">
-        <p14:creationId xmlns:p14="http://schemas.microsoft.com/office/powerpoint/2010/main" val="2823646232"/>
+        <p14:creationId xmlns:p14="http://schemas.microsoft.com/office/powerpoint/2010/main" xmlns="" val="2823646232"/>
       </p:ext>
     </p:extLst>
   </p:cSld>
@@ -9727,7 +9727,7 @@
               <a:pPr>
                 <a:defRPr/>
               </a:pPr>
-              <a:t>13/06/2011</a:t>
+              <a:t>14/06/2011</a:t>
             </a:fld>
             <a:endParaRPr lang="es-AR">
               <a:solidFill>
@@ -9819,7 +9819,7 @@
     </p:spTree>
     <p:extLst>
       <p:ext uri="{BB962C8B-B14F-4D97-AF65-F5344CB8AC3E}">
-        <p14:creationId xmlns:p14="http://schemas.microsoft.com/office/powerpoint/2010/main" val="1276354070"/>
+        <p14:creationId xmlns:p14="http://schemas.microsoft.com/office/powerpoint/2010/main" xmlns="" val="1276354070"/>
       </p:ext>
     </p:extLst>
   </p:cSld>
@@ -10066,7 +10066,7 @@
               <a:pPr>
                 <a:defRPr/>
               </a:pPr>
-              <a:t>13/06/2011</a:t>
+              <a:t>14/06/2011</a:t>
             </a:fld>
             <a:endParaRPr lang="es-AR"/>
           </a:p>
@@ -10189,7 +10189,7 @@
               <a:pPr>
                 <a:defRPr/>
               </a:pPr>
-              <a:t>13/06/2011</a:t>
+              <a:t>14/06/2011</a:t>
             </a:fld>
             <a:endParaRPr lang="es-AR">
               <a:solidFill>
@@ -10281,7 +10281,7 @@
     </p:spTree>
     <p:extLst>
       <p:ext uri="{BB962C8B-B14F-4D97-AF65-F5344CB8AC3E}">
-        <p14:creationId xmlns:p14="http://schemas.microsoft.com/office/powerpoint/2010/main" val="2366996440"/>
+        <p14:creationId xmlns:p14="http://schemas.microsoft.com/office/powerpoint/2010/main" xmlns="" val="2366996440"/>
       </p:ext>
     </p:extLst>
   </p:cSld>
@@ -10523,7 +10523,7 @@
               <a:pPr>
                 <a:defRPr/>
               </a:pPr>
-              <a:t>13/06/2011</a:t>
+              <a:t>14/06/2011</a:t>
             </a:fld>
             <a:endParaRPr lang="es-AR">
               <a:solidFill>
@@ -10615,7 +10615,7 @@
     </p:spTree>
     <p:extLst>
       <p:ext uri="{BB962C8B-B14F-4D97-AF65-F5344CB8AC3E}">
-        <p14:creationId xmlns:p14="http://schemas.microsoft.com/office/powerpoint/2010/main" val="1043598333"/>
+        <p14:creationId xmlns:p14="http://schemas.microsoft.com/office/powerpoint/2010/main" xmlns="" val="1043598333"/>
       </p:ext>
     </p:extLst>
   </p:cSld>
@@ -10840,7 +10840,7 @@
               <a:pPr>
                 <a:defRPr/>
               </a:pPr>
-              <a:t>13/06/2011</a:t>
+              <a:t>14/06/2011</a:t>
             </a:fld>
             <a:endParaRPr lang="es-AR">
               <a:solidFill>
@@ -10932,7 +10932,7 @@
     </p:spTree>
     <p:extLst>
       <p:ext uri="{BB962C8B-B14F-4D97-AF65-F5344CB8AC3E}">
-        <p14:creationId xmlns:p14="http://schemas.microsoft.com/office/powerpoint/2010/main" val="1067350025"/>
+        <p14:creationId xmlns:p14="http://schemas.microsoft.com/office/powerpoint/2010/main" xmlns="" val="1067350025"/>
       </p:ext>
     </p:extLst>
   </p:cSld>
@@ -11067,7 +11067,7 @@
               <a:pPr>
                 <a:defRPr/>
               </a:pPr>
-              <a:t>13/06/2011</a:t>
+              <a:t>14/06/2011</a:t>
             </a:fld>
             <a:endParaRPr lang="es-AR">
               <a:solidFill>
@@ -11159,7 +11159,7 @@
     </p:spTree>
     <p:extLst>
       <p:ext uri="{BB962C8B-B14F-4D97-AF65-F5344CB8AC3E}">
-        <p14:creationId xmlns:p14="http://schemas.microsoft.com/office/powerpoint/2010/main" val="2320675772"/>
+        <p14:creationId xmlns:p14="http://schemas.microsoft.com/office/powerpoint/2010/main" xmlns="" val="2320675772"/>
       </p:ext>
     </p:extLst>
   </p:cSld>
@@ -11304,7 +11304,7 @@
               <a:pPr>
                 <a:defRPr/>
               </a:pPr>
-              <a:t>13/06/2011</a:t>
+              <a:t>14/06/2011</a:t>
             </a:fld>
             <a:endParaRPr lang="es-AR">
               <a:solidFill>
@@ -11396,7 +11396,7 @@
     </p:spTree>
     <p:extLst>
       <p:ext uri="{BB962C8B-B14F-4D97-AF65-F5344CB8AC3E}">
-        <p14:creationId xmlns:p14="http://schemas.microsoft.com/office/powerpoint/2010/main" val="3075762006"/>
+        <p14:creationId xmlns:p14="http://schemas.microsoft.com/office/powerpoint/2010/main" xmlns="" val="3075762006"/>
       </p:ext>
     </p:extLst>
   </p:cSld>
@@ -11777,7 +11777,7 @@
               <a:pPr>
                 <a:defRPr/>
               </a:pPr>
-              <a:t>13/06/2011</a:t>
+              <a:t>14/06/2011</a:t>
             </a:fld>
             <a:endParaRPr lang="es-AR"/>
           </a:p>
@@ -11917,7 +11917,7 @@
               <a:pPr>
                 <a:defRPr/>
               </a:pPr>
-              <a:t>13/06/2011</a:t>
+              <a:t>14/06/2011</a:t>
             </a:fld>
             <a:endParaRPr lang="es-AR"/>
           </a:p>
@@ -12034,7 +12034,7 @@
               <a:pPr>
                 <a:defRPr/>
               </a:pPr>
-              <a:t>13/06/2011</a:t>
+              <a:t>14/06/2011</a:t>
             </a:fld>
             <a:endParaRPr lang="es-AR"/>
           </a:p>
@@ -12333,7 +12333,7 @@
               <a:pPr>
                 <a:defRPr/>
               </a:pPr>
-              <a:t>13/06/2011</a:t>
+              <a:t>14/06/2011</a:t>
             </a:fld>
             <a:endParaRPr lang="es-AR"/>
           </a:p>
@@ -12615,7 +12615,7 @@
               <a:pPr>
                 <a:defRPr/>
               </a:pPr>
-              <a:t>13/06/2011</a:t>
+              <a:t>14/06/2011</a:t>
             </a:fld>
             <a:endParaRPr lang="es-AR"/>
           </a:p>
@@ -12694,7 +12694,7 @@
     <p:bg>
       <p:bgPr>
         <a:blipFill dpi="0" rotWithShape="0">
-          <a:blip r:embed="rId13"/>
+          <a:blip r:embed="rId13" cstate="print"/>
           <a:srcRect/>
           <a:stretch>
             <a:fillRect/>
@@ -12877,7 +12877,7 @@
               <a:pPr>
                 <a:defRPr/>
               </a:pPr>
-              <a:t>13/06/2011</a:t>
+              <a:t>14/06/2011</a:t>
             </a:fld>
             <a:endParaRPr lang="es-AR"/>
           </a:p>
@@ -13396,7 +13396,7 @@
     <p:bg>
       <p:bgPr>
         <a:blipFill dpi="0" rotWithShape="0">
-          <a:blip r:embed="rId13"/>
+          <a:blip r:embed="rId13" cstate="print"/>
           <a:srcRect/>
           <a:stretch>
             <a:fillRect/>
@@ -13585,7 +13585,7 @@
               <a:pPr>
                 <a:defRPr/>
               </a:pPr>
-              <a:t>13/06/2011</a:t>
+              <a:t>14/06/2011</a:t>
             </a:fld>
             <a:endParaRPr lang="es-AR">
               <a:solidFill>
@@ -13719,7 +13719,7 @@
     </p:spTree>
     <p:extLst>
       <p:ext uri="{BB962C8B-B14F-4D97-AF65-F5344CB8AC3E}">
-        <p14:creationId xmlns:p14="http://schemas.microsoft.com/office/powerpoint/2010/main" val="546253432"/>
+        <p14:creationId xmlns:p14="http://schemas.microsoft.com/office/powerpoint/2010/main" xmlns="" val="546253432"/>
       </p:ext>
     </p:extLst>
   </p:cSld>
@@ -14133,7 +14133,7 @@
     <p:bg>
       <p:bgPr>
         <a:blipFill dpi="0" rotWithShape="0">
-          <a:blip r:embed="rId13"/>
+          <a:blip r:embed="rId13" cstate="print"/>
           <a:srcRect/>
           <a:stretch>
             <a:fillRect/>
@@ -14322,7 +14322,7 @@
               <a:pPr>
                 <a:defRPr/>
               </a:pPr>
-              <a:t>13/06/2011</a:t>
+              <a:t>14/06/2011</a:t>
             </a:fld>
             <a:endParaRPr lang="es-AR">
               <a:solidFill>
@@ -14456,7 +14456,7 @@
     </p:spTree>
     <p:extLst>
       <p:ext uri="{BB962C8B-B14F-4D97-AF65-F5344CB8AC3E}">
-        <p14:creationId xmlns:p14="http://schemas.microsoft.com/office/powerpoint/2010/main" val="1942280772"/>
+        <p14:creationId xmlns:p14="http://schemas.microsoft.com/office/powerpoint/2010/main" xmlns="" val="1942280772"/>
       </p:ext>
     </p:extLst>
   </p:cSld>
@@ -14870,7 +14870,7 @@
     <p:bg>
       <p:bgPr>
         <a:blipFill dpi="0" rotWithShape="0">
-          <a:blip r:embed="rId13"/>
+          <a:blip r:embed="rId13" cstate="print"/>
           <a:srcRect/>
           <a:stretch>
             <a:fillRect/>
@@ -15059,7 +15059,7 @@
               <a:pPr>
                 <a:defRPr/>
               </a:pPr>
-              <a:t>13/06/2011</a:t>
+              <a:t>14/06/2011</a:t>
             </a:fld>
             <a:endParaRPr lang="es-AR">
               <a:solidFill>
@@ -15193,7 +15193,7 @@
     </p:spTree>
     <p:extLst>
       <p:ext uri="{BB962C8B-B14F-4D97-AF65-F5344CB8AC3E}">
-        <p14:creationId xmlns:p14="http://schemas.microsoft.com/office/powerpoint/2010/main" val="2541274783"/>
+        <p14:creationId xmlns:p14="http://schemas.microsoft.com/office/powerpoint/2010/main" xmlns="" val="2541274783"/>
       </p:ext>
     </p:extLst>
   </p:cSld>
@@ -15959,7 +15959,7 @@
           <a:blip r:embed="rId2" cstate="print">
             <a:extLst>
               <a:ext uri="{28A0092B-C50C-407E-A947-70E740481C1C}">
-                <a14:useLocalDpi xmlns:a14="http://schemas.microsoft.com/office/drawing/2010/main" val="0"/>
+                <a14:useLocalDpi xmlns:a14="http://schemas.microsoft.com/office/drawing/2010/main" xmlns="" val="0"/>
               </a:ext>
             </a:extLst>
           </a:blip>
@@ -15989,7 +15989,7 @@
           <a:blip r:embed="rId3" cstate="print">
             <a:extLst>
               <a:ext uri="{28A0092B-C50C-407E-A947-70E740481C1C}">
-                <a14:useLocalDpi xmlns:a14="http://schemas.microsoft.com/office/drawing/2010/main" val="0"/>
+                <a14:useLocalDpi xmlns:a14="http://schemas.microsoft.com/office/drawing/2010/main" xmlns="" val="0"/>
               </a:ext>
             </a:extLst>
           </a:blip>
@@ -16012,13 +16012,13 @@
   <p:clrMapOvr>
     <a:masterClrMapping/>
   </p:clrMapOvr>
-  <mc:AlternateContent xmlns:mc="http://schemas.openxmlformats.org/markup-compatibility/2006" xmlns:p14="http://schemas.microsoft.com/office/powerpoint/2010/main">
-    <mc:Choice Requires="p14">
+  <mc:AlternateContent xmlns:mc="http://schemas.openxmlformats.org/markup-compatibility/2006">
+    <mc:Choice xmlns:p14="http://schemas.microsoft.com/office/powerpoint/2010/main" xmlns="" Requires="p14">
       <p:transition spd="med" p14:dur="700">
         <p:fade/>
       </p:transition>
     </mc:Choice>
-    <mc:Fallback xmlns="">
+    <mc:Fallback>
       <p:transition spd="med">
         <p:fade/>
       </p:transition>
@@ -16068,10 +16068,10 @@
           <p:nvPr/>
         </p:nvPicPr>
         <p:blipFill>
-          <a:blip r:embed="rId2">
+          <a:blip r:embed="rId2" cstate="print">
             <a:extLst>
               <a:ext uri="{28A0092B-C50C-407E-A947-70E740481C1C}">
-                <a14:useLocalDpi xmlns:a14="http://schemas.microsoft.com/office/drawing/2010/main" val="0"/>
+                <a14:useLocalDpi xmlns:a14="http://schemas.microsoft.com/office/drawing/2010/main" xmlns="" val="0"/>
               </a:ext>
             </a:extLst>
           </a:blip>
@@ -16279,20 +16279,20 @@
     </p:spTree>
     <p:extLst>
       <p:ext uri="{BB962C8B-B14F-4D97-AF65-F5344CB8AC3E}">
-        <p14:creationId xmlns:p14="http://schemas.microsoft.com/office/powerpoint/2010/main" val="3866744479"/>
+        <p14:creationId xmlns:p14="http://schemas.microsoft.com/office/powerpoint/2010/main" xmlns="" val="3866744479"/>
       </p:ext>
     </p:extLst>
   </p:cSld>
   <p:clrMapOvr>
     <a:masterClrMapping/>
   </p:clrMapOvr>
-  <mc:AlternateContent xmlns:mc="http://schemas.openxmlformats.org/markup-compatibility/2006" xmlns:p14="http://schemas.microsoft.com/office/powerpoint/2010/main">
-    <mc:Choice Requires="p14">
+  <mc:AlternateContent xmlns:mc="http://schemas.openxmlformats.org/markup-compatibility/2006">
+    <mc:Choice xmlns:p14="http://schemas.microsoft.com/office/powerpoint/2010/main" xmlns="" Requires="p14">
       <p:transition spd="med" p14:dur="700">
         <p:fade/>
       </p:transition>
     </mc:Choice>
-    <mc:Fallback xmlns="">
+    <mc:Fallback>
       <p:transition spd="med">
         <p:fade/>
       </p:transition>
@@ -16342,10 +16342,10 @@
           <p:nvPr/>
         </p:nvPicPr>
         <p:blipFill>
-          <a:blip r:embed="rId2">
+          <a:blip r:embed="rId2" cstate="print">
             <a:extLst>
               <a:ext uri="{28A0092B-C50C-407E-A947-70E740481C1C}">
-                <a14:useLocalDpi xmlns:a14="http://schemas.microsoft.com/office/drawing/2010/main" val="0"/>
+                <a14:useLocalDpi xmlns:a14="http://schemas.microsoft.com/office/drawing/2010/main" xmlns="" val="0"/>
               </a:ext>
             </a:extLst>
           </a:blip>
@@ -16557,20 +16557,20 @@
     </p:spTree>
     <p:extLst>
       <p:ext uri="{BB962C8B-B14F-4D97-AF65-F5344CB8AC3E}">
-        <p14:creationId xmlns:p14="http://schemas.microsoft.com/office/powerpoint/2010/main" val="3141520433"/>
+        <p14:creationId xmlns:p14="http://schemas.microsoft.com/office/powerpoint/2010/main" xmlns="" val="3141520433"/>
       </p:ext>
     </p:extLst>
   </p:cSld>
   <p:clrMapOvr>
     <a:masterClrMapping/>
   </p:clrMapOvr>
-  <mc:AlternateContent xmlns:mc="http://schemas.openxmlformats.org/markup-compatibility/2006" xmlns:p14="http://schemas.microsoft.com/office/powerpoint/2010/main">
-    <mc:Choice Requires="p14">
+  <mc:AlternateContent xmlns:mc="http://schemas.openxmlformats.org/markup-compatibility/2006">
+    <mc:Choice xmlns:p14="http://schemas.microsoft.com/office/powerpoint/2010/main" xmlns="" Requires="p14">
       <p:transition spd="med" p14:dur="700">
         <p:fade/>
       </p:transition>
     </mc:Choice>
-    <mc:Fallback xmlns="">
+    <mc:Fallback>
       <p:transition spd="med">
         <p:fade/>
       </p:transition>
@@ -16620,10 +16620,10 @@
           <p:nvPr/>
         </p:nvPicPr>
         <p:blipFill>
-          <a:blip r:embed="rId2">
+          <a:blip r:embed="rId2" cstate="print">
             <a:extLst>
               <a:ext uri="{28A0092B-C50C-407E-A947-70E740481C1C}">
-                <a14:useLocalDpi xmlns:a14="http://schemas.microsoft.com/office/drawing/2010/main" val="0"/>
+                <a14:useLocalDpi xmlns:a14="http://schemas.microsoft.com/office/drawing/2010/main" xmlns="" val="0"/>
               </a:ext>
             </a:extLst>
           </a:blip>
@@ -16835,20 +16835,20 @@
     </p:spTree>
     <p:extLst>
       <p:ext uri="{BB962C8B-B14F-4D97-AF65-F5344CB8AC3E}">
-        <p14:creationId xmlns:p14="http://schemas.microsoft.com/office/powerpoint/2010/main" val="3806625537"/>
+        <p14:creationId xmlns:p14="http://schemas.microsoft.com/office/powerpoint/2010/main" xmlns="" val="3806625537"/>
       </p:ext>
     </p:extLst>
   </p:cSld>
   <p:clrMapOvr>
     <a:masterClrMapping/>
   </p:clrMapOvr>
-  <mc:AlternateContent xmlns:mc="http://schemas.openxmlformats.org/markup-compatibility/2006" xmlns:p14="http://schemas.microsoft.com/office/powerpoint/2010/main">
-    <mc:Choice Requires="p14">
+  <mc:AlternateContent xmlns:mc="http://schemas.openxmlformats.org/markup-compatibility/2006">
+    <mc:Choice xmlns:p14="http://schemas.microsoft.com/office/powerpoint/2010/main" xmlns="" Requires="p14">
       <p:transition spd="med" p14:dur="700">
         <p:fade/>
       </p:transition>
     </mc:Choice>
-    <mc:Fallback xmlns="">
+    <mc:Fallback>
       <p:transition spd="med">
         <p:fade/>
       </p:transition>
@@ -16898,10 +16898,10 @@
           <p:nvPr/>
         </p:nvPicPr>
         <p:blipFill>
-          <a:blip r:embed="rId2">
+          <a:blip r:embed="rId2" cstate="print">
             <a:extLst>
               <a:ext uri="{28A0092B-C50C-407E-A947-70E740481C1C}">
-                <a14:useLocalDpi xmlns:a14="http://schemas.microsoft.com/office/drawing/2010/main" val="0"/>
+                <a14:useLocalDpi xmlns:a14="http://schemas.microsoft.com/office/drawing/2010/main" xmlns="" val="0"/>
               </a:ext>
             </a:extLst>
           </a:blip>
@@ -17113,20 +17113,20 @@
     </p:spTree>
     <p:extLst>
       <p:ext uri="{BB962C8B-B14F-4D97-AF65-F5344CB8AC3E}">
-        <p14:creationId xmlns:p14="http://schemas.microsoft.com/office/powerpoint/2010/main" val="4023513784"/>
+        <p14:creationId xmlns:p14="http://schemas.microsoft.com/office/powerpoint/2010/main" xmlns="" val="4023513784"/>
       </p:ext>
     </p:extLst>
   </p:cSld>
   <p:clrMapOvr>
     <a:masterClrMapping/>
   </p:clrMapOvr>
-  <mc:AlternateContent xmlns:mc="http://schemas.openxmlformats.org/markup-compatibility/2006" xmlns:p14="http://schemas.microsoft.com/office/powerpoint/2010/main">
-    <mc:Choice Requires="p14">
+  <mc:AlternateContent xmlns:mc="http://schemas.openxmlformats.org/markup-compatibility/2006">
+    <mc:Choice xmlns:p14="http://schemas.microsoft.com/office/powerpoint/2010/main" xmlns="" Requires="p14">
       <p:transition spd="med" p14:dur="700">
         <p:fade/>
       </p:transition>
     </mc:Choice>
-    <mc:Fallback xmlns="">
+    <mc:Fallback>
       <p:transition spd="med">
         <p:fade/>
       </p:transition>
@@ -17224,7 +17224,7 @@
           <p:nvPr>
             <p:extLst>
               <p:ext uri="{D42A27DB-BD31-4B8C-83A1-F6EECF244321}">
-                <p14:modId xmlns:p14="http://schemas.microsoft.com/office/powerpoint/2010/main" val="4195840809"/>
+                <p14:modId xmlns:p14="http://schemas.microsoft.com/office/powerpoint/2010/main" xmlns="" val="4195840809"/>
               </p:ext>
             </p:extLst>
           </p:nvPr>
@@ -19577,20 +19577,20 @@
     </p:spTree>
     <p:extLst>
       <p:ext uri="{BB962C8B-B14F-4D97-AF65-F5344CB8AC3E}">
-        <p14:creationId xmlns:p14="http://schemas.microsoft.com/office/powerpoint/2010/main" val="4162604092"/>
+        <p14:creationId xmlns:p14="http://schemas.microsoft.com/office/powerpoint/2010/main" xmlns="" val="4162604092"/>
       </p:ext>
     </p:extLst>
   </p:cSld>
   <p:clrMapOvr>
     <a:masterClrMapping/>
   </p:clrMapOvr>
-  <mc:AlternateContent xmlns:mc="http://schemas.openxmlformats.org/markup-compatibility/2006" xmlns:p14="http://schemas.microsoft.com/office/powerpoint/2010/main">
-    <mc:Choice Requires="p14">
+  <mc:AlternateContent xmlns:mc="http://schemas.openxmlformats.org/markup-compatibility/2006">
+    <mc:Choice xmlns:p14="http://schemas.microsoft.com/office/powerpoint/2010/main" xmlns="" Requires="p14">
       <p:transition spd="med" p14:dur="700">
         <p:fade/>
       </p:transition>
     </mc:Choice>
-    <mc:Fallback xmlns="">
+    <mc:Fallback>
       <p:transition spd="med">
         <p:fade/>
       </p:transition>
@@ -19753,7 +19753,7 @@
           <p:nvPr>
             <p:extLst>
               <p:ext uri="{D42A27DB-BD31-4B8C-83A1-F6EECF244321}">
-                <p14:modId xmlns:p14="http://schemas.microsoft.com/office/powerpoint/2010/main" val="2606619"/>
+                <p14:modId xmlns:p14="http://schemas.microsoft.com/office/powerpoint/2010/main" xmlns="" val="2606619"/>
               </p:ext>
             </p:extLst>
           </p:nvPr>
@@ -20067,20 +20067,20 @@
     </p:spTree>
     <p:extLst>
       <p:ext uri="{BB962C8B-B14F-4D97-AF65-F5344CB8AC3E}">
-        <p14:creationId xmlns:p14="http://schemas.microsoft.com/office/powerpoint/2010/main" val="3742076778"/>
+        <p14:creationId xmlns:p14="http://schemas.microsoft.com/office/powerpoint/2010/main" xmlns="" val="3742076778"/>
       </p:ext>
     </p:extLst>
   </p:cSld>
   <p:clrMapOvr>
     <a:masterClrMapping/>
   </p:clrMapOvr>
-  <mc:AlternateContent xmlns:mc="http://schemas.openxmlformats.org/markup-compatibility/2006" xmlns:p14="http://schemas.microsoft.com/office/powerpoint/2010/main">
-    <mc:Choice Requires="p14">
+  <mc:AlternateContent xmlns:mc="http://schemas.openxmlformats.org/markup-compatibility/2006">
+    <mc:Choice xmlns:p14="http://schemas.microsoft.com/office/powerpoint/2010/main" xmlns="" Requires="p14">
       <p:transition spd="med" p14:dur="700">
         <p:fade/>
       </p:transition>
     </mc:Choice>
-    <mc:Fallback xmlns="">
+    <mc:Fallback>
       <p:transition spd="med">
         <p:fade/>
       </p:transition>
@@ -20146,34 +20146,45 @@
             <p:ph idx="1"/>
           </p:nvPr>
         </p:nvSpPr>
-        <p:spPr/>
+        <p:spPr>
+          <a:xfrm>
+            <a:off x="467544" y="2564904"/>
+            <a:ext cx="8229600" cy="3960440"/>
+          </a:xfrm>
+        </p:spPr>
         <p:txBody>
           <a:bodyPr/>
           <a:lstStyle/>
           <a:p>
+            <a:pPr>
+              <a:spcBef>
+                <a:spcPts val="600"/>
+              </a:spcBef>
+              <a:spcAft>
+                <a:spcPts val="600"/>
+              </a:spcAft>
+            </a:pPr>
             <a:r>
               <a:rPr lang="es-ES" dirty="0" smtClean="0"/>
-              <a:t>Se hace evidente la necesidad de un sistema de monitoreo en procesos industriales que </a:t>
-            </a:r>
+              <a:t>Se hace evidente la necesidad de un sistema de monitoreo en procesos industriales que haga de soporte a la sociedad (industria energética, agraria, etc.).</a:t>
+            </a:r>
+          </a:p>
+          <a:p>
+            <a:pPr>
+              <a:spcBef>
+                <a:spcPts val="600"/>
+              </a:spcBef>
+              <a:spcAft>
+                <a:spcPts val="600"/>
+              </a:spcAft>
+            </a:pPr>
             <a:r>
               <a:rPr lang="es-ES" dirty="0" smtClean="0"/>
-              <a:t>haga de </a:t>
+              <a:t>El </a:t>
             </a:r>
             <a:r>
               <a:rPr lang="es-ES" dirty="0" smtClean="0"/>
-              <a:t>soporte a la sociedad (industria energética, agraria, etc.).</a:t>
-            </a:r>
-          </a:p>
-          <a:p>
-            <a:pPr marL="0" indent="0">
-              <a:buNone/>
-            </a:pPr>
-            <a:endParaRPr lang="es-ES" dirty="0" smtClean="0"/>
-          </a:p>
-          <a:p>
-            <a:r>
-              <a:rPr lang="es-ES" dirty="0" smtClean="0"/>
-              <a:t>El proyecto es económicamente viable según los cálculos iniciales</a:t>
+              <a:t>proyecto es económicamente viable según los cálculos iniciales</a:t>
             </a:r>
             <a:r>
               <a:rPr lang="es-ES" dirty="0" smtClean="0"/>
@@ -20181,13 +20192,73 @@
             </a:r>
           </a:p>
           <a:p>
+            <a:pPr>
+              <a:spcBef>
+                <a:spcPts val="600"/>
+              </a:spcBef>
+              <a:spcAft>
+                <a:spcPts val="600"/>
+              </a:spcAft>
+            </a:pPr>
+            <a:r>
+              <a:rPr lang="es-ES" dirty="0" smtClean="0"/>
+              <a:t>El debido a sus costos relativamente bajos el proyecto deja un gran margen de ganancia para la empresa. </a:t>
+            </a:r>
             <a:endParaRPr lang="es-ES" dirty="0" smtClean="0"/>
           </a:p>
           <a:p>
+            <a:pPr>
+              <a:spcBef>
+                <a:spcPts val="600"/>
+              </a:spcBef>
+              <a:spcAft>
+                <a:spcPts val="600"/>
+              </a:spcAft>
+            </a:pPr>
             <a:r>
               <a:rPr lang="es-ES" dirty="0" smtClean="0"/>
-              <a:t>El proyecto servirá de base para futuras implementaciones de sistemas SCADA de características similares</a:t>
-            </a:r>
+              <a:t>El </a:t>
+            </a:r>
+            <a:r>
+              <a:rPr lang="es-ES" dirty="0" smtClean="0"/>
+              <a:t>proyecto servirá de base para futuras implementaciones de sistemas SCADA de características </a:t>
+            </a:r>
+            <a:r>
+              <a:rPr lang="es-ES" dirty="0" smtClean="0"/>
+              <a:t>similares.</a:t>
+            </a:r>
+          </a:p>
+          <a:p>
+            <a:pPr>
+              <a:spcBef>
+                <a:spcPts val="600"/>
+              </a:spcBef>
+              <a:spcAft>
+                <a:spcPts val="600"/>
+              </a:spcAft>
+            </a:pPr>
+            <a:r>
+              <a:rPr lang="es-ES" dirty="0" smtClean="0"/>
+              <a:t>El desarrollo de este tipo de proyectos puede introducir a la empresa en un nuevo mercado muy rentable</a:t>
+            </a:r>
+          </a:p>
+          <a:p>
+            <a:pPr>
+              <a:buNone/>
+            </a:pPr>
+            <a:r>
+              <a:rPr lang="es-ES" dirty="0" smtClean="0"/>
+              <a:t> </a:t>
+            </a:r>
+            <a:r>
+              <a:rPr lang="es-ES" dirty="0" smtClean="0"/>
+              <a:t> </a:t>
+            </a:r>
+          </a:p>
+          <a:p>
+            <a:endParaRPr lang="es-ES" dirty="0" smtClean="0"/>
+          </a:p>
+          <a:p>
             <a:endParaRPr lang="es-ES" dirty="0"/>
           </a:p>
           <a:p>
@@ -20198,20 +20269,20 @@
     </p:spTree>
     <p:extLst>
       <p:ext uri="{BB962C8B-B14F-4D97-AF65-F5344CB8AC3E}">
-        <p14:creationId xmlns:p14="http://schemas.microsoft.com/office/powerpoint/2010/main" val="3645756746"/>
+        <p14:creationId xmlns:p14="http://schemas.microsoft.com/office/powerpoint/2010/main" xmlns="" val="3645756746"/>
       </p:ext>
     </p:extLst>
   </p:cSld>
   <p:clrMapOvr>
     <a:masterClrMapping/>
   </p:clrMapOvr>
-  <mc:AlternateContent xmlns:mc="http://schemas.openxmlformats.org/markup-compatibility/2006" xmlns:p14="http://schemas.microsoft.com/office/powerpoint/2010/main">
-    <mc:Choice Requires="p14">
+  <mc:AlternateContent xmlns:mc="http://schemas.openxmlformats.org/markup-compatibility/2006">
+    <mc:Choice xmlns:p14="http://schemas.microsoft.com/office/powerpoint/2010/main" xmlns="" Requires="p14">
       <p:transition spd="med" p14:dur="700">
         <p:fade/>
       </p:transition>
     </mc:Choice>
-    <mc:Fallback xmlns="">
+    <mc:Fallback>
       <p:transition spd="med">
         <p:fade/>
       </p:transition>
@@ -20233,7 +20304,7 @@
     <p:bg>
       <p:bgPr>
         <a:blipFill dpi="0" rotWithShape="0">
-          <a:blip r:embed="rId2"/>
+          <a:blip r:embed="rId2" cstate="print"/>
           <a:srcRect/>
           <a:stretch>
             <a:fillRect/>
@@ -20327,10 +20398,10 @@
           <p:nvPr/>
         </p:nvPicPr>
         <p:blipFill>
-          <a:blip r:embed="rId3">
+          <a:blip r:embed="rId3" cstate="print">
             <a:extLst>
               <a:ext uri="{28A0092B-C50C-407E-A947-70E740481C1C}">
-                <a14:useLocalDpi xmlns:a14="http://schemas.microsoft.com/office/drawing/2010/main" val="0"/>
+                <a14:useLocalDpi xmlns:a14="http://schemas.microsoft.com/office/drawing/2010/main" xmlns="" val="0"/>
               </a:ext>
             </a:extLst>
           </a:blip>
@@ -20355,14 +20426,14 @@
           </a:effectLst>
           <a:extLst>
             <a:ext uri="{909E8E84-426E-40DD-AFC4-6F175D3DCCD1}">
-              <a14:hiddenFill xmlns:a14="http://schemas.microsoft.com/office/drawing/2010/main">
+              <a14:hiddenFill xmlns:a14="http://schemas.microsoft.com/office/drawing/2010/main" xmlns="">
                 <a:solidFill>
                   <a:schemeClr val="accent1"/>
                 </a:solidFill>
               </a14:hiddenFill>
             </a:ext>
             <a:ext uri="{91240B29-F687-4F45-9708-019B960494DF}">
-              <a14:hiddenLine xmlns:a14="http://schemas.microsoft.com/office/drawing/2010/main" w="9525">
+              <a14:hiddenLine xmlns:a14="http://schemas.microsoft.com/office/drawing/2010/main" xmlns="" w="9525">
                 <a:solidFill>
                   <a:schemeClr val="tx1"/>
                 </a:solidFill>
@@ -20372,7 +20443,7 @@
               </a14:hiddenLine>
             </a:ext>
             <a:ext uri="{AF507438-7753-43E0-B8FC-AC1667EBCBE1}">
-              <a14:hiddenEffects xmlns:a14="http://schemas.microsoft.com/office/drawing/2010/main">
+              <a14:hiddenEffects xmlns:a14="http://schemas.microsoft.com/office/drawing/2010/main" xmlns="">
                 <a:effectLst>
                   <a:outerShdw dist="35921" dir="2700000" algn="ctr" rotWithShape="0">
                     <a:schemeClr val="bg2"/>
@@ -20386,20 +20457,20 @@
     </p:spTree>
     <p:extLst>
       <p:ext uri="{BB962C8B-B14F-4D97-AF65-F5344CB8AC3E}">
-        <p14:creationId xmlns:p14="http://schemas.microsoft.com/office/powerpoint/2010/main" val="3183819197"/>
+        <p14:creationId xmlns:p14="http://schemas.microsoft.com/office/powerpoint/2010/main" xmlns="" val="3183819197"/>
       </p:ext>
     </p:extLst>
   </p:cSld>
   <p:clrMapOvr>
     <a:masterClrMapping/>
   </p:clrMapOvr>
-  <mc:AlternateContent xmlns:mc="http://schemas.openxmlformats.org/markup-compatibility/2006" xmlns:p14="http://schemas.microsoft.com/office/powerpoint/2010/main">
-    <mc:Choice Requires="p14">
+  <mc:AlternateContent xmlns:mc="http://schemas.openxmlformats.org/markup-compatibility/2006">
+    <mc:Choice xmlns:p14="http://schemas.microsoft.com/office/powerpoint/2010/main" xmlns="" Requires="p14">
       <p:transition spd="med" p14:dur="700">
         <p:fade/>
       </p:transition>
     </mc:Choice>
-    <mc:Fallback xmlns="">
+    <mc:Fallback>
       <p:transition spd="med">
         <p:fade/>
       </p:transition>
@@ -20554,10 +20625,10 @@
           <p:nvPr/>
         </p:nvPicPr>
         <p:blipFill>
-          <a:blip r:embed="rId2">
+          <a:blip r:embed="rId2" cstate="print">
             <a:extLst>
               <a:ext uri="{28A0092B-C50C-407E-A947-70E740481C1C}">
-                <a14:useLocalDpi xmlns:a14="http://schemas.microsoft.com/office/drawing/2010/main" val="0"/>
+                <a14:useLocalDpi xmlns:a14="http://schemas.microsoft.com/office/drawing/2010/main" xmlns="" val="0"/>
               </a:ext>
             </a:extLst>
           </a:blip>
@@ -20582,14 +20653,14 @@
           </a:effectLst>
           <a:extLst>
             <a:ext uri="{909E8E84-426E-40DD-AFC4-6F175D3DCCD1}">
-              <a14:hiddenFill xmlns:a14="http://schemas.microsoft.com/office/drawing/2010/main">
+              <a14:hiddenFill xmlns:a14="http://schemas.microsoft.com/office/drawing/2010/main" xmlns="">
                 <a:solidFill>
                   <a:schemeClr val="accent1"/>
                 </a:solidFill>
               </a14:hiddenFill>
             </a:ext>
             <a:ext uri="{91240B29-F687-4F45-9708-019B960494DF}">
-              <a14:hiddenLine xmlns:a14="http://schemas.microsoft.com/office/drawing/2010/main" w="9525">
+              <a14:hiddenLine xmlns:a14="http://schemas.microsoft.com/office/drawing/2010/main" xmlns="" w="9525">
                 <a:solidFill>
                   <a:schemeClr val="tx1"/>
                 </a:solidFill>
@@ -20599,7 +20670,7 @@
               </a14:hiddenLine>
             </a:ext>
             <a:ext uri="{AF507438-7753-43E0-B8FC-AC1667EBCBE1}">
-              <a14:hiddenEffects xmlns:a14="http://schemas.microsoft.com/office/drawing/2010/main">
+              <a14:hiddenEffects xmlns:a14="http://schemas.microsoft.com/office/drawing/2010/main" xmlns="">
                 <a:effectLst>
                   <a:outerShdw dist="35921" dir="2700000" algn="ctr" rotWithShape="0">
                     <a:schemeClr val="bg2"/>
@@ -20613,20 +20684,20 @@
     </p:spTree>
     <p:extLst>
       <p:ext uri="{BB962C8B-B14F-4D97-AF65-F5344CB8AC3E}">
-        <p14:creationId xmlns:p14="http://schemas.microsoft.com/office/powerpoint/2010/main" val="3266684642"/>
+        <p14:creationId xmlns:p14="http://schemas.microsoft.com/office/powerpoint/2010/main" xmlns="" val="3266684642"/>
       </p:ext>
     </p:extLst>
   </p:cSld>
   <p:clrMapOvr>
     <a:masterClrMapping/>
   </p:clrMapOvr>
-  <mc:AlternateContent xmlns:mc="http://schemas.openxmlformats.org/markup-compatibility/2006" xmlns:p14="http://schemas.microsoft.com/office/powerpoint/2010/main">
-    <mc:Choice Requires="p14">
+  <mc:AlternateContent xmlns:mc="http://schemas.openxmlformats.org/markup-compatibility/2006">
+    <mc:Choice xmlns:p14="http://schemas.microsoft.com/office/powerpoint/2010/main" xmlns="" Requires="p14">
       <p:transition spd="med" p14:dur="700">
         <p:fade/>
       </p:transition>
     </mc:Choice>
-    <mc:Fallback xmlns="">
+    <mc:Fallback>
       <p:transition spd="med">
         <p:fade/>
       </p:transition>
@@ -20832,13 +20903,13 @@
   <p:clrMapOvr>
     <a:masterClrMapping/>
   </p:clrMapOvr>
-  <mc:AlternateContent xmlns:mc="http://schemas.openxmlformats.org/markup-compatibility/2006" xmlns:p14="http://schemas.microsoft.com/office/powerpoint/2010/main">
-    <mc:Choice Requires="p14">
+  <mc:AlternateContent xmlns:mc="http://schemas.openxmlformats.org/markup-compatibility/2006">
+    <mc:Choice xmlns:p14="http://schemas.microsoft.com/office/powerpoint/2010/main" xmlns="" Requires="p14">
       <p:transition spd="med" p14:dur="700">
         <p:fade/>
       </p:transition>
     </mc:Choice>
-    <mc:Fallback xmlns="">
+    <mc:Fallback>
       <p:transition spd="med">
         <p:fade/>
       </p:transition>
@@ -20860,7 +20931,7 @@
     <p:bg>
       <p:bgPr>
         <a:blipFill dpi="0" rotWithShape="0">
-          <a:blip r:embed="rId2"/>
+          <a:blip r:embed="rId2" cstate="print"/>
           <a:srcRect/>
           <a:stretch>
             <a:fillRect/>
@@ -21153,20 +21224,20 @@
     </p:spTree>
     <p:extLst>
       <p:ext uri="{BB962C8B-B14F-4D97-AF65-F5344CB8AC3E}">
-        <p14:creationId xmlns:p14="http://schemas.microsoft.com/office/powerpoint/2010/main" val="2462667203"/>
+        <p14:creationId xmlns:p14="http://schemas.microsoft.com/office/powerpoint/2010/main" xmlns="" val="2462667203"/>
       </p:ext>
     </p:extLst>
   </p:cSld>
   <p:clrMapOvr>
     <a:masterClrMapping/>
   </p:clrMapOvr>
-  <mc:AlternateContent xmlns:mc="http://schemas.openxmlformats.org/markup-compatibility/2006" xmlns:p14="http://schemas.microsoft.com/office/powerpoint/2010/main">
-    <mc:Choice Requires="p14">
+  <mc:AlternateContent xmlns:mc="http://schemas.openxmlformats.org/markup-compatibility/2006">
+    <mc:Choice xmlns:p14="http://schemas.microsoft.com/office/powerpoint/2010/main" xmlns="" Requires="p14">
       <p:transition spd="med" p14:dur="700">
         <p:fade/>
       </p:transition>
     </mc:Choice>
-    <mc:Fallback xmlns="">
+    <mc:Fallback>
       <p:transition spd="med">
         <p:fade/>
       </p:transition>
@@ -21626,20 +21697,20 @@
     </p:spTree>
     <p:extLst>
       <p:ext uri="{BB962C8B-B14F-4D97-AF65-F5344CB8AC3E}">
-        <p14:creationId xmlns:p14="http://schemas.microsoft.com/office/powerpoint/2010/main" val="3604940081"/>
+        <p14:creationId xmlns:p14="http://schemas.microsoft.com/office/powerpoint/2010/main" xmlns="" val="3604940081"/>
       </p:ext>
     </p:extLst>
   </p:cSld>
   <p:clrMapOvr>
     <a:masterClrMapping/>
   </p:clrMapOvr>
-  <mc:AlternateContent xmlns:mc="http://schemas.openxmlformats.org/markup-compatibility/2006" xmlns:p14="http://schemas.microsoft.com/office/powerpoint/2010/main">
-    <mc:Choice Requires="p14">
+  <mc:AlternateContent xmlns:mc="http://schemas.openxmlformats.org/markup-compatibility/2006">
+    <mc:Choice xmlns:p14="http://schemas.microsoft.com/office/powerpoint/2010/main" xmlns="" Requires="p14">
       <p:transition spd="med" p14:dur="700">
         <p:fade/>
       </p:transition>
     </mc:Choice>
-    <mc:Fallback xmlns="">
+    <mc:Fallback>
       <p:transition spd="med">
         <p:fade/>
       </p:transition>
@@ -21661,7 +21732,7 @@
     <p:bg>
       <p:bgPr>
         <a:blipFill dpi="0" rotWithShape="0">
-          <a:blip r:embed="rId2"/>
+          <a:blip r:embed="rId2" cstate="print"/>
           <a:srcRect/>
           <a:stretch>
             <a:fillRect/>
@@ -21949,7 +22020,7 @@
           <a:blip r:embed="rId3" cstate="print">
             <a:extLst>
               <a:ext uri="{28A0092B-C50C-407E-A947-70E740481C1C}">
-                <a14:useLocalDpi xmlns:a14="http://schemas.microsoft.com/office/drawing/2010/main" val="0"/>
+                <a14:useLocalDpi xmlns:a14="http://schemas.microsoft.com/office/drawing/2010/main" xmlns="" val="0"/>
               </a:ext>
             </a:extLst>
           </a:blip>
@@ -21978,13 +22049,13 @@
   <p:clrMapOvr>
     <a:masterClrMapping/>
   </p:clrMapOvr>
-  <mc:AlternateContent xmlns:mc="http://schemas.openxmlformats.org/markup-compatibility/2006" xmlns:p14="http://schemas.microsoft.com/office/powerpoint/2010/main">
-    <mc:Choice Requires="p14">
+  <mc:AlternateContent xmlns:mc="http://schemas.openxmlformats.org/markup-compatibility/2006">
+    <mc:Choice xmlns:p14="http://schemas.microsoft.com/office/powerpoint/2010/main" xmlns="" Requires="p14">
       <p:transition spd="med" p14:dur="700">
         <p:fade/>
       </p:transition>
     </mc:Choice>
-    <mc:Fallback xmlns="">
+    <mc:Fallback>
       <p:transition spd="med">
         <p:fade/>
       </p:transition>
@@ -22006,7 +22077,7 @@
     <p:bg>
       <p:bgPr>
         <a:blipFill dpi="0" rotWithShape="0">
-          <a:blip r:embed="rId2"/>
+          <a:blip r:embed="rId2" cstate="print"/>
           <a:srcRect/>
           <a:stretch>
             <a:fillRect/>
@@ -22157,10 +22228,10 @@
           <p:nvPr/>
         </p:nvPicPr>
         <p:blipFill>
-          <a:blip r:embed="rId3">
+          <a:blip r:embed="rId3" cstate="print">
             <a:extLst>
               <a:ext uri="{28A0092B-C50C-407E-A947-70E740481C1C}">
-                <a14:useLocalDpi xmlns:a14="http://schemas.microsoft.com/office/drawing/2010/main" val="0"/>
+                <a14:useLocalDpi xmlns:a14="http://schemas.microsoft.com/office/drawing/2010/main" xmlns="" val="0"/>
               </a:ext>
             </a:extLst>
           </a:blip>
@@ -22181,20 +22252,20 @@
     </p:spTree>
     <p:extLst>
       <p:ext uri="{BB962C8B-B14F-4D97-AF65-F5344CB8AC3E}">
-        <p14:creationId xmlns:p14="http://schemas.microsoft.com/office/powerpoint/2010/main" val="1189800101"/>
+        <p14:creationId xmlns:p14="http://schemas.microsoft.com/office/powerpoint/2010/main" xmlns="" val="1189800101"/>
       </p:ext>
     </p:extLst>
   </p:cSld>
   <p:clrMapOvr>
     <a:masterClrMapping/>
   </p:clrMapOvr>
-  <mc:AlternateContent xmlns:mc="http://schemas.openxmlformats.org/markup-compatibility/2006" xmlns:p14="http://schemas.microsoft.com/office/powerpoint/2010/main">
-    <mc:Choice Requires="p14">
+  <mc:AlternateContent xmlns:mc="http://schemas.openxmlformats.org/markup-compatibility/2006">
+    <mc:Choice xmlns:p14="http://schemas.microsoft.com/office/powerpoint/2010/main" xmlns="" Requires="p14">
       <p:transition spd="med" p14:dur="700">
         <p:fade/>
       </p:transition>
     </mc:Choice>
-    <mc:Fallback xmlns="">
+    <mc:Fallback>
       <p:transition spd="med">
         <p:fade/>
       </p:transition>
@@ -22411,7 +22482,7 @@
           <p:nvPr/>
         </p:nvPicPr>
         <p:blipFill>
-          <a:blip r:embed="rId2"/>
+          <a:blip r:embed="rId2" cstate="print"/>
           <a:stretch>
             <a:fillRect/>
           </a:stretch>
@@ -22429,20 +22500,20 @@
     </p:spTree>
     <p:extLst>
       <p:ext uri="{BB962C8B-B14F-4D97-AF65-F5344CB8AC3E}">
-        <p14:creationId xmlns:p14="http://schemas.microsoft.com/office/powerpoint/2010/main" val="1048136822"/>
+        <p14:creationId xmlns:p14="http://schemas.microsoft.com/office/powerpoint/2010/main" xmlns="" val="1048136822"/>
       </p:ext>
     </p:extLst>
   </p:cSld>
   <p:clrMapOvr>
     <a:masterClrMapping/>
   </p:clrMapOvr>
-  <mc:AlternateContent xmlns:mc="http://schemas.openxmlformats.org/markup-compatibility/2006" xmlns:p14="http://schemas.microsoft.com/office/powerpoint/2010/main">
-    <mc:Choice Requires="p14">
+  <mc:AlternateContent xmlns:mc="http://schemas.openxmlformats.org/markup-compatibility/2006">
+    <mc:Choice xmlns:p14="http://schemas.microsoft.com/office/powerpoint/2010/main" xmlns="" Requires="p14">
       <p:transition spd="med" p14:dur="700">
         <p:fade/>
       </p:transition>
     </mc:Choice>
-    <mc:Fallback xmlns="">
+    <mc:Fallback>
       <p:transition spd="med">
         <p:fade/>
       </p:transition>
@@ -22464,7 +22535,7 @@
     <p:bg>
       <p:bgPr>
         <a:blipFill dpi="0" rotWithShape="0">
-          <a:blip r:embed="rId2"/>
+          <a:blip r:embed="rId2" cstate="print"/>
           <a:srcRect/>
           <a:stretch>
             <a:fillRect/>
@@ -22551,10 +22622,10 @@
           <p:nvPr/>
         </p:nvPicPr>
         <p:blipFill>
-          <a:blip r:embed="rId3">
+          <a:blip r:embed="rId3" cstate="print">
             <a:extLst>
               <a:ext uri="{28A0092B-C50C-407E-A947-70E740481C1C}">
-                <a14:useLocalDpi xmlns:a14="http://schemas.microsoft.com/office/drawing/2010/main" val="0"/>
+                <a14:useLocalDpi xmlns:a14="http://schemas.microsoft.com/office/drawing/2010/main" xmlns="" val="0"/>
               </a:ext>
             </a:extLst>
           </a:blip>
@@ -22575,20 +22646,20 @@
     </p:spTree>
     <p:extLst>
       <p:ext uri="{BB962C8B-B14F-4D97-AF65-F5344CB8AC3E}">
-        <p14:creationId xmlns:p14="http://schemas.microsoft.com/office/powerpoint/2010/main" val="3113781039"/>
+        <p14:creationId xmlns:p14="http://schemas.microsoft.com/office/powerpoint/2010/main" xmlns="" val="3113781039"/>
       </p:ext>
     </p:extLst>
   </p:cSld>
   <p:clrMapOvr>
     <a:masterClrMapping/>
   </p:clrMapOvr>
-  <mc:AlternateContent xmlns:mc="http://schemas.openxmlformats.org/markup-compatibility/2006" xmlns:p14="http://schemas.microsoft.com/office/powerpoint/2010/main">
-    <mc:Choice Requires="p14">
+  <mc:AlternateContent xmlns:mc="http://schemas.openxmlformats.org/markup-compatibility/2006">
+    <mc:Choice xmlns:p14="http://schemas.microsoft.com/office/powerpoint/2010/main" xmlns="" Requires="p14">
       <p:transition spd="med" p14:dur="700">
         <p:fade/>
       </p:transition>
     </mc:Choice>
-    <mc:Fallback xmlns="">
+    <mc:Fallback>
       <p:transition spd="med">
         <p:fade/>
       </p:transition>
@@ -22610,7 +22681,7 @@
     <p:bg>
       <p:bgPr>
         <a:blipFill dpi="0" rotWithShape="0">
-          <a:blip r:embed="rId2"/>
+          <a:blip r:embed="rId2" cstate="print"/>
           <a:srcRect/>
           <a:stretch>
             <a:fillRect/>
@@ -22678,20 +22749,20 @@
     </p:spTree>
     <p:extLst>
       <p:ext uri="{BB962C8B-B14F-4D97-AF65-F5344CB8AC3E}">
-        <p14:creationId xmlns:p14="http://schemas.microsoft.com/office/powerpoint/2010/main" val="2212578582"/>
+        <p14:creationId xmlns:p14="http://schemas.microsoft.com/office/powerpoint/2010/main" xmlns="" val="2212578582"/>
       </p:ext>
     </p:extLst>
   </p:cSld>
   <p:clrMapOvr>
     <a:masterClrMapping/>
   </p:clrMapOvr>
-  <mc:AlternateContent xmlns:mc="http://schemas.openxmlformats.org/markup-compatibility/2006" xmlns:p14="http://schemas.microsoft.com/office/powerpoint/2010/main">
-    <mc:Choice Requires="p14">
+  <mc:AlternateContent xmlns:mc="http://schemas.openxmlformats.org/markup-compatibility/2006">
+    <mc:Choice xmlns:p14="http://schemas.microsoft.com/office/powerpoint/2010/main" xmlns="" Requires="p14">
       <p:transition spd="med" p14:dur="700">
         <p:fade/>
       </p:transition>
     </mc:Choice>
-    <mc:Fallback xmlns="">
+    <mc:Fallback>
       <p:transition spd="med">
         <p:fade/>
       </p:transition>

--- a/trunk/Informes/TP Anual 1/3- Diseño/proyecto140611.pptx
+++ b/trunk/Informes/TP Anual 1/3- Diseño/proyecto140611.pptx
@@ -454,7 +454,7 @@
               <a:pPr>
                 <a:defRPr/>
               </a:pPr>
-              <a:t>‹Nº›</a:t>
+              <a:t>‹#›</a:t>
             </a:fld>
             <a:endParaRPr lang="en-US"/>
           </a:p>
@@ -463,7 +463,7 @@
     </p:spTree>
     <p:extLst>
       <p:ext uri="{BB962C8B-B14F-4D97-AF65-F5344CB8AC3E}">
-        <p14:creationId xmlns:p14="http://schemas.microsoft.com/office/powerpoint/2010/main" xmlns="" val="1389276015"/>
+        <p14:creationId xmlns:p14="http://schemas.microsoft.com/office/powerpoint/2010/main" val="1389276015"/>
       </p:ext>
     </p:extLst>
   </p:cSld>
@@ -868,7 +868,7 @@
               <a:pPr>
                 <a:defRPr/>
               </a:pPr>
-              <a:t>‹Nº›</a:t>
+              <a:t>‹#›</a:t>
             </a:fld>
             <a:endParaRPr lang="es-AR"/>
           </a:p>
@@ -1060,7 +1060,7 @@
               <a:pPr>
                 <a:defRPr/>
               </a:pPr>
-              <a:t>‹Nº›</a:t>
+              <a:t>‹#›</a:t>
             </a:fld>
             <a:endParaRPr lang="es-AR"/>
           </a:p>
@@ -1262,7 +1262,7 @@
               <a:pPr>
                 <a:defRPr/>
               </a:pPr>
-              <a:t>‹Nº›</a:t>
+              <a:t>‹#›</a:t>
             </a:fld>
             <a:endParaRPr lang="es-AR"/>
           </a:p>
@@ -1575,7 +1575,7 @@
               <a:pPr>
                 <a:defRPr/>
               </a:pPr>
-              <a:t>‹Nº›</a:t>
+              <a:t>‹#›</a:t>
             </a:fld>
             <a:endParaRPr lang="es-AR">
               <a:solidFill>
@@ -1590,7 +1590,7 @@
     </p:spTree>
     <p:extLst>
       <p:ext uri="{BB962C8B-B14F-4D97-AF65-F5344CB8AC3E}">
-        <p14:creationId xmlns:p14="http://schemas.microsoft.com/office/powerpoint/2010/main" xmlns="" val="3777896623"/>
+        <p14:creationId xmlns:p14="http://schemas.microsoft.com/office/powerpoint/2010/main" val="3777896623"/>
       </p:ext>
     </p:extLst>
   </p:cSld>
@@ -1802,7 +1802,7 @@
               <a:pPr>
                 <a:defRPr/>
               </a:pPr>
-              <a:t>‹Nº›</a:t>
+              <a:t>‹#›</a:t>
             </a:fld>
             <a:endParaRPr lang="es-AR">
               <a:solidFill>
@@ -1817,7 +1817,7 @@
     </p:spTree>
     <p:extLst>
       <p:ext uri="{BB962C8B-B14F-4D97-AF65-F5344CB8AC3E}">
-        <p14:creationId xmlns:p14="http://schemas.microsoft.com/office/powerpoint/2010/main" xmlns="" val="671988515"/>
+        <p14:creationId xmlns:p14="http://schemas.microsoft.com/office/powerpoint/2010/main" val="671988515"/>
       </p:ext>
     </p:extLst>
   </p:cSld>
@@ -2105,7 +2105,7 @@
               <a:pPr>
                 <a:defRPr/>
               </a:pPr>
-              <a:t>‹Nº›</a:t>
+              <a:t>‹#›</a:t>
             </a:fld>
             <a:endParaRPr lang="es-AR">
               <a:solidFill>
@@ -2120,7 +2120,7 @@
     </p:spTree>
     <p:extLst>
       <p:ext uri="{BB962C8B-B14F-4D97-AF65-F5344CB8AC3E}">
-        <p14:creationId xmlns:p14="http://schemas.microsoft.com/office/powerpoint/2010/main" xmlns="" val="823818449"/>
+        <p14:creationId xmlns:p14="http://schemas.microsoft.com/office/powerpoint/2010/main" val="823818449"/>
       </p:ext>
     </p:extLst>
   </p:cSld>
@@ -2450,7 +2450,7 @@
               <a:pPr>
                 <a:defRPr/>
               </a:pPr>
-              <a:t>‹Nº›</a:t>
+              <a:t>‹#›</a:t>
             </a:fld>
             <a:endParaRPr lang="es-AR">
               <a:solidFill>
@@ -2465,7 +2465,7 @@
     </p:spTree>
     <p:extLst>
       <p:ext uri="{BB962C8B-B14F-4D97-AF65-F5344CB8AC3E}">
-        <p14:creationId xmlns:p14="http://schemas.microsoft.com/office/powerpoint/2010/main" xmlns="" val="3800929692"/>
+        <p14:creationId xmlns:p14="http://schemas.microsoft.com/office/powerpoint/2010/main" val="3800929692"/>
       </p:ext>
     </p:extLst>
   </p:cSld>
@@ -2929,7 +2929,7 @@
               <a:pPr>
                 <a:defRPr/>
               </a:pPr>
-              <a:t>‹Nº›</a:t>
+              <a:t>‹#›</a:t>
             </a:fld>
             <a:endParaRPr lang="es-AR">
               <a:solidFill>
@@ -2944,7 +2944,7 @@
     </p:spTree>
     <p:extLst>
       <p:ext uri="{BB962C8B-B14F-4D97-AF65-F5344CB8AC3E}">
-        <p14:creationId xmlns:p14="http://schemas.microsoft.com/office/powerpoint/2010/main" xmlns="" val="1776761572"/>
+        <p14:creationId xmlns:p14="http://schemas.microsoft.com/office/powerpoint/2010/main" val="1776761572"/>
       </p:ext>
     </p:extLst>
   </p:cSld>
@@ -3104,7 +3104,7 @@
               <a:pPr>
                 <a:defRPr/>
               </a:pPr>
-              <a:t>‹Nº›</a:t>
+              <a:t>‹#›</a:t>
             </a:fld>
             <a:endParaRPr lang="es-AR">
               <a:solidFill>
@@ -3119,7 +3119,7 @@
     </p:spTree>
     <p:extLst>
       <p:ext uri="{BB962C8B-B14F-4D97-AF65-F5344CB8AC3E}">
-        <p14:creationId xmlns:p14="http://schemas.microsoft.com/office/powerpoint/2010/main" xmlns="" val="129074054"/>
+        <p14:creationId xmlns:p14="http://schemas.microsoft.com/office/powerpoint/2010/main" val="129074054"/>
       </p:ext>
     </p:extLst>
   </p:cSld>
@@ -3256,7 +3256,7 @@
               <a:pPr>
                 <a:defRPr/>
               </a:pPr>
-              <a:t>‹Nº›</a:t>
+              <a:t>‹#›</a:t>
             </a:fld>
             <a:endParaRPr lang="es-AR">
               <a:solidFill>
@@ -3271,7 +3271,7 @@
     </p:spTree>
     <p:extLst>
       <p:ext uri="{BB962C8B-B14F-4D97-AF65-F5344CB8AC3E}">
-        <p14:creationId xmlns:p14="http://schemas.microsoft.com/office/powerpoint/2010/main" xmlns="" val="277450841"/>
+        <p14:creationId xmlns:p14="http://schemas.microsoft.com/office/powerpoint/2010/main" val="277450841"/>
       </p:ext>
     </p:extLst>
   </p:cSld>
@@ -3590,7 +3590,7 @@
               <a:pPr>
                 <a:defRPr/>
               </a:pPr>
-              <a:t>‹Nº›</a:t>
+              <a:t>‹#›</a:t>
             </a:fld>
             <a:endParaRPr lang="es-AR">
               <a:solidFill>
@@ -3605,7 +3605,7 @@
     </p:spTree>
     <p:extLst>
       <p:ext uri="{BB962C8B-B14F-4D97-AF65-F5344CB8AC3E}">
-        <p14:creationId xmlns:p14="http://schemas.microsoft.com/office/powerpoint/2010/main" xmlns="" val="1027746096"/>
+        <p14:creationId xmlns:p14="http://schemas.microsoft.com/office/powerpoint/2010/main" val="1027746096"/>
       </p:ext>
     </p:extLst>
   </p:cSld>
@@ -3793,7 +3793,7 @@
               <a:pPr>
                 <a:defRPr/>
               </a:pPr>
-              <a:t>‹Nº›</a:t>
+              <a:t>‹#›</a:t>
             </a:fld>
             <a:endParaRPr lang="es-AR"/>
           </a:p>
@@ -4099,7 +4099,7 @@
               <a:pPr>
                 <a:defRPr/>
               </a:pPr>
-              <a:t>‹Nº›</a:t>
+              <a:t>‹#›</a:t>
             </a:fld>
             <a:endParaRPr lang="es-AR">
               <a:solidFill>
@@ -4114,7 +4114,7 @@
     </p:spTree>
     <p:extLst>
       <p:ext uri="{BB962C8B-B14F-4D97-AF65-F5344CB8AC3E}">
-        <p14:creationId xmlns:p14="http://schemas.microsoft.com/office/powerpoint/2010/main" xmlns="" val="1781292016"/>
+        <p14:creationId xmlns:p14="http://schemas.microsoft.com/office/powerpoint/2010/main" val="1781292016"/>
       </p:ext>
     </p:extLst>
   </p:cSld>
@@ -4326,7 +4326,7 @@
               <a:pPr>
                 <a:defRPr/>
               </a:pPr>
-              <a:t>‹Nº›</a:t>
+              <a:t>‹#›</a:t>
             </a:fld>
             <a:endParaRPr lang="es-AR">
               <a:solidFill>
@@ -4341,7 +4341,7 @@
     </p:spTree>
     <p:extLst>
       <p:ext uri="{BB962C8B-B14F-4D97-AF65-F5344CB8AC3E}">
-        <p14:creationId xmlns:p14="http://schemas.microsoft.com/office/powerpoint/2010/main" xmlns="" val="2371060601"/>
+        <p14:creationId xmlns:p14="http://schemas.microsoft.com/office/powerpoint/2010/main" val="2371060601"/>
       </p:ext>
     </p:extLst>
   </p:cSld>
@@ -4563,7 +4563,7 @@
               <a:pPr>
                 <a:defRPr/>
               </a:pPr>
-              <a:t>‹Nº›</a:t>
+              <a:t>‹#›</a:t>
             </a:fld>
             <a:endParaRPr lang="es-AR">
               <a:solidFill>
@@ -4578,7 +4578,7 @@
     </p:spTree>
     <p:extLst>
       <p:ext uri="{BB962C8B-B14F-4D97-AF65-F5344CB8AC3E}">
-        <p14:creationId xmlns:p14="http://schemas.microsoft.com/office/powerpoint/2010/main" xmlns="" val="231306336"/>
+        <p14:creationId xmlns:p14="http://schemas.microsoft.com/office/powerpoint/2010/main" val="231306336"/>
       </p:ext>
     </p:extLst>
   </p:cSld>
@@ -4887,7 +4887,7 @@
               <a:pPr>
                 <a:defRPr/>
               </a:pPr>
-              <a:t>‹Nº›</a:t>
+              <a:t>‹#›</a:t>
             </a:fld>
             <a:endParaRPr lang="es-AR">
               <a:solidFill>
@@ -4902,7 +4902,7 @@
     </p:spTree>
     <p:extLst>
       <p:ext uri="{BB962C8B-B14F-4D97-AF65-F5344CB8AC3E}">
-        <p14:creationId xmlns:p14="http://schemas.microsoft.com/office/powerpoint/2010/main" xmlns="" val="1696776543"/>
+        <p14:creationId xmlns:p14="http://schemas.microsoft.com/office/powerpoint/2010/main" val="1696776543"/>
       </p:ext>
     </p:extLst>
   </p:cSld>
@@ -5114,7 +5114,7 @@
               <a:pPr>
                 <a:defRPr/>
               </a:pPr>
-              <a:t>‹Nº›</a:t>
+              <a:t>‹#›</a:t>
             </a:fld>
             <a:endParaRPr lang="es-AR">
               <a:solidFill>
@@ -5129,7 +5129,7 @@
     </p:spTree>
     <p:extLst>
       <p:ext uri="{BB962C8B-B14F-4D97-AF65-F5344CB8AC3E}">
-        <p14:creationId xmlns:p14="http://schemas.microsoft.com/office/powerpoint/2010/main" xmlns="" val="1591797227"/>
+        <p14:creationId xmlns:p14="http://schemas.microsoft.com/office/powerpoint/2010/main" val="1591797227"/>
       </p:ext>
     </p:extLst>
   </p:cSld>
@@ -5417,7 +5417,7 @@
               <a:pPr>
                 <a:defRPr/>
               </a:pPr>
-              <a:t>‹Nº›</a:t>
+              <a:t>‹#›</a:t>
             </a:fld>
             <a:endParaRPr lang="es-AR">
               <a:solidFill>
@@ -5432,7 +5432,7 @@
     </p:spTree>
     <p:extLst>
       <p:ext uri="{BB962C8B-B14F-4D97-AF65-F5344CB8AC3E}">
-        <p14:creationId xmlns:p14="http://schemas.microsoft.com/office/powerpoint/2010/main" xmlns="" val="3989167606"/>
+        <p14:creationId xmlns:p14="http://schemas.microsoft.com/office/powerpoint/2010/main" val="3989167606"/>
       </p:ext>
     </p:extLst>
   </p:cSld>
@@ -5762,7 +5762,7 @@
               <a:pPr>
                 <a:defRPr/>
               </a:pPr>
-              <a:t>‹Nº›</a:t>
+              <a:t>‹#›</a:t>
             </a:fld>
             <a:endParaRPr lang="es-AR">
               <a:solidFill>
@@ -5777,7 +5777,7 @@
     </p:spTree>
     <p:extLst>
       <p:ext uri="{BB962C8B-B14F-4D97-AF65-F5344CB8AC3E}">
-        <p14:creationId xmlns:p14="http://schemas.microsoft.com/office/powerpoint/2010/main" xmlns="" val="22619960"/>
+        <p14:creationId xmlns:p14="http://schemas.microsoft.com/office/powerpoint/2010/main" val="22619960"/>
       </p:ext>
     </p:extLst>
   </p:cSld>
@@ -6241,7 +6241,7 @@
               <a:pPr>
                 <a:defRPr/>
               </a:pPr>
-              <a:t>‹Nº›</a:t>
+              <a:t>‹#›</a:t>
             </a:fld>
             <a:endParaRPr lang="es-AR">
               <a:solidFill>
@@ -6256,7 +6256,7 @@
     </p:spTree>
     <p:extLst>
       <p:ext uri="{BB962C8B-B14F-4D97-AF65-F5344CB8AC3E}">
-        <p14:creationId xmlns:p14="http://schemas.microsoft.com/office/powerpoint/2010/main" xmlns="" val="3428242447"/>
+        <p14:creationId xmlns:p14="http://schemas.microsoft.com/office/powerpoint/2010/main" val="3428242447"/>
       </p:ext>
     </p:extLst>
   </p:cSld>
@@ -6416,7 +6416,7 @@
               <a:pPr>
                 <a:defRPr/>
               </a:pPr>
-              <a:t>‹Nº›</a:t>
+              <a:t>‹#›</a:t>
             </a:fld>
             <a:endParaRPr lang="es-AR">
               <a:solidFill>
@@ -6431,7 +6431,7 @@
     </p:spTree>
     <p:extLst>
       <p:ext uri="{BB962C8B-B14F-4D97-AF65-F5344CB8AC3E}">
-        <p14:creationId xmlns:p14="http://schemas.microsoft.com/office/powerpoint/2010/main" xmlns="" val="1191567490"/>
+        <p14:creationId xmlns:p14="http://schemas.microsoft.com/office/powerpoint/2010/main" val="1191567490"/>
       </p:ext>
     </p:extLst>
   </p:cSld>
@@ -6568,7 +6568,7 @@
               <a:pPr>
                 <a:defRPr/>
               </a:pPr>
-              <a:t>‹Nº›</a:t>
+              <a:t>‹#›</a:t>
             </a:fld>
             <a:endParaRPr lang="es-AR">
               <a:solidFill>
@@ -6583,7 +6583,7 @@
     </p:spTree>
     <p:extLst>
       <p:ext uri="{BB962C8B-B14F-4D97-AF65-F5344CB8AC3E}">
-        <p14:creationId xmlns:p14="http://schemas.microsoft.com/office/powerpoint/2010/main" xmlns="" val="2343786880"/>
+        <p14:creationId xmlns:p14="http://schemas.microsoft.com/office/powerpoint/2010/main" val="2343786880"/>
       </p:ext>
     </p:extLst>
   </p:cSld>
@@ -6847,7 +6847,7 @@
               <a:pPr>
                 <a:defRPr/>
               </a:pPr>
-              <a:t>‹Nº›</a:t>
+              <a:t>‹#›</a:t>
             </a:fld>
             <a:endParaRPr lang="es-AR"/>
           </a:p>
@@ -7170,7 +7170,7 @@
               <a:pPr>
                 <a:defRPr/>
               </a:pPr>
-              <a:t>‹Nº›</a:t>
+              <a:t>‹#›</a:t>
             </a:fld>
             <a:endParaRPr lang="es-AR">
               <a:solidFill>
@@ -7185,7 +7185,7 @@
     </p:spTree>
     <p:extLst>
       <p:ext uri="{BB962C8B-B14F-4D97-AF65-F5344CB8AC3E}">
-        <p14:creationId xmlns:p14="http://schemas.microsoft.com/office/powerpoint/2010/main" xmlns="" val="1783943044"/>
+        <p14:creationId xmlns:p14="http://schemas.microsoft.com/office/powerpoint/2010/main" val="1783943044"/>
       </p:ext>
     </p:extLst>
   </p:cSld>
@@ -7487,7 +7487,7 @@
               <a:pPr>
                 <a:defRPr/>
               </a:pPr>
-              <a:t>‹Nº›</a:t>
+              <a:t>‹#›</a:t>
             </a:fld>
             <a:endParaRPr lang="es-AR">
               <a:solidFill>
@@ -7502,7 +7502,7 @@
     </p:spTree>
     <p:extLst>
       <p:ext uri="{BB962C8B-B14F-4D97-AF65-F5344CB8AC3E}">
-        <p14:creationId xmlns:p14="http://schemas.microsoft.com/office/powerpoint/2010/main" xmlns="" val="3743672369"/>
+        <p14:creationId xmlns:p14="http://schemas.microsoft.com/office/powerpoint/2010/main" val="3743672369"/>
       </p:ext>
     </p:extLst>
   </p:cSld>
@@ -7714,7 +7714,7 @@
               <a:pPr>
                 <a:defRPr/>
               </a:pPr>
-              <a:t>‹Nº›</a:t>
+              <a:t>‹#›</a:t>
             </a:fld>
             <a:endParaRPr lang="es-AR">
               <a:solidFill>
@@ -7729,7 +7729,7 @@
     </p:spTree>
     <p:extLst>
       <p:ext uri="{BB962C8B-B14F-4D97-AF65-F5344CB8AC3E}">
-        <p14:creationId xmlns:p14="http://schemas.microsoft.com/office/powerpoint/2010/main" xmlns="" val="115402225"/>
+        <p14:creationId xmlns:p14="http://schemas.microsoft.com/office/powerpoint/2010/main" val="115402225"/>
       </p:ext>
     </p:extLst>
   </p:cSld>
@@ -7951,7 +7951,7 @@
               <a:pPr>
                 <a:defRPr/>
               </a:pPr>
-              <a:t>‹Nº›</a:t>
+              <a:t>‹#›</a:t>
             </a:fld>
             <a:endParaRPr lang="es-AR">
               <a:solidFill>
@@ -7966,7 +7966,7 @@
     </p:spTree>
     <p:extLst>
       <p:ext uri="{BB962C8B-B14F-4D97-AF65-F5344CB8AC3E}">
-        <p14:creationId xmlns:p14="http://schemas.microsoft.com/office/powerpoint/2010/main" xmlns="" val="2294831599"/>
+        <p14:creationId xmlns:p14="http://schemas.microsoft.com/office/powerpoint/2010/main" val="2294831599"/>
       </p:ext>
     </p:extLst>
   </p:cSld>
@@ -8275,7 +8275,7 @@
               <a:pPr>
                 <a:defRPr/>
               </a:pPr>
-              <a:t>‹Nº›</a:t>
+              <a:t>‹#›</a:t>
             </a:fld>
             <a:endParaRPr lang="es-AR">
               <a:solidFill>
@@ -8290,7 +8290,7 @@
     </p:spTree>
     <p:extLst>
       <p:ext uri="{BB962C8B-B14F-4D97-AF65-F5344CB8AC3E}">
-        <p14:creationId xmlns:p14="http://schemas.microsoft.com/office/powerpoint/2010/main" xmlns="" val="369527432"/>
+        <p14:creationId xmlns:p14="http://schemas.microsoft.com/office/powerpoint/2010/main" val="369527432"/>
       </p:ext>
     </p:extLst>
   </p:cSld>
@@ -8502,7 +8502,7 @@
               <a:pPr>
                 <a:defRPr/>
               </a:pPr>
-              <a:t>‹Nº›</a:t>
+              <a:t>‹#›</a:t>
             </a:fld>
             <a:endParaRPr lang="es-AR">
               <a:solidFill>
@@ -8517,7 +8517,7 @@
     </p:spTree>
     <p:extLst>
       <p:ext uri="{BB962C8B-B14F-4D97-AF65-F5344CB8AC3E}">
-        <p14:creationId xmlns:p14="http://schemas.microsoft.com/office/powerpoint/2010/main" xmlns="" val="3010011057"/>
+        <p14:creationId xmlns:p14="http://schemas.microsoft.com/office/powerpoint/2010/main" val="3010011057"/>
       </p:ext>
     </p:extLst>
   </p:cSld>
@@ -8805,7 +8805,7 @@
               <a:pPr>
                 <a:defRPr/>
               </a:pPr>
-              <a:t>‹Nº›</a:t>
+              <a:t>‹#›</a:t>
             </a:fld>
             <a:endParaRPr lang="es-AR">
               <a:solidFill>
@@ -8820,7 +8820,7 @@
     </p:spTree>
     <p:extLst>
       <p:ext uri="{BB962C8B-B14F-4D97-AF65-F5344CB8AC3E}">
-        <p14:creationId xmlns:p14="http://schemas.microsoft.com/office/powerpoint/2010/main" xmlns="" val="1539975443"/>
+        <p14:creationId xmlns:p14="http://schemas.microsoft.com/office/powerpoint/2010/main" val="1539975443"/>
       </p:ext>
     </p:extLst>
   </p:cSld>
@@ -9150,7 +9150,7 @@
               <a:pPr>
                 <a:defRPr/>
               </a:pPr>
-              <a:t>‹Nº›</a:t>
+              <a:t>‹#›</a:t>
             </a:fld>
             <a:endParaRPr lang="es-AR">
               <a:solidFill>
@@ -9165,7 +9165,7 @@
     </p:spTree>
     <p:extLst>
       <p:ext uri="{BB962C8B-B14F-4D97-AF65-F5344CB8AC3E}">
-        <p14:creationId xmlns:p14="http://schemas.microsoft.com/office/powerpoint/2010/main" xmlns="" val="2297100974"/>
+        <p14:creationId xmlns:p14="http://schemas.microsoft.com/office/powerpoint/2010/main" val="2297100974"/>
       </p:ext>
     </p:extLst>
   </p:cSld>
@@ -9629,7 +9629,7 @@
               <a:pPr>
                 <a:defRPr/>
               </a:pPr>
-              <a:t>‹Nº›</a:t>
+              <a:t>‹#›</a:t>
             </a:fld>
             <a:endParaRPr lang="es-AR">
               <a:solidFill>
@@ -9644,7 +9644,7 @@
     </p:spTree>
     <p:extLst>
       <p:ext uri="{BB962C8B-B14F-4D97-AF65-F5344CB8AC3E}">
-        <p14:creationId xmlns:p14="http://schemas.microsoft.com/office/powerpoint/2010/main" xmlns="" val="2823646232"/>
+        <p14:creationId xmlns:p14="http://schemas.microsoft.com/office/powerpoint/2010/main" val="2823646232"/>
       </p:ext>
     </p:extLst>
   </p:cSld>
@@ -9804,7 +9804,7 @@
               <a:pPr>
                 <a:defRPr/>
               </a:pPr>
-              <a:t>‹Nº›</a:t>
+              <a:t>‹#›</a:t>
             </a:fld>
             <a:endParaRPr lang="es-AR">
               <a:solidFill>
@@ -9819,7 +9819,7 @@
     </p:spTree>
     <p:extLst>
       <p:ext uri="{BB962C8B-B14F-4D97-AF65-F5344CB8AC3E}">
-        <p14:creationId xmlns:p14="http://schemas.microsoft.com/office/powerpoint/2010/main" xmlns="" val="1276354070"/>
+        <p14:creationId xmlns:p14="http://schemas.microsoft.com/office/powerpoint/2010/main" val="1276354070"/>
       </p:ext>
     </p:extLst>
   </p:cSld>
@@ -10125,7 +10125,7 @@
               <a:pPr>
                 <a:defRPr/>
               </a:pPr>
-              <a:t>‹Nº›</a:t>
+              <a:t>‹#›</a:t>
             </a:fld>
             <a:endParaRPr lang="es-AR"/>
           </a:p>
@@ -10266,7 +10266,7 @@
               <a:pPr>
                 <a:defRPr/>
               </a:pPr>
-              <a:t>‹Nº›</a:t>
+              <a:t>‹#›</a:t>
             </a:fld>
             <a:endParaRPr lang="es-AR">
               <a:solidFill>
@@ -10281,7 +10281,7 @@
     </p:spTree>
     <p:extLst>
       <p:ext uri="{BB962C8B-B14F-4D97-AF65-F5344CB8AC3E}">
-        <p14:creationId xmlns:p14="http://schemas.microsoft.com/office/powerpoint/2010/main" xmlns="" val="2366996440"/>
+        <p14:creationId xmlns:p14="http://schemas.microsoft.com/office/powerpoint/2010/main" val="2366996440"/>
       </p:ext>
     </p:extLst>
   </p:cSld>
@@ -10600,7 +10600,7 @@
               <a:pPr>
                 <a:defRPr/>
               </a:pPr>
-              <a:t>‹Nº›</a:t>
+              <a:t>‹#›</a:t>
             </a:fld>
             <a:endParaRPr lang="es-AR">
               <a:solidFill>
@@ -10615,7 +10615,7 @@
     </p:spTree>
     <p:extLst>
       <p:ext uri="{BB962C8B-B14F-4D97-AF65-F5344CB8AC3E}">
-        <p14:creationId xmlns:p14="http://schemas.microsoft.com/office/powerpoint/2010/main" xmlns="" val="1043598333"/>
+        <p14:creationId xmlns:p14="http://schemas.microsoft.com/office/powerpoint/2010/main" val="1043598333"/>
       </p:ext>
     </p:extLst>
   </p:cSld>
@@ -10917,7 +10917,7 @@
               <a:pPr>
                 <a:defRPr/>
               </a:pPr>
-              <a:t>‹Nº›</a:t>
+              <a:t>‹#›</a:t>
             </a:fld>
             <a:endParaRPr lang="es-AR">
               <a:solidFill>
@@ -10932,7 +10932,7 @@
     </p:spTree>
     <p:extLst>
       <p:ext uri="{BB962C8B-B14F-4D97-AF65-F5344CB8AC3E}">
-        <p14:creationId xmlns:p14="http://schemas.microsoft.com/office/powerpoint/2010/main" xmlns="" val="1067350025"/>
+        <p14:creationId xmlns:p14="http://schemas.microsoft.com/office/powerpoint/2010/main" val="1067350025"/>
       </p:ext>
     </p:extLst>
   </p:cSld>
@@ -11144,7 +11144,7 @@
               <a:pPr>
                 <a:defRPr/>
               </a:pPr>
-              <a:t>‹Nº›</a:t>
+              <a:t>‹#›</a:t>
             </a:fld>
             <a:endParaRPr lang="es-AR">
               <a:solidFill>
@@ -11159,7 +11159,7 @@
     </p:spTree>
     <p:extLst>
       <p:ext uri="{BB962C8B-B14F-4D97-AF65-F5344CB8AC3E}">
-        <p14:creationId xmlns:p14="http://schemas.microsoft.com/office/powerpoint/2010/main" xmlns="" val="2320675772"/>
+        <p14:creationId xmlns:p14="http://schemas.microsoft.com/office/powerpoint/2010/main" val="2320675772"/>
       </p:ext>
     </p:extLst>
   </p:cSld>
@@ -11381,7 +11381,7 @@
               <a:pPr>
                 <a:defRPr/>
               </a:pPr>
-              <a:t>‹Nº›</a:t>
+              <a:t>‹#›</a:t>
             </a:fld>
             <a:endParaRPr lang="es-AR">
               <a:solidFill>
@@ -11396,7 +11396,7 @@
     </p:spTree>
     <p:extLst>
       <p:ext uri="{BB962C8B-B14F-4D97-AF65-F5344CB8AC3E}">
-        <p14:creationId xmlns:p14="http://schemas.microsoft.com/office/powerpoint/2010/main" xmlns="" val="3075762006"/>
+        <p14:creationId xmlns:p14="http://schemas.microsoft.com/office/powerpoint/2010/main" val="3075762006"/>
       </p:ext>
     </p:extLst>
   </p:cSld>
@@ -11836,7 +11836,7 @@
               <a:pPr>
                 <a:defRPr/>
               </a:pPr>
-              <a:t>‹Nº›</a:t>
+              <a:t>‹#›</a:t>
             </a:fld>
             <a:endParaRPr lang="es-AR"/>
           </a:p>
@@ -11976,7 +11976,7 @@
               <a:pPr>
                 <a:defRPr/>
               </a:pPr>
-              <a:t>‹Nº›</a:t>
+              <a:t>‹#›</a:t>
             </a:fld>
             <a:endParaRPr lang="es-AR"/>
           </a:p>
@@ -12093,7 +12093,7 @@
               <a:pPr>
                 <a:defRPr/>
               </a:pPr>
-              <a:t>‹Nº›</a:t>
+              <a:t>‹#›</a:t>
             </a:fld>
             <a:endParaRPr lang="es-AR"/>
           </a:p>
@@ -12392,7 +12392,7 @@
               <a:pPr>
                 <a:defRPr/>
               </a:pPr>
-              <a:t>‹Nº›</a:t>
+              <a:t>‹#›</a:t>
             </a:fld>
             <a:endParaRPr lang="es-AR"/>
           </a:p>
@@ -12674,7 +12674,7 @@
               <a:pPr>
                 <a:defRPr/>
               </a:pPr>
-              <a:t>‹Nº›</a:t>
+              <a:t>‹#›</a:t>
             </a:fld>
             <a:endParaRPr lang="es-AR"/>
           </a:p>
@@ -12978,7 +12978,7 @@
               <a:pPr>
                 <a:defRPr/>
               </a:pPr>
-              <a:t>‹Nº›</a:t>
+              <a:t>‹#›</a:t>
             </a:fld>
             <a:endParaRPr lang="es-AR"/>
           </a:p>
@@ -13704,7 +13704,7 @@
               <a:pPr>
                 <a:defRPr/>
               </a:pPr>
-              <a:t>‹Nº›</a:t>
+              <a:t>‹#›</a:t>
             </a:fld>
             <a:endParaRPr lang="es-AR">
               <a:solidFill>
@@ -13719,7 +13719,7 @@
     </p:spTree>
     <p:extLst>
       <p:ext uri="{BB962C8B-B14F-4D97-AF65-F5344CB8AC3E}">
-        <p14:creationId xmlns:p14="http://schemas.microsoft.com/office/powerpoint/2010/main" xmlns="" val="546253432"/>
+        <p14:creationId xmlns:p14="http://schemas.microsoft.com/office/powerpoint/2010/main" val="546253432"/>
       </p:ext>
     </p:extLst>
   </p:cSld>
@@ -14441,7 +14441,7 @@
               <a:pPr>
                 <a:defRPr/>
               </a:pPr>
-              <a:t>‹Nº›</a:t>
+              <a:t>‹#›</a:t>
             </a:fld>
             <a:endParaRPr lang="es-AR">
               <a:solidFill>
@@ -14456,7 +14456,7 @@
     </p:spTree>
     <p:extLst>
       <p:ext uri="{BB962C8B-B14F-4D97-AF65-F5344CB8AC3E}">
-        <p14:creationId xmlns:p14="http://schemas.microsoft.com/office/powerpoint/2010/main" xmlns="" val="1942280772"/>
+        <p14:creationId xmlns:p14="http://schemas.microsoft.com/office/powerpoint/2010/main" val="1942280772"/>
       </p:ext>
     </p:extLst>
   </p:cSld>
@@ -15178,7 +15178,7 @@
               <a:pPr>
                 <a:defRPr/>
               </a:pPr>
-              <a:t>‹Nº›</a:t>
+              <a:t>‹#›</a:t>
             </a:fld>
             <a:endParaRPr lang="es-AR">
               <a:solidFill>
@@ -15193,7 +15193,7 @@
     </p:spTree>
     <p:extLst>
       <p:ext uri="{BB962C8B-B14F-4D97-AF65-F5344CB8AC3E}">
-        <p14:creationId xmlns:p14="http://schemas.microsoft.com/office/powerpoint/2010/main" xmlns="" val="2541274783"/>
+        <p14:creationId xmlns:p14="http://schemas.microsoft.com/office/powerpoint/2010/main" val="2541274783"/>
       </p:ext>
     </p:extLst>
   </p:cSld>
@@ -15959,7 +15959,7 @@
           <a:blip r:embed="rId2" cstate="print">
             <a:extLst>
               <a:ext uri="{28A0092B-C50C-407E-A947-70E740481C1C}">
-                <a14:useLocalDpi xmlns:a14="http://schemas.microsoft.com/office/drawing/2010/main" xmlns="" val="0"/>
+                <a14:useLocalDpi xmlns:a14="http://schemas.microsoft.com/office/drawing/2010/main" val="0"/>
               </a:ext>
             </a:extLst>
           </a:blip>
@@ -15989,7 +15989,7 @@
           <a:blip r:embed="rId3" cstate="print">
             <a:extLst>
               <a:ext uri="{28A0092B-C50C-407E-A947-70E740481C1C}">
-                <a14:useLocalDpi xmlns:a14="http://schemas.microsoft.com/office/drawing/2010/main" xmlns="" val="0"/>
+                <a14:useLocalDpi xmlns:a14="http://schemas.microsoft.com/office/drawing/2010/main" val="0"/>
               </a:ext>
             </a:extLst>
           </a:blip>
@@ -16012,13 +16012,13 @@
   <p:clrMapOvr>
     <a:masterClrMapping/>
   </p:clrMapOvr>
-  <mc:AlternateContent xmlns:mc="http://schemas.openxmlformats.org/markup-compatibility/2006">
-    <mc:Choice xmlns:p14="http://schemas.microsoft.com/office/powerpoint/2010/main" xmlns="" Requires="p14">
+  <mc:AlternateContent xmlns:mc="http://schemas.openxmlformats.org/markup-compatibility/2006" xmlns:p14="http://schemas.microsoft.com/office/powerpoint/2010/main">
+    <mc:Choice Requires="p14">
       <p:transition spd="med" p14:dur="700">
         <p:fade/>
       </p:transition>
     </mc:Choice>
-    <mc:Fallback>
+    <mc:Fallback xmlns="">
       <p:transition spd="med">
         <p:fade/>
       </p:transition>
@@ -16071,7 +16071,7 @@
           <a:blip r:embed="rId2" cstate="print">
             <a:extLst>
               <a:ext uri="{28A0092B-C50C-407E-A947-70E740481C1C}">
-                <a14:useLocalDpi xmlns:a14="http://schemas.microsoft.com/office/drawing/2010/main" xmlns="" val="0"/>
+                <a14:useLocalDpi xmlns:a14="http://schemas.microsoft.com/office/drawing/2010/main" val="0"/>
               </a:ext>
             </a:extLst>
           </a:blip>
@@ -16279,20 +16279,20 @@
     </p:spTree>
     <p:extLst>
       <p:ext uri="{BB962C8B-B14F-4D97-AF65-F5344CB8AC3E}">
-        <p14:creationId xmlns:p14="http://schemas.microsoft.com/office/powerpoint/2010/main" xmlns="" val="3866744479"/>
+        <p14:creationId xmlns:p14="http://schemas.microsoft.com/office/powerpoint/2010/main" val="3866744479"/>
       </p:ext>
     </p:extLst>
   </p:cSld>
   <p:clrMapOvr>
     <a:masterClrMapping/>
   </p:clrMapOvr>
-  <mc:AlternateContent xmlns:mc="http://schemas.openxmlformats.org/markup-compatibility/2006">
-    <mc:Choice xmlns:p14="http://schemas.microsoft.com/office/powerpoint/2010/main" xmlns="" Requires="p14">
+  <mc:AlternateContent xmlns:mc="http://schemas.openxmlformats.org/markup-compatibility/2006" xmlns:p14="http://schemas.microsoft.com/office/powerpoint/2010/main">
+    <mc:Choice Requires="p14">
       <p:transition spd="med" p14:dur="700">
         <p:fade/>
       </p:transition>
     </mc:Choice>
-    <mc:Fallback>
+    <mc:Fallback xmlns="">
       <p:transition spd="med">
         <p:fade/>
       </p:transition>
@@ -16345,7 +16345,7 @@
           <a:blip r:embed="rId2" cstate="print">
             <a:extLst>
               <a:ext uri="{28A0092B-C50C-407E-A947-70E740481C1C}">
-                <a14:useLocalDpi xmlns:a14="http://schemas.microsoft.com/office/drawing/2010/main" xmlns="" val="0"/>
+                <a14:useLocalDpi xmlns:a14="http://schemas.microsoft.com/office/drawing/2010/main" val="0"/>
               </a:ext>
             </a:extLst>
           </a:blip>
@@ -16557,20 +16557,20 @@
     </p:spTree>
     <p:extLst>
       <p:ext uri="{BB962C8B-B14F-4D97-AF65-F5344CB8AC3E}">
-        <p14:creationId xmlns:p14="http://schemas.microsoft.com/office/powerpoint/2010/main" xmlns="" val="3141520433"/>
+        <p14:creationId xmlns:p14="http://schemas.microsoft.com/office/powerpoint/2010/main" val="3141520433"/>
       </p:ext>
     </p:extLst>
   </p:cSld>
   <p:clrMapOvr>
     <a:masterClrMapping/>
   </p:clrMapOvr>
-  <mc:AlternateContent xmlns:mc="http://schemas.openxmlformats.org/markup-compatibility/2006">
-    <mc:Choice xmlns:p14="http://schemas.microsoft.com/office/powerpoint/2010/main" xmlns="" Requires="p14">
+  <mc:AlternateContent xmlns:mc="http://schemas.openxmlformats.org/markup-compatibility/2006" xmlns:p14="http://schemas.microsoft.com/office/powerpoint/2010/main">
+    <mc:Choice Requires="p14">
       <p:transition spd="med" p14:dur="700">
         <p:fade/>
       </p:transition>
     </mc:Choice>
-    <mc:Fallback>
+    <mc:Fallback xmlns="">
       <p:transition spd="med">
         <p:fade/>
       </p:transition>
@@ -16623,7 +16623,7 @@
           <a:blip r:embed="rId2" cstate="print">
             <a:extLst>
               <a:ext uri="{28A0092B-C50C-407E-A947-70E740481C1C}">
-                <a14:useLocalDpi xmlns:a14="http://schemas.microsoft.com/office/drawing/2010/main" xmlns="" val="0"/>
+                <a14:useLocalDpi xmlns:a14="http://schemas.microsoft.com/office/drawing/2010/main" val="0"/>
               </a:ext>
             </a:extLst>
           </a:blip>
@@ -16835,20 +16835,20 @@
     </p:spTree>
     <p:extLst>
       <p:ext uri="{BB962C8B-B14F-4D97-AF65-F5344CB8AC3E}">
-        <p14:creationId xmlns:p14="http://schemas.microsoft.com/office/powerpoint/2010/main" xmlns="" val="3806625537"/>
+        <p14:creationId xmlns:p14="http://schemas.microsoft.com/office/powerpoint/2010/main" val="3806625537"/>
       </p:ext>
     </p:extLst>
   </p:cSld>
   <p:clrMapOvr>
     <a:masterClrMapping/>
   </p:clrMapOvr>
-  <mc:AlternateContent xmlns:mc="http://schemas.openxmlformats.org/markup-compatibility/2006">
-    <mc:Choice xmlns:p14="http://schemas.microsoft.com/office/powerpoint/2010/main" xmlns="" Requires="p14">
+  <mc:AlternateContent xmlns:mc="http://schemas.openxmlformats.org/markup-compatibility/2006" xmlns:p14="http://schemas.microsoft.com/office/powerpoint/2010/main">
+    <mc:Choice Requires="p14">
       <p:transition spd="med" p14:dur="700">
         <p:fade/>
       </p:transition>
     </mc:Choice>
-    <mc:Fallback>
+    <mc:Fallback xmlns="">
       <p:transition spd="med">
         <p:fade/>
       </p:transition>
@@ -16901,7 +16901,7 @@
           <a:blip r:embed="rId2" cstate="print">
             <a:extLst>
               <a:ext uri="{28A0092B-C50C-407E-A947-70E740481C1C}">
-                <a14:useLocalDpi xmlns:a14="http://schemas.microsoft.com/office/drawing/2010/main" xmlns="" val="0"/>
+                <a14:useLocalDpi xmlns:a14="http://schemas.microsoft.com/office/drawing/2010/main" val="0"/>
               </a:ext>
             </a:extLst>
           </a:blip>
@@ -17113,20 +17113,20 @@
     </p:spTree>
     <p:extLst>
       <p:ext uri="{BB962C8B-B14F-4D97-AF65-F5344CB8AC3E}">
-        <p14:creationId xmlns:p14="http://schemas.microsoft.com/office/powerpoint/2010/main" xmlns="" val="4023513784"/>
+        <p14:creationId xmlns:p14="http://schemas.microsoft.com/office/powerpoint/2010/main" val="4023513784"/>
       </p:ext>
     </p:extLst>
   </p:cSld>
   <p:clrMapOvr>
     <a:masterClrMapping/>
   </p:clrMapOvr>
-  <mc:AlternateContent xmlns:mc="http://schemas.openxmlformats.org/markup-compatibility/2006">
-    <mc:Choice xmlns:p14="http://schemas.microsoft.com/office/powerpoint/2010/main" xmlns="" Requires="p14">
+  <mc:AlternateContent xmlns:mc="http://schemas.openxmlformats.org/markup-compatibility/2006" xmlns:p14="http://schemas.microsoft.com/office/powerpoint/2010/main">
+    <mc:Choice Requires="p14">
       <p:transition spd="med" p14:dur="700">
         <p:fade/>
       </p:transition>
     </mc:Choice>
-    <mc:Fallback>
+    <mc:Fallback xmlns="">
       <p:transition spd="med">
         <p:fade/>
       </p:transition>
@@ -17217,32 +17217,32 @@
       </p:sp>
       <p:graphicFrame>
         <p:nvGraphicFramePr>
-          <p:cNvPr id="5" name="Table 4"/>
+          <p:cNvPr id="4" name="Table 3"/>
           <p:cNvGraphicFramePr>
             <a:graphicFrameLocks noGrp="1"/>
           </p:cNvGraphicFramePr>
           <p:nvPr>
             <p:extLst>
               <p:ext uri="{D42A27DB-BD31-4B8C-83A1-F6EECF244321}">
-                <p14:modId xmlns:p14="http://schemas.microsoft.com/office/powerpoint/2010/main" xmlns="" val="4195840809"/>
+                <p14:modId xmlns:p14="http://schemas.microsoft.com/office/powerpoint/2010/main" val="3954369126"/>
               </p:ext>
             </p:extLst>
           </p:nvPr>
         </p:nvGraphicFramePr>
         <p:xfrm>
-          <a:off x="1187624" y="2564904"/>
-          <a:ext cx="6480719" cy="4104450"/>
+          <a:off x="1979712" y="2618440"/>
+          <a:ext cx="5194300" cy="4152900"/>
         </p:xfrm>
         <a:graphic>
           <a:graphicData uri="http://schemas.openxmlformats.org/drawingml/2006/table">
             <a:tbl>
               <a:tblPr/>
               <a:tblGrid>
-                <a:gridCol w="2392637"/>
-                <a:gridCol w="2044041"/>
-                <a:gridCol w="2044041"/>
+                <a:gridCol w="1917700"/>
+                <a:gridCol w="1638300"/>
+                <a:gridCol w="1638300"/>
               </a:tblGrid>
-              <a:tr h="258839">
+              <a:tr h="200025">
                 <a:tc gridSpan="3">
                   <a:txBody>
                     <a:bodyPr/>
@@ -17324,7 +17324,7 @@
                   <a:tcPr/>
                 </a:tc>
               </a:tr>
-              <a:tr h="258839">
+              <a:tr h="200025">
                 <a:tc>
                   <a:txBody>
                     <a:bodyPr/>
@@ -17332,7 +17332,7 @@
                     <a:p>
                       <a:pPr algn="ctr" fontAlgn="ctr"/>
                       <a:r>
-                        <a:rPr lang="es-ES" sz="1400" b="1" i="0" u="none" strike="noStrike" dirty="0">
+                        <a:rPr lang="es-ES" sz="1100" b="1" i="0" u="none" strike="noStrike">
                           <a:solidFill>
                             <a:srgbClr val="000000"/>
                           </a:solidFill>
@@ -17389,7 +17389,7 @@
                     <a:p>
                       <a:pPr algn="ctr" fontAlgn="ctr"/>
                       <a:r>
-                        <a:rPr lang="es-ES" sz="1400" b="0" i="0" u="none" strike="noStrike">
+                        <a:rPr lang="es-ES" sz="1100" b="0" i="0" u="none" strike="noStrike">
                           <a:solidFill>
                             <a:srgbClr val="000000"/>
                           </a:solidFill>
@@ -17446,7 +17446,7 @@
                     <a:p>
                       <a:pPr algn="ctr" fontAlgn="ctr"/>
                       <a:r>
-                        <a:rPr lang="es-ES" sz="1400" b="0" i="0" u="none" strike="noStrike">
+                        <a:rPr lang="es-ES" sz="1100" b="0" i="0" u="none" strike="noStrike">
                           <a:solidFill>
                             <a:srgbClr val="000000"/>
                           </a:solidFill>
@@ -17497,7 +17497,7 @@
                   </a:tcPr>
                 </a:tc>
               </a:tr>
-              <a:tr h="258839">
+              <a:tr h="200025">
                 <a:tc>
                   <a:txBody>
                     <a:bodyPr/>
@@ -17505,7 +17505,7 @@
                     <a:p>
                       <a:pPr algn="ctr" fontAlgn="ctr"/>
                       <a:r>
-                        <a:rPr lang="es-ES" sz="1400" b="1" i="0" u="none" strike="noStrike">
+                        <a:rPr lang="es-ES" sz="1100" b="1" i="0" u="none" strike="noStrike">
                           <a:solidFill>
                             <a:srgbClr val="000000"/>
                           </a:solidFill>
@@ -17562,7 +17562,7 @@
                     <a:p>
                       <a:pPr algn="ctr" fontAlgn="ctr"/>
                       <a:r>
-                        <a:rPr lang="es-ES" sz="1400" b="0" i="0" u="none" strike="noStrike">
+                        <a:rPr lang="es-ES" sz="1100" b="0" i="0" u="none" strike="noStrike">
                           <a:solidFill>
                             <a:srgbClr val="000000"/>
                           </a:solidFill>
@@ -17619,7 +17619,7 @@
                     <a:p>
                       <a:pPr algn="ctr" fontAlgn="ctr"/>
                       <a:r>
-                        <a:rPr lang="es-ES" sz="1400" b="0" i="0" u="none" strike="noStrike">
+                        <a:rPr lang="es-ES" sz="1100" b="0" i="0" u="none" strike="noStrike">
                           <a:solidFill>
                             <a:srgbClr val="000000"/>
                           </a:solidFill>
@@ -17670,7 +17670,7 @@
                   </a:tcPr>
                 </a:tc>
               </a:tr>
-              <a:tr h="258839">
+              <a:tr h="200025">
                 <a:tc>
                   <a:txBody>
                     <a:bodyPr/>
@@ -17678,7 +17678,7 @@
                     <a:p>
                       <a:pPr algn="ctr" fontAlgn="ctr"/>
                       <a:r>
-                        <a:rPr lang="es-ES" sz="1400" b="1" i="0" u="none" strike="noStrike">
+                        <a:rPr lang="es-ES" sz="1100" b="1" i="0" u="none" strike="noStrike">
                           <a:solidFill>
                             <a:srgbClr val="000000"/>
                           </a:solidFill>
@@ -17735,7 +17735,7 @@
                     <a:p>
                       <a:pPr algn="ctr" fontAlgn="ctr"/>
                       <a:r>
-                        <a:rPr lang="es-ES" sz="1400" b="0" i="0" u="none" strike="noStrike">
+                        <a:rPr lang="es-ES" sz="1100" b="0" i="0" u="none" strike="noStrike">
                           <a:solidFill>
                             <a:srgbClr val="000000"/>
                           </a:solidFill>
@@ -17792,7 +17792,7 @@
                     <a:p>
                       <a:pPr algn="ctr" fontAlgn="ctr"/>
                       <a:r>
-                        <a:rPr lang="es-ES" sz="1400" b="0" i="0" u="none" strike="noStrike" dirty="0">
+                        <a:rPr lang="es-ES" sz="1100" b="0" i="0" u="none" strike="noStrike" dirty="0">
                           <a:solidFill>
                             <a:srgbClr val="000000"/>
                           </a:solidFill>
@@ -17843,7 +17843,7 @@
                   </a:tcPr>
                 </a:tc>
               </a:tr>
-              <a:tr h="258839">
+              <a:tr h="200025">
                 <a:tc>
                   <a:txBody>
                     <a:bodyPr/>
@@ -17851,7 +17851,7 @@
                     <a:p>
                       <a:pPr algn="ctr" fontAlgn="ctr"/>
                       <a:r>
-                        <a:rPr lang="es-ES" sz="1400" b="1" i="0" u="none" strike="noStrike">
+                        <a:rPr lang="es-ES" sz="1100" b="1" i="0" u="none" strike="noStrike">
                           <a:solidFill>
                             <a:srgbClr val="000000"/>
                           </a:solidFill>
@@ -17908,7 +17908,7 @@
                     <a:p>
                       <a:pPr algn="ctr" fontAlgn="ctr"/>
                       <a:r>
-                        <a:rPr lang="es-ES" sz="1400" b="0" i="0" u="none" strike="noStrike" dirty="0">
+                        <a:rPr lang="es-ES" sz="1100" b="0" i="0" u="none" strike="noStrike">
                           <a:solidFill>
                             <a:srgbClr val="000000"/>
                           </a:solidFill>
@@ -17965,7 +17965,7 @@
                     <a:p>
                       <a:pPr algn="ctr" fontAlgn="ctr"/>
                       <a:r>
-                        <a:rPr lang="es-ES" sz="1400" b="0" i="0" u="none" strike="noStrike">
+                        <a:rPr lang="es-ES" sz="1100" b="0" i="0" u="none" strike="noStrike">
                           <a:solidFill>
                             <a:srgbClr val="000000"/>
                           </a:solidFill>
@@ -18016,7 +18016,7 @@
                   </a:tcPr>
                 </a:tc>
               </a:tr>
-              <a:tr h="505354">
+              <a:tr h="390525">
                 <a:tc>
                   <a:txBody>
                     <a:bodyPr/>
@@ -18024,7 +18024,7 @@
                     <a:p>
                       <a:pPr algn="ctr" fontAlgn="ctr"/>
                       <a:r>
-                        <a:rPr lang="es-ES" sz="1400" b="1" i="0" u="none" strike="noStrike">
+                        <a:rPr lang="es-ES" sz="1100" b="1" i="0" u="none" strike="noStrike">
                           <a:solidFill>
                             <a:srgbClr val="000000"/>
                           </a:solidFill>
@@ -18081,7 +18081,7 @@
                     <a:p>
                       <a:pPr algn="ctr" fontAlgn="ctr"/>
                       <a:r>
-                        <a:rPr lang="es-ES" sz="1400" b="0" i="0" u="none" strike="noStrike" dirty="0">
+                        <a:rPr lang="es-ES" sz="1100" b="0" i="0" u="none" strike="noStrike">
                           <a:solidFill>
                             <a:srgbClr val="000000"/>
                           </a:solidFill>
@@ -18138,7 +18138,7 @@
                     <a:p>
                       <a:pPr algn="ctr" fontAlgn="ctr"/>
                       <a:r>
-                        <a:rPr lang="es-ES" sz="1400" b="0" i="0" u="none" strike="noStrike">
+                        <a:rPr lang="es-ES" sz="1100" b="0" i="0" u="none" strike="noStrike">
                           <a:solidFill>
                             <a:srgbClr val="000000"/>
                           </a:solidFill>
@@ -18189,7 +18189,7 @@
                   </a:tcPr>
                 </a:tc>
               </a:tr>
-              <a:tr h="258839">
+              <a:tr h="200025">
                 <a:tc>
                   <a:txBody>
                     <a:bodyPr/>
@@ -18197,7 +18197,7 @@
                     <a:p>
                       <a:pPr algn="ctr" fontAlgn="ctr"/>
                       <a:r>
-                        <a:rPr lang="es-ES" sz="1400" b="1" i="0" u="none" strike="noStrike">
+                        <a:rPr lang="es-ES" sz="1100" b="1" i="0" u="none" strike="noStrike">
                           <a:solidFill>
                             <a:srgbClr val="000000"/>
                           </a:solidFill>
@@ -18254,7 +18254,7 @@
                     <a:p>
                       <a:pPr algn="ctr" fontAlgn="ctr"/>
                       <a:r>
-                        <a:rPr lang="es-ES" sz="1400" b="0" i="0" u="none" strike="noStrike">
+                        <a:rPr lang="es-ES" sz="1100" b="0" i="0" u="none" strike="noStrike">
                           <a:solidFill>
                             <a:srgbClr val="000000"/>
                           </a:solidFill>
@@ -18311,7 +18311,7 @@
                     <a:p>
                       <a:pPr algn="ctr" fontAlgn="ctr"/>
                       <a:r>
-                        <a:rPr lang="es-ES" sz="1400" b="0" i="0" u="none" strike="noStrike">
+                        <a:rPr lang="es-ES" sz="1100" b="0" i="0" u="none" strike="noStrike">
                           <a:solidFill>
                             <a:srgbClr val="000000"/>
                           </a:solidFill>
@@ -18362,7 +18362,7 @@
                   </a:tcPr>
                 </a:tc>
               </a:tr>
-              <a:tr h="258839">
+              <a:tr h="200025">
                 <a:tc gridSpan="3">
                   <a:txBody>
                     <a:bodyPr/>
@@ -18370,7 +18370,7 @@
                     <a:p>
                       <a:pPr algn="ctr" fontAlgn="ctr"/>
                       <a:r>
-                        <a:rPr lang="es-ES" sz="1400" b="1" i="0" u="none" strike="noStrike">
+                        <a:rPr lang="es-ES" sz="1100" b="1" i="0" u="none" strike="noStrike">
                           <a:solidFill>
                             <a:srgbClr val="000000"/>
                           </a:solidFill>
@@ -18444,7 +18444,7 @@
                   <a:tcPr/>
                 </a:tc>
               </a:tr>
-              <a:tr h="258839">
+              <a:tr h="200025">
                 <a:tc>
                   <a:txBody>
                     <a:bodyPr/>
@@ -18452,7 +18452,7 @@
                     <a:p>
                       <a:pPr algn="ctr" fontAlgn="ctr"/>
                       <a:r>
-                        <a:rPr lang="es-ES" sz="1400" b="1" i="0" u="none" strike="noStrike">
+                        <a:rPr lang="es-ES" sz="1100" b="1" i="0" u="none" strike="noStrike">
                           <a:solidFill>
                             <a:srgbClr val="000000"/>
                           </a:solidFill>
@@ -18509,7 +18509,7 @@
                     <a:p>
                       <a:pPr algn="ctr" fontAlgn="ctr"/>
                       <a:r>
-                        <a:rPr lang="es-ES" sz="1400" b="0" i="0" u="none" strike="noStrike">
+                        <a:rPr lang="es-ES" sz="1100" b="0" i="0" u="none" strike="noStrike">
                           <a:solidFill>
                             <a:srgbClr val="000000"/>
                           </a:solidFill>
@@ -18566,7 +18566,7 @@
                     <a:p>
                       <a:pPr algn="ctr" fontAlgn="ctr"/>
                       <a:r>
-                        <a:rPr lang="es-ES" sz="1400" b="0" i="0" u="none" strike="noStrike">
+                        <a:rPr lang="es-ES" sz="1100" b="0" i="0" u="none" strike="noStrike">
                           <a:solidFill>
                             <a:srgbClr val="000000"/>
                           </a:solidFill>
@@ -18617,7 +18617,7 @@
                   </a:tcPr>
                 </a:tc>
               </a:tr>
-              <a:tr h="258839">
+              <a:tr h="200025">
                 <a:tc gridSpan="3">
                   <a:txBody>
                     <a:bodyPr/>
@@ -18625,7 +18625,7 @@
                     <a:p>
                       <a:pPr algn="ctr" fontAlgn="ctr"/>
                       <a:r>
-                        <a:rPr lang="es-ES" sz="1400" b="1" i="0" u="none" strike="noStrike">
+                        <a:rPr lang="es-ES" sz="1100" b="1" i="0" u="none" strike="noStrike">
                           <a:solidFill>
                             <a:srgbClr val="000000"/>
                           </a:solidFill>
@@ -18699,7 +18699,7 @@
                   <a:tcPr/>
                 </a:tc>
               </a:tr>
-              <a:tr h="258839">
+              <a:tr h="200025">
                 <a:tc>
                   <a:txBody>
                     <a:bodyPr/>
@@ -18707,7 +18707,7 @@
                     <a:p>
                       <a:pPr algn="ctr" fontAlgn="ctr"/>
                       <a:r>
-                        <a:rPr lang="es-ES" sz="1400" b="1" i="0" u="none" strike="noStrike">
+                        <a:rPr lang="es-ES" sz="1100" b="1" i="0" u="none" strike="noStrike">
                           <a:solidFill>
                             <a:srgbClr val="000000"/>
                           </a:solidFill>
@@ -18764,7 +18764,7 @@
                     <a:p>
                       <a:pPr algn="ctr" fontAlgn="ctr"/>
                       <a:r>
-                        <a:rPr lang="es-ES" sz="1400" b="0" i="0" u="none" strike="noStrike" dirty="0">
+                        <a:rPr lang="es-ES" sz="1100" b="0" i="0" u="none" strike="noStrike">
                           <a:solidFill>
                             <a:srgbClr val="000000"/>
                           </a:solidFill>
@@ -18821,7 +18821,7 @@
                     <a:p>
                       <a:pPr algn="ctr" fontAlgn="ctr"/>
                       <a:r>
-                        <a:rPr lang="es-ES" sz="1400" b="1" i="0" u="none" strike="noStrike">
+                        <a:rPr lang="es-ES" sz="1100" b="1" i="0" u="none" strike="noStrike">
                           <a:solidFill>
                             <a:srgbClr val="000000"/>
                           </a:solidFill>
@@ -18872,7 +18872,7 @@
                   </a:tcPr>
                 </a:tc>
               </a:tr>
-              <a:tr h="246514">
+              <a:tr h="190500">
                 <a:tc>
                   <a:txBody>
                     <a:bodyPr/>
@@ -18880,7 +18880,7 @@
                     <a:p>
                       <a:pPr algn="ctr" fontAlgn="ctr"/>
                       <a:r>
-                        <a:rPr lang="es-ES" sz="1400" b="1" i="0" u="none" strike="noStrike">
+                        <a:rPr lang="es-ES" sz="1100" b="1" i="0" u="none" strike="noStrike">
                           <a:solidFill>
                             <a:srgbClr val="000000"/>
                           </a:solidFill>
@@ -18937,7 +18937,7 @@
                     <a:p>
                       <a:pPr algn="ctr" fontAlgn="ctr"/>
                       <a:r>
-                        <a:rPr lang="es-ES" sz="1400" b="0" i="0" u="none" strike="noStrike">
+                        <a:rPr lang="es-ES" sz="1100" b="0" i="0" u="none" strike="noStrike">
                           <a:solidFill>
                             <a:srgbClr val="000000"/>
                           </a:solidFill>
@@ -18994,7 +18994,7 @@
                     <a:p>
                       <a:pPr algn="ctr" fontAlgn="ctr"/>
                       <a:r>
-                        <a:rPr lang="es-ES" sz="1400" b="1" i="0" u="none" strike="noStrike">
+                        <a:rPr lang="es-ES" sz="1100" b="1" i="0" u="none" strike="noStrike">
                           <a:solidFill>
                             <a:srgbClr val="000000"/>
                           </a:solidFill>
@@ -19045,7 +19045,7 @@
                   </a:tcPr>
                 </a:tc>
               </a:tr>
-              <a:tr h="246514">
+              <a:tr h="190500">
                 <a:tc>
                   <a:txBody>
                     <a:bodyPr/>
@@ -19053,7 +19053,7 @@
                     <a:p>
                       <a:pPr algn="ctr" fontAlgn="ctr"/>
                       <a:r>
-                        <a:rPr lang="es-ES" sz="1400" b="1" i="0" u="none" strike="noStrike">
+                        <a:rPr lang="es-ES" sz="1100" b="1" i="0" u="none" strike="noStrike">
                           <a:solidFill>
                             <a:srgbClr val="000000"/>
                           </a:solidFill>
@@ -19110,7 +19110,7 @@
                     <a:p>
                       <a:pPr algn="ctr" fontAlgn="ctr"/>
                       <a:r>
-                        <a:rPr lang="es-ES" sz="1400" b="0" i="0" u="none" strike="noStrike">
+                        <a:rPr lang="es-ES" sz="1100" b="0" i="0" u="none" strike="noStrike">
                           <a:solidFill>
                             <a:srgbClr val="000000"/>
                           </a:solidFill>
@@ -19167,7 +19167,7 @@
                     <a:p>
                       <a:pPr algn="ctr" fontAlgn="ctr"/>
                       <a:r>
-                        <a:rPr lang="es-ES" sz="1400" b="1" i="0" u="none" strike="noStrike">
+                        <a:rPr lang="es-ES" sz="1100" b="1" i="0" u="none" strike="noStrike">
                           <a:solidFill>
                             <a:srgbClr val="000000"/>
                           </a:solidFill>
@@ -19218,7 +19218,7 @@
                   </a:tcPr>
                 </a:tc>
               </a:tr>
-              <a:tr h="258839">
+              <a:tr h="200025">
                 <a:tc>
                   <a:txBody>
                     <a:bodyPr/>
@@ -19226,7 +19226,7 @@
                     <a:p>
                       <a:pPr algn="ctr" fontAlgn="ctr"/>
                       <a:r>
-                        <a:rPr lang="es-ES" sz="1400" b="1" i="0" u="none" strike="noStrike">
+                        <a:rPr lang="es-ES" sz="1100" b="1" i="0" u="none" strike="noStrike">
                           <a:solidFill>
                             <a:srgbClr val="000000"/>
                           </a:solidFill>
@@ -19283,7 +19283,7 @@
                     <a:p>
                       <a:pPr algn="ctr" fontAlgn="ctr"/>
                       <a:r>
-                        <a:rPr lang="es-ES" sz="1400" b="0" i="0" u="none" strike="noStrike">
+                        <a:rPr lang="es-ES" sz="1100" b="0" i="0" u="none" strike="noStrike">
                           <a:solidFill>
                             <a:srgbClr val="000000"/>
                           </a:solidFill>
@@ -19340,7 +19340,7 @@
                     <a:p>
                       <a:pPr algn="ctr" fontAlgn="ctr"/>
                       <a:r>
-                        <a:rPr lang="es-ES" sz="1400" b="1" i="0" u="none" strike="noStrike">
+                        <a:rPr lang="es-ES" sz="1100" b="1" i="0" u="none" strike="noStrike">
                           <a:solidFill>
                             <a:srgbClr val="000000"/>
                           </a:solidFill>
@@ -19391,7 +19391,7 @@
                   </a:tcPr>
                 </a:tc>
               </a:tr>
-              <a:tr h="258839">
+              <a:tr h="200025">
                 <a:tc>
                   <a:txBody>
                     <a:bodyPr/>
@@ -19399,7 +19399,7 @@
                     <a:p>
                       <a:pPr algn="ctr" fontAlgn="ctr"/>
                       <a:r>
-                        <a:rPr lang="es-ES" sz="1400" b="0" i="0" u="none" strike="noStrike">
+                        <a:rPr lang="es-ES" sz="1100" b="0" i="0" u="none" strike="noStrike">
                           <a:solidFill>
                             <a:srgbClr val="000000"/>
                           </a:solidFill>
@@ -19456,7 +19456,7 @@
                     <a:p>
                       <a:pPr algn="ctr" fontAlgn="ctr"/>
                       <a:r>
-                        <a:rPr lang="es-ES" sz="1400" b="1" i="0" u="none" strike="noStrike" dirty="0">
+                        <a:rPr lang="es-ES" sz="1100" b="1" i="0" u="none" strike="noStrike">
                           <a:solidFill>
                             <a:srgbClr val="000000"/>
                           </a:solidFill>
@@ -19516,7 +19516,7 @@
                     <a:p>
                       <a:pPr algn="ctr" fontAlgn="ctr"/>
                       <a:r>
-                        <a:rPr lang="es-ES" sz="1400" b="1" i="0" u="none" strike="noStrike" dirty="0">
+                        <a:rPr lang="es-ES" sz="1100" b="1" i="0" u="none" strike="noStrike">
                           <a:solidFill>
                             <a:srgbClr val="000000"/>
                           </a:solidFill>
@@ -19570,6 +19570,862 @@
                   </a:tcPr>
                 </a:tc>
               </a:tr>
+              <a:tr h="200025">
+                <a:tc>
+                  <a:txBody>
+                    <a:bodyPr/>
+                    <a:lstStyle/>
+                    <a:p>
+                      <a:pPr algn="ctr" fontAlgn="ctr"/>
+                      <a:r>
+                        <a:rPr lang="es-ES" sz="1100" b="1" i="0" u="none" strike="noStrike">
+                          <a:solidFill>
+                            <a:srgbClr val="000000"/>
+                          </a:solidFill>
+                          <a:effectLst/>
+                          <a:latin typeface="Calibri"/>
+                        </a:rPr>
+                        <a:t>Gastos Varios</a:t>
+                      </a:r>
+                    </a:p>
+                  </a:txBody>
+                  <a:tcPr marL="9525" marR="9525" marT="9525" marB="0" anchor="ctr">
+                    <a:lnL w="12700" cap="flat" cmpd="sng" algn="ctr">
+                      <a:solidFill>
+                        <a:srgbClr val="000000"/>
+                      </a:solidFill>
+                      <a:prstDash val="solid"/>
+                      <a:round/>
+                      <a:headEnd type="none" w="med" len="med"/>
+                      <a:tailEnd type="none" w="med" len="med"/>
+                    </a:lnL>
+                    <a:lnR>
+                      <a:noFill/>
+                    </a:lnR>
+                    <a:lnT w="12700" cap="flat" cmpd="sng" algn="ctr">
+                      <a:solidFill>
+                        <a:srgbClr val="000000"/>
+                      </a:solidFill>
+                      <a:prstDash val="solid"/>
+                      <a:round/>
+                      <a:headEnd type="none" w="med" len="med"/>
+                      <a:tailEnd type="none" w="med" len="med"/>
+                    </a:lnT>
+                    <a:lnB w="12700" cap="flat" cmpd="sng" algn="ctr">
+                      <a:solidFill>
+                        <a:srgbClr val="000000"/>
+                      </a:solidFill>
+                      <a:prstDash val="solid"/>
+                      <a:round/>
+                      <a:headEnd type="none" w="med" len="med"/>
+                      <a:tailEnd type="none" w="med" len="med"/>
+                    </a:lnB>
+                    <a:solidFill>
+                      <a:srgbClr val="9BBB59"/>
+                    </a:solidFill>
+                  </a:tcPr>
+                </a:tc>
+                <a:tc>
+                  <a:txBody>
+                    <a:bodyPr/>
+                    <a:lstStyle/>
+                    <a:p>
+                      <a:pPr algn="ctr" fontAlgn="ctr"/>
+                      <a:r>
+                        <a:rPr lang="es-ES" sz="1100" b="1" i="0" u="none" strike="noStrike">
+                          <a:solidFill>
+                            <a:srgbClr val="000000"/>
+                          </a:solidFill>
+                          <a:effectLst/>
+                          <a:latin typeface="Calibri"/>
+                        </a:rPr>
+                        <a:t> </a:t>
+                      </a:r>
+                    </a:p>
+                  </a:txBody>
+                  <a:tcPr marL="9525" marR="9525" marT="9525" marB="0" anchor="ctr">
+                    <a:lnL>
+                      <a:noFill/>
+                    </a:lnL>
+                    <a:lnR>
+                      <a:noFill/>
+                    </a:lnR>
+                    <a:lnT w="12700" cap="flat" cmpd="sng" algn="ctr">
+                      <a:solidFill>
+                        <a:srgbClr val="000000"/>
+                      </a:solidFill>
+                      <a:prstDash val="solid"/>
+                      <a:round/>
+                      <a:headEnd type="none" w="med" len="med"/>
+                      <a:tailEnd type="none" w="med" len="med"/>
+                    </a:lnT>
+                    <a:lnB w="12700" cap="flat" cmpd="sng" algn="ctr">
+                      <a:solidFill>
+                        <a:srgbClr val="000000"/>
+                      </a:solidFill>
+                      <a:prstDash val="solid"/>
+                      <a:round/>
+                      <a:headEnd type="none" w="med" len="med"/>
+                      <a:tailEnd type="none" w="med" len="med"/>
+                    </a:lnB>
+                    <a:solidFill>
+                      <a:srgbClr val="9BBB59"/>
+                    </a:solidFill>
+                  </a:tcPr>
+                </a:tc>
+                <a:tc>
+                  <a:txBody>
+                    <a:bodyPr/>
+                    <a:lstStyle/>
+                    <a:p>
+                      <a:pPr algn="ctr" fontAlgn="ctr"/>
+                      <a:r>
+                        <a:rPr lang="es-ES" sz="1100" b="1" i="0" u="none" strike="noStrike">
+                          <a:solidFill>
+                            <a:srgbClr val="000000"/>
+                          </a:solidFill>
+                          <a:effectLst/>
+                          <a:latin typeface="Calibri"/>
+                        </a:rPr>
+                        <a:t> </a:t>
+                      </a:r>
+                    </a:p>
+                  </a:txBody>
+                  <a:tcPr marL="9525" marR="9525" marT="9525" marB="0" anchor="ctr">
+                    <a:lnL>
+                      <a:noFill/>
+                    </a:lnL>
+                    <a:lnR w="12700" cap="flat" cmpd="sng" algn="ctr">
+                      <a:solidFill>
+                        <a:srgbClr val="000000"/>
+                      </a:solidFill>
+                      <a:prstDash val="solid"/>
+                      <a:round/>
+                      <a:headEnd type="none" w="med" len="med"/>
+                      <a:tailEnd type="none" w="med" len="med"/>
+                    </a:lnR>
+                    <a:lnT w="12700" cap="flat" cmpd="sng" algn="ctr">
+                      <a:solidFill>
+                        <a:srgbClr val="000000"/>
+                      </a:solidFill>
+                      <a:prstDash val="solid"/>
+                      <a:round/>
+                      <a:headEnd type="none" w="med" len="med"/>
+                      <a:tailEnd type="none" w="med" len="med"/>
+                    </a:lnT>
+                    <a:lnB w="12700" cap="flat" cmpd="sng" algn="ctr">
+                      <a:solidFill>
+                        <a:srgbClr val="000000"/>
+                      </a:solidFill>
+                      <a:prstDash val="solid"/>
+                      <a:round/>
+                      <a:headEnd type="none" w="med" len="med"/>
+                      <a:tailEnd type="none" w="med" len="med"/>
+                    </a:lnB>
+                    <a:solidFill>
+                      <a:srgbClr val="9BBB59"/>
+                    </a:solidFill>
+                  </a:tcPr>
+                </a:tc>
+              </a:tr>
+              <a:tr h="190500">
+                <a:tc>
+                  <a:txBody>
+                    <a:bodyPr/>
+                    <a:lstStyle/>
+                    <a:p>
+                      <a:pPr algn="ctr" fontAlgn="ctr"/>
+                      <a:r>
+                        <a:rPr lang="es-ES" sz="1100" b="1" i="0" u="none" strike="noStrike">
+                          <a:solidFill>
+                            <a:srgbClr val="000000"/>
+                          </a:solidFill>
+                          <a:effectLst/>
+                          <a:latin typeface="Calibri"/>
+                        </a:rPr>
+                        <a:t>Viaticos</a:t>
+                      </a:r>
+                    </a:p>
+                  </a:txBody>
+                  <a:tcPr marL="9525" marR="9525" marT="9525" marB="0" anchor="ctr">
+                    <a:lnL w="12700" cap="flat" cmpd="sng" algn="ctr">
+                      <a:solidFill>
+                        <a:srgbClr val="000000"/>
+                      </a:solidFill>
+                      <a:prstDash val="solid"/>
+                      <a:round/>
+                      <a:headEnd type="none" w="med" len="med"/>
+                      <a:tailEnd type="none" w="med" len="med"/>
+                    </a:lnL>
+                    <a:lnR w="6350" cap="flat" cmpd="sng" algn="ctr">
+                      <a:solidFill>
+                        <a:srgbClr val="000000"/>
+                      </a:solidFill>
+                      <a:prstDash val="solid"/>
+                      <a:round/>
+                      <a:headEnd type="none" w="med" len="med"/>
+                      <a:tailEnd type="none" w="med" len="med"/>
+                    </a:lnR>
+                    <a:lnT w="12700" cap="flat" cmpd="sng" algn="ctr">
+                      <a:solidFill>
+                        <a:srgbClr val="000000"/>
+                      </a:solidFill>
+                      <a:prstDash val="solid"/>
+                      <a:round/>
+                      <a:headEnd type="none" w="med" len="med"/>
+                      <a:tailEnd type="none" w="med" len="med"/>
+                    </a:lnT>
+                    <a:lnB w="6350" cap="flat" cmpd="sng" algn="ctr">
+                      <a:solidFill>
+                        <a:srgbClr val="000000"/>
+                      </a:solidFill>
+                      <a:prstDash val="solid"/>
+                      <a:round/>
+                      <a:headEnd type="none" w="med" len="med"/>
+                      <a:tailEnd type="none" w="med" len="med"/>
+                    </a:lnB>
+                  </a:tcPr>
+                </a:tc>
+                <a:tc>
+                  <a:txBody>
+                    <a:bodyPr/>
+                    <a:lstStyle/>
+                    <a:p>
+                      <a:pPr algn="ctr" fontAlgn="ctr"/>
+                      <a:r>
+                        <a:rPr lang="es-ES" sz="1100" b="0" i="0" u="none" strike="noStrike">
+                          <a:solidFill>
+                            <a:srgbClr val="000000"/>
+                          </a:solidFill>
+                          <a:effectLst/>
+                          <a:latin typeface="Calibri"/>
+                        </a:rPr>
+                        <a:t>-</a:t>
+                      </a:r>
+                    </a:p>
+                  </a:txBody>
+                  <a:tcPr marL="9525" marR="9525" marT="9525" marB="0" anchor="ctr">
+                    <a:lnL w="6350" cap="flat" cmpd="sng" algn="ctr">
+                      <a:solidFill>
+                        <a:srgbClr val="000000"/>
+                      </a:solidFill>
+                      <a:prstDash val="solid"/>
+                      <a:round/>
+                      <a:headEnd type="none" w="med" len="med"/>
+                      <a:tailEnd type="none" w="med" len="med"/>
+                    </a:lnL>
+                    <a:lnR w="6350" cap="flat" cmpd="sng" algn="ctr">
+                      <a:solidFill>
+                        <a:srgbClr val="000000"/>
+                      </a:solidFill>
+                      <a:prstDash val="solid"/>
+                      <a:round/>
+                      <a:headEnd type="none" w="med" len="med"/>
+                      <a:tailEnd type="none" w="med" len="med"/>
+                    </a:lnR>
+                    <a:lnT w="12700" cap="flat" cmpd="sng" algn="ctr">
+                      <a:solidFill>
+                        <a:srgbClr val="000000"/>
+                      </a:solidFill>
+                      <a:prstDash val="solid"/>
+                      <a:round/>
+                      <a:headEnd type="none" w="med" len="med"/>
+                      <a:tailEnd type="none" w="med" len="med"/>
+                    </a:lnT>
+                    <a:lnB w="6350" cap="flat" cmpd="sng" algn="ctr">
+                      <a:solidFill>
+                        <a:srgbClr val="000000"/>
+                      </a:solidFill>
+                      <a:prstDash val="solid"/>
+                      <a:round/>
+                      <a:headEnd type="none" w="med" len="med"/>
+                      <a:tailEnd type="none" w="med" len="med"/>
+                    </a:lnB>
+                  </a:tcPr>
+                </a:tc>
+                <a:tc>
+                  <a:txBody>
+                    <a:bodyPr/>
+                    <a:lstStyle/>
+                    <a:p>
+                      <a:pPr algn="ctr" fontAlgn="ctr"/>
+                      <a:r>
+                        <a:rPr lang="es-ES" sz="1100" b="0" i="0" u="none" strike="noStrike">
+                          <a:solidFill>
+                            <a:srgbClr val="000000"/>
+                          </a:solidFill>
+                          <a:effectLst/>
+                          <a:latin typeface="Calibri"/>
+                        </a:rPr>
+                        <a:t>$ 4.000,00</a:t>
+                      </a:r>
+                    </a:p>
+                  </a:txBody>
+                  <a:tcPr marL="9525" marR="9525" marT="9525" marB="0" anchor="ctr">
+                    <a:lnL w="6350" cap="flat" cmpd="sng" algn="ctr">
+                      <a:solidFill>
+                        <a:srgbClr val="000000"/>
+                      </a:solidFill>
+                      <a:prstDash val="solid"/>
+                      <a:round/>
+                      <a:headEnd type="none" w="med" len="med"/>
+                      <a:tailEnd type="none" w="med" len="med"/>
+                    </a:lnL>
+                    <a:lnR w="12700" cap="flat" cmpd="sng" algn="ctr">
+                      <a:solidFill>
+                        <a:srgbClr val="000000"/>
+                      </a:solidFill>
+                      <a:prstDash val="solid"/>
+                      <a:round/>
+                      <a:headEnd type="none" w="med" len="med"/>
+                      <a:tailEnd type="none" w="med" len="med"/>
+                    </a:lnR>
+                    <a:lnT w="12700" cap="flat" cmpd="sng" algn="ctr">
+                      <a:solidFill>
+                        <a:srgbClr val="000000"/>
+                      </a:solidFill>
+                      <a:prstDash val="solid"/>
+                      <a:round/>
+                      <a:headEnd type="none" w="med" len="med"/>
+                      <a:tailEnd type="none" w="med" len="med"/>
+                    </a:lnT>
+                    <a:lnB w="6350" cap="flat" cmpd="sng" algn="ctr">
+                      <a:solidFill>
+                        <a:srgbClr val="000000"/>
+                      </a:solidFill>
+                      <a:prstDash val="solid"/>
+                      <a:round/>
+                      <a:headEnd type="none" w="med" len="med"/>
+                      <a:tailEnd type="none" w="med" len="med"/>
+                    </a:lnB>
+                  </a:tcPr>
+                </a:tc>
+              </a:tr>
+              <a:tr h="190500">
+                <a:tc>
+                  <a:txBody>
+                    <a:bodyPr/>
+                    <a:lstStyle/>
+                    <a:p>
+                      <a:pPr algn="ctr" fontAlgn="ctr"/>
+                      <a:r>
+                        <a:rPr lang="es-ES" sz="1100" b="1" i="0" u="none" strike="noStrike">
+                          <a:solidFill>
+                            <a:srgbClr val="000000"/>
+                          </a:solidFill>
+                          <a:effectLst/>
+                          <a:latin typeface="Calibri"/>
+                        </a:rPr>
+                        <a:t>Instalación de Componentes</a:t>
+                      </a:r>
+                    </a:p>
+                  </a:txBody>
+                  <a:tcPr marL="9525" marR="9525" marT="9525" marB="0" anchor="ctr">
+                    <a:lnL w="12700" cap="flat" cmpd="sng" algn="ctr">
+                      <a:solidFill>
+                        <a:srgbClr val="000000"/>
+                      </a:solidFill>
+                      <a:prstDash val="solid"/>
+                      <a:round/>
+                      <a:headEnd type="none" w="med" len="med"/>
+                      <a:tailEnd type="none" w="med" len="med"/>
+                    </a:lnL>
+                    <a:lnR w="6350" cap="flat" cmpd="sng" algn="ctr">
+                      <a:solidFill>
+                        <a:srgbClr val="000000"/>
+                      </a:solidFill>
+                      <a:prstDash val="solid"/>
+                      <a:round/>
+                      <a:headEnd type="none" w="med" len="med"/>
+                      <a:tailEnd type="none" w="med" len="med"/>
+                    </a:lnR>
+                    <a:lnT w="6350" cap="flat" cmpd="sng" algn="ctr">
+                      <a:solidFill>
+                        <a:srgbClr val="000000"/>
+                      </a:solidFill>
+                      <a:prstDash val="solid"/>
+                      <a:round/>
+                      <a:headEnd type="none" w="med" len="med"/>
+                      <a:tailEnd type="none" w="med" len="med"/>
+                    </a:lnT>
+                    <a:lnB w="6350" cap="flat" cmpd="sng" algn="ctr">
+                      <a:solidFill>
+                        <a:srgbClr val="000000"/>
+                      </a:solidFill>
+                      <a:prstDash val="solid"/>
+                      <a:round/>
+                      <a:headEnd type="none" w="med" len="med"/>
+                      <a:tailEnd type="none" w="med" len="med"/>
+                    </a:lnB>
+                  </a:tcPr>
+                </a:tc>
+                <a:tc>
+                  <a:txBody>
+                    <a:bodyPr/>
+                    <a:lstStyle/>
+                    <a:p>
+                      <a:pPr algn="ctr" fontAlgn="ctr"/>
+                      <a:r>
+                        <a:rPr lang="es-ES" sz="1100" b="0" i="0" u="none" strike="noStrike">
+                          <a:solidFill>
+                            <a:srgbClr val="000000"/>
+                          </a:solidFill>
+                          <a:effectLst/>
+                          <a:latin typeface="Calibri"/>
+                        </a:rPr>
+                        <a:t> </a:t>
+                      </a:r>
+                    </a:p>
+                  </a:txBody>
+                  <a:tcPr marL="9525" marR="9525" marT="9525" marB="0" anchor="ctr">
+                    <a:lnL w="6350" cap="flat" cmpd="sng" algn="ctr">
+                      <a:solidFill>
+                        <a:srgbClr val="000000"/>
+                      </a:solidFill>
+                      <a:prstDash val="solid"/>
+                      <a:round/>
+                      <a:headEnd type="none" w="med" len="med"/>
+                      <a:tailEnd type="none" w="med" len="med"/>
+                    </a:lnL>
+                    <a:lnR w="6350" cap="flat" cmpd="sng" algn="ctr">
+                      <a:solidFill>
+                        <a:srgbClr val="000000"/>
+                      </a:solidFill>
+                      <a:prstDash val="solid"/>
+                      <a:round/>
+                      <a:headEnd type="none" w="med" len="med"/>
+                      <a:tailEnd type="none" w="med" len="med"/>
+                    </a:lnR>
+                    <a:lnT w="6350" cap="flat" cmpd="sng" algn="ctr">
+                      <a:solidFill>
+                        <a:srgbClr val="000000"/>
+                      </a:solidFill>
+                      <a:prstDash val="solid"/>
+                      <a:round/>
+                      <a:headEnd type="none" w="med" len="med"/>
+                      <a:tailEnd type="none" w="med" len="med"/>
+                    </a:lnT>
+                    <a:lnB w="6350" cap="flat" cmpd="sng" algn="ctr">
+                      <a:solidFill>
+                        <a:srgbClr val="000000"/>
+                      </a:solidFill>
+                      <a:prstDash val="solid"/>
+                      <a:round/>
+                      <a:headEnd type="none" w="med" len="med"/>
+                      <a:tailEnd type="none" w="med" len="med"/>
+                    </a:lnB>
+                  </a:tcPr>
+                </a:tc>
+                <a:tc>
+                  <a:txBody>
+                    <a:bodyPr/>
+                    <a:lstStyle/>
+                    <a:p>
+                      <a:pPr algn="ctr" fontAlgn="ctr"/>
+                      <a:r>
+                        <a:rPr lang="es-ES" sz="1100" b="0" i="0" u="none" strike="noStrike">
+                          <a:solidFill>
+                            <a:srgbClr val="000000"/>
+                          </a:solidFill>
+                          <a:effectLst/>
+                          <a:latin typeface="Calibri"/>
+                        </a:rPr>
+                        <a:t>$ 5.000,00</a:t>
+                      </a:r>
+                    </a:p>
+                  </a:txBody>
+                  <a:tcPr marL="9525" marR="9525" marT="9525" marB="0" anchor="ctr">
+                    <a:lnL w="6350" cap="flat" cmpd="sng" algn="ctr">
+                      <a:solidFill>
+                        <a:srgbClr val="000000"/>
+                      </a:solidFill>
+                      <a:prstDash val="solid"/>
+                      <a:round/>
+                      <a:headEnd type="none" w="med" len="med"/>
+                      <a:tailEnd type="none" w="med" len="med"/>
+                    </a:lnL>
+                    <a:lnR w="12700" cap="flat" cmpd="sng" algn="ctr">
+                      <a:solidFill>
+                        <a:srgbClr val="000000"/>
+                      </a:solidFill>
+                      <a:prstDash val="solid"/>
+                      <a:round/>
+                      <a:headEnd type="none" w="med" len="med"/>
+                      <a:tailEnd type="none" w="med" len="med"/>
+                    </a:lnR>
+                    <a:lnT w="6350" cap="flat" cmpd="sng" algn="ctr">
+                      <a:solidFill>
+                        <a:srgbClr val="000000"/>
+                      </a:solidFill>
+                      <a:prstDash val="solid"/>
+                      <a:round/>
+                      <a:headEnd type="none" w="med" len="med"/>
+                      <a:tailEnd type="none" w="med" len="med"/>
+                    </a:lnT>
+                    <a:lnB w="6350" cap="flat" cmpd="sng" algn="ctr">
+                      <a:solidFill>
+                        <a:srgbClr val="000000"/>
+                      </a:solidFill>
+                      <a:prstDash val="solid"/>
+                      <a:round/>
+                      <a:headEnd type="none" w="med" len="med"/>
+                      <a:tailEnd type="none" w="med" len="med"/>
+                    </a:lnB>
+                  </a:tcPr>
+                </a:tc>
+              </a:tr>
+              <a:tr h="200025">
+                <a:tc>
+                  <a:txBody>
+                    <a:bodyPr/>
+                    <a:lstStyle/>
+                    <a:p>
+                      <a:pPr algn="ctr" fontAlgn="ctr"/>
+                      <a:r>
+                        <a:rPr lang="es-ES" sz="1100" b="1" i="0" u="none" strike="noStrike">
+                          <a:solidFill>
+                            <a:srgbClr val="000000"/>
+                          </a:solidFill>
+                          <a:effectLst/>
+                          <a:latin typeface="Calibri"/>
+                        </a:rPr>
+                        <a:t>Otros Gastos</a:t>
+                      </a:r>
+                    </a:p>
+                  </a:txBody>
+                  <a:tcPr marL="9525" marR="9525" marT="9525" marB="0" anchor="ctr">
+                    <a:lnL w="12700" cap="flat" cmpd="sng" algn="ctr">
+                      <a:solidFill>
+                        <a:srgbClr val="000000"/>
+                      </a:solidFill>
+                      <a:prstDash val="solid"/>
+                      <a:round/>
+                      <a:headEnd type="none" w="med" len="med"/>
+                      <a:tailEnd type="none" w="med" len="med"/>
+                    </a:lnL>
+                    <a:lnR w="6350" cap="flat" cmpd="sng" algn="ctr">
+                      <a:solidFill>
+                        <a:srgbClr val="000000"/>
+                      </a:solidFill>
+                      <a:prstDash val="solid"/>
+                      <a:round/>
+                      <a:headEnd type="none" w="med" len="med"/>
+                      <a:tailEnd type="none" w="med" len="med"/>
+                    </a:lnR>
+                    <a:lnT w="6350" cap="flat" cmpd="sng" algn="ctr">
+                      <a:solidFill>
+                        <a:srgbClr val="000000"/>
+                      </a:solidFill>
+                      <a:prstDash val="solid"/>
+                      <a:round/>
+                      <a:headEnd type="none" w="med" len="med"/>
+                      <a:tailEnd type="none" w="med" len="med"/>
+                    </a:lnT>
+                    <a:lnB w="6350" cap="flat" cmpd="sng" algn="ctr">
+                      <a:solidFill>
+                        <a:srgbClr val="000000"/>
+                      </a:solidFill>
+                      <a:prstDash val="solid"/>
+                      <a:round/>
+                      <a:headEnd type="none" w="med" len="med"/>
+                      <a:tailEnd type="none" w="med" len="med"/>
+                    </a:lnB>
+                  </a:tcPr>
+                </a:tc>
+                <a:tc>
+                  <a:txBody>
+                    <a:bodyPr/>
+                    <a:lstStyle/>
+                    <a:p>
+                      <a:pPr algn="ctr" fontAlgn="ctr"/>
+                      <a:r>
+                        <a:rPr lang="es-ES" sz="1100" b="0" i="0" u="none" strike="noStrike">
+                          <a:solidFill>
+                            <a:srgbClr val="000000"/>
+                          </a:solidFill>
+                          <a:effectLst/>
+                          <a:latin typeface="Calibri"/>
+                        </a:rPr>
+                        <a:t> </a:t>
+                      </a:r>
+                    </a:p>
+                  </a:txBody>
+                  <a:tcPr marL="9525" marR="9525" marT="9525" marB="0" anchor="ctr">
+                    <a:lnL w="6350" cap="flat" cmpd="sng" algn="ctr">
+                      <a:solidFill>
+                        <a:srgbClr val="000000"/>
+                      </a:solidFill>
+                      <a:prstDash val="solid"/>
+                      <a:round/>
+                      <a:headEnd type="none" w="med" len="med"/>
+                      <a:tailEnd type="none" w="med" len="med"/>
+                    </a:lnL>
+                    <a:lnR w="6350" cap="flat" cmpd="sng" algn="ctr">
+                      <a:solidFill>
+                        <a:srgbClr val="000000"/>
+                      </a:solidFill>
+                      <a:prstDash val="solid"/>
+                      <a:round/>
+                      <a:headEnd type="none" w="med" len="med"/>
+                      <a:tailEnd type="none" w="med" len="med"/>
+                    </a:lnR>
+                    <a:lnT w="6350" cap="flat" cmpd="sng" algn="ctr">
+                      <a:solidFill>
+                        <a:srgbClr val="000000"/>
+                      </a:solidFill>
+                      <a:prstDash val="solid"/>
+                      <a:round/>
+                      <a:headEnd type="none" w="med" len="med"/>
+                      <a:tailEnd type="none" w="med" len="med"/>
+                    </a:lnT>
+                    <a:lnB w="12700" cap="flat" cmpd="sng" algn="ctr">
+                      <a:solidFill>
+                        <a:srgbClr val="000000"/>
+                      </a:solidFill>
+                      <a:prstDash val="solid"/>
+                      <a:round/>
+                      <a:headEnd type="none" w="med" len="med"/>
+                      <a:tailEnd type="none" w="med" len="med"/>
+                    </a:lnB>
+                  </a:tcPr>
+                </a:tc>
+                <a:tc>
+                  <a:txBody>
+                    <a:bodyPr/>
+                    <a:lstStyle/>
+                    <a:p>
+                      <a:pPr algn="ctr" fontAlgn="ctr"/>
+                      <a:r>
+                        <a:rPr lang="es-ES" sz="1100" b="0" i="0" u="none" strike="noStrike">
+                          <a:solidFill>
+                            <a:srgbClr val="000000"/>
+                          </a:solidFill>
+                          <a:effectLst/>
+                          <a:latin typeface="Calibri"/>
+                        </a:rPr>
+                        <a:t>$ 600,00</a:t>
+                      </a:r>
+                    </a:p>
+                  </a:txBody>
+                  <a:tcPr marL="9525" marR="9525" marT="9525" marB="0" anchor="ctr">
+                    <a:lnL w="6350" cap="flat" cmpd="sng" algn="ctr">
+                      <a:solidFill>
+                        <a:srgbClr val="000000"/>
+                      </a:solidFill>
+                      <a:prstDash val="solid"/>
+                      <a:round/>
+                      <a:headEnd type="none" w="med" len="med"/>
+                      <a:tailEnd type="none" w="med" len="med"/>
+                    </a:lnL>
+                    <a:lnR w="12700" cap="flat" cmpd="sng" algn="ctr">
+                      <a:solidFill>
+                        <a:srgbClr val="000000"/>
+                      </a:solidFill>
+                      <a:prstDash val="solid"/>
+                      <a:round/>
+                      <a:headEnd type="none" w="med" len="med"/>
+                      <a:tailEnd type="none" w="med" len="med"/>
+                    </a:lnR>
+                    <a:lnT w="6350" cap="flat" cmpd="sng" algn="ctr">
+                      <a:solidFill>
+                        <a:srgbClr val="000000"/>
+                      </a:solidFill>
+                      <a:prstDash val="solid"/>
+                      <a:round/>
+                      <a:headEnd type="none" w="med" len="med"/>
+                      <a:tailEnd type="none" w="med" len="med"/>
+                    </a:lnT>
+                    <a:lnB w="12700" cap="flat" cmpd="sng" algn="ctr">
+                      <a:solidFill>
+                        <a:srgbClr val="000000"/>
+                      </a:solidFill>
+                      <a:prstDash val="solid"/>
+                      <a:round/>
+                      <a:headEnd type="none" w="med" len="med"/>
+                      <a:tailEnd type="none" w="med" len="med"/>
+                    </a:lnB>
+                  </a:tcPr>
+                </a:tc>
+              </a:tr>
+              <a:tr h="200025">
+                <a:tc>
+                  <a:txBody>
+                    <a:bodyPr/>
+                    <a:lstStyle/>
+                    <a:p>
+                      <a:pPr algn="ctr" fontAlgn="ctr"/>
+                      <a:r>
+                        <a:rPr lang="es-ES" sz="1100" b="0" i="0" u="none" strike="noStrike">
+                          <a:solidFill>
+                            <a:srgbClr val="000000"/>
+                          </a:solidFill>
+                          <a:effectLst/>
+                          <a:latin typeface="Calibri"/>
+                        </a:rPr>
+                        <a:t> </a:t>
+                      </a:r>
+                    </a:p>
+                  </a:txBody>
+                  <a:tcPr marL="9525" marR="9525" marT="9525" marB="0" anchor="ctr">
+                    <a:lnL w="12700" cap="flat" cmpd="sng" algn="ctr">
+                      <a:solidFill>
+                        <a:srgbClr val="000000"/>
+                      </a:solidFill>
+                      <a:prstDash val="solid"/>
+                      <a:round/>
+                      <a:headEnd type="none" w="med" len="med"/>
+                      <a:tailEnd type="none" w="med" len="med"/>
+                    </a:lnL>
+                    <a:lnR w="12700" cap="flat" cmpd="sng" algn="ctr">
+                      <a:solidFill>
+                        <a:srgbClr val="000000"/>
+                      </a:solidFill>
+                      <a:prstDash val="solid"/>
+                      <a:round/>
+                      <a:headEnd type="none" w="med" len="med"/>
+                      <a:tailEnd type="none" w="med" len="med"/>
+                    </a:lnR>
+                    <a:lnT w="6350" cap="flat" cmpd="sng" algn="ctr">
+                      <a:solidFill>
+                        <a:srgbClr val="000000"/>
+                      </a:solidFill>
+                      <a:prstDash val="solid"/>
+                      <a:round/>
+                      <a:headEnd type="none" w="med" len="med"/>
+                      <a:tailEnd type="none" w="med" len="med"/>
+                    </a:lnT>
+                    <a:lnB w="12700" cap="flat" cmpd="sng" algn="ctr">
+                      <a:solidFill>
+                        <a:srgbClr val="000000"/>
+                      </a:solidFill>
+                      <a:prstDash val="solid"/>
+                      <a:round/>
+                      <a:headEnd type="none" w="med" len="med"/>
+                      <a:tailEnd type="none" w="med" len="med"/>
+                    </a:lnB>
+                  </a:tcPr>
+                </a:tc>
+                <a:tc>
+                  <a:txBody>
+                    <a:bodyPr/>
+                    <a:lstStyle/>
+                    <a:p>
+                      <a:pPr algn="ctr" fontAlgn="ctr"/>
+                      <a:r>
+                        <a:rPr lang="es-ES" sz="1100" b="1" i="0" u="none" strike="noStrike">
+                          <a:solidFill>
+                            <a:srgbClr val="000000"/>
+                          </a:solidFill>
+                          <a:effectLst/>
+                          <a:latin typeface="Calibri"/>
+                        </a:rPr>
+                        <a:t>TOTAL</a:t>
+                      </a:r>
+                    </a:p>
+                  </a:txBody>
+                  <a:tcPr marL="9525" marR="9525" marT="9525" marB="0" anchor="ctr">
+                    <a:lnL w="12700" cap="flat" cmpd="sng" algn="ctr">
+                      <a:solidFill>
+                        <a:srgbClr val="000000"/>
+                      </a:solidFill>
+                      <a:prstDash val="solid"/>
+                      <a:round/>
+                      <a:headEnd type="none" w="med" len="med"/>
+                      <a:tailEnd type="none" w="med" len="med"/>
+                    </a:lnL>
+                    <a:lnR w="12700" cap="flat" cmpd="sng" algn="ctr">
+                      <a:solidFill>
+                        <a:srgbClr val="000000"/>
+                      </a:solidFill>
+                      <a:prstDash val="solid"/>
+                      <a:round/>
+                      <a:headEnd type="none" w="med" len="med"/>
+                      <a:tailEnd type="none" w="med" len="med"/>
+                    </a:lnR>
+                    <a:lnT w="12700" cap="flat" cmpd="sng" algn="ctr">
+                      <a:solidFill>
+                        <a:srgbClr val="000000"/>
+                      </a:solidFill>
+                      <a:prstDash val="solid"/>
+                      <a:round/>
+                      <a:headEnd type="none" w="med" len="med"/>
+                      <a:tailEnd type="none" w="med" len="med"/>
+                    </a:lnT>
+                    <a:lnB w="12700" cap="flat" cmpd="sng" algn="ctr">
+                      <a:solidFill>
+                        <a:srgbClr val="000000"/>
+                      </a:solidFill>
+                      <a:prstDash val="solid"/>
+                      <a:round/>
+                      <a:headEnd type="none" w="med" len="med"/>
+                      <a:tailEnd type="none" w="med" len="med"/>
+                    </a:lnB>
+                    <a:solidFill>
+                      <a:srgbClr val="B7DEE8"/>
+                    </a:solidFill>
+                  </a:tcPr>
+                </a:tc>
+                <a:tc>
+                  <a:txBody>
+                    <a:bodyPr/>
+                    <a:lstStyle/>
+                    <a:p>
+                      <a:pPr algn="ctr" fontAlgn="ctr"/>
+                      <a:r>
+                        <a:rPr lang="es-ES" sz="1100" b="1" i="0" u="none" strike="noStrike" dirty="0">
+                          <a:solidFill>
+                            <a:srgbClr val="000000"/>
+                          </a:solidFill>
+                          <a:effectLst/>
+                          <a:latin typeface="Calibri"/>
+                        </a:rPr>
+                        <a:t>$ 9.600,00</a:t>
+                      </a:r>
+                    </a:p>
+                  </a:txBody>
+                  <a:tcPr marL="9525" marR="9525" marT="9525" marB="0" anchor="ctr">
+                    <a:lnL w="12700" cap="flat" cmpd="sng" algn="ctr">
+                      <a:solidFill>
+                        <a:srgbClr val="000000"/>
+                      </a:solidFill>
+                      <a:prstDash val="solid"/>
+                      <a:round/>
+                      <a:headEnd type="none" w="med" len="med"/>
+                      <a:tailEnd type="none" w="med" len="med"/>
+                    </a:lnL>
+                    <a:lnR w="12700" cap="flat" cmpd="sng" algn="ctr">
+                      <a:solidFill>
+                        <a:srgbClr val="000000"/>
+                      </a:solidFill>
+                      <a:prstDash val="solid"/>
+                      <a:round/>
+                      <a:headEnd type="none" w="med" len="med"/>
+                      <a:tailEnd type="none" w="med" len="med"/>
+                    </a:lnR>
+                    <a:lnT w="12700" cap="flat" cmpd="sng" algn="ctr">
+                      <a:solidFill>
+                        <a:srgbClr val="000000"/>
+                      </a:solidFill>
+                      <a:prstDash val="solid"/>
+                      <a:round/>
+                      <a:headEnd type="none" w="med" len="med"/>
+                      <a:tailEnd type="none" w="med" len="med"/>
+                    </a:lnT>
+                    <a:lnB w="12700" cap="flat" cmpd="sng" algn="ctr">
+                      <a:solidFill>
+                        <a:srgbClr val="000000"/>
+                      </a:solidFill>
+                      <a:prstDash val="solid"/>
+                      <a:round/>
+                      <a:headEnd type="none" w="med" len="med"/>
+                      <a:tailEnd type="none" w="med" len="med"/>
+                    </a:lnB>
+                    <a:solidFill>
+                      <a:srgbClr val="B7DEE8"/>
+                    </a:solidFill>
+                  </a:tcPr>
+                </a:tc>
+              </a:tr>
             </a:tbl>
           </a:graphicData>
         </a:graphic>
@@ -19577,20 +20433,20 @@
     </p:spTree>
     <p:extLst>
       <p:ext uri="{BB962C8B-B14F-4D97-AF65-F5344CB8AC3E}">
-        <p14:creationId xmlns:p14="http://schemas.microsoft.com/office/powerpoint/2010/main" xmlns="" val="4162604092"/>
+        <p14:creationId xmlns:p14="http://schemas.microsoft.com/office/powerpoint/2010/main" val="4162604092"/>
       </p:ext>
     </p:extLst>
   </p:cSld>
   <p:clrMapOvr>
     <a:masterClrMapping/>
   </p:clrMapOvr>
-  <mc:AlternateContent xmlns:mc="http://schemas.openxmlformats.org/markup-compatibility/2006">
-    <mc:Choice xmlns:p14="http://schemas.microsoft.com/office/powerpoint/2010/main" xmlns="" Requires="p14">
+  <mc:AlternateContent xmlns:mc="http://schemas.openxmlformats.org/markup-compatibility/2006" xmlns:p14="http://schemas.microsoft.com/office/powerpoint/2010/main">
+    <mc:Choice Requires="p14">
       <p:transition spd="med" p14:dur="700">
         <p:fade/>
       </p:transition>
     </mc:Choice>
-    <mc:Fallback>
+    <mc:Fallback xmlns="">
       <p:transition spd="med">
         <p:fade/>
       </p:transition>
@@ -19753,7 +20609,7 @@
           <p:nvPr>
             <p:extLst>
               <p:ext uri="{D42A27DB-BD31-4B8C-83A1-F6EECF244321}">
-                <p14:modId xmlns:p14="http://schemas.microsoft.com/office/powerpoint/2010/main" xmlns="" val="2606619"/>
+                <p14:modId xmlns:p14="http://schemas.microsoft.com/office/powerpoint/2010/main" val="2606619"/>
               </p:ext>
             </p:extLst>
           </p:nvPr>
@@ -20067,20 +20923,20 @@
     </p:spTree>
     <p:extLst>
       <p:ext uri="{BB962C8B-B14F-4D97-AF65-F5344CB8AC3E}">
-        <p14:creationId xmlns:p14="http://schemas.microsoft.com/office/powerpoint/2010/main" xmlns="" val="3742076778"/>
+        <p14:creationId xmlns:p14="http://schemas.microsoft.com/office/powerpoint/2010/main" val="3742076778"/>
       </p:ext>
     </p:extLst>
   </p:cSld>
   <p:clrMapOvr>
     <a:masterClrMapping/>
   </p:clrMapOvr>
-  <mc:AlternateContent xmlns:mc="http://schemas.openxmlformats.org/markup-compatibility/2006">
-    <mc:Choice xmlns:p14="http://schemas.microsoft.com/office/powerpoint/2010/main" xmlns="" Requires="p14">
+  <mc:AlternateContent xmlns:mc="http://schemas.openxmlformats.org/markup-compatibility/2006" xmlns:p14="http://schemas.microsoft.com/office/powerpoint/2010/main">
+    <mc:Choice Requires="p14">
       <p:transition spd="med" p14:dur="700">
         <p:fade/>
       </p:transition>
     </mc:Choice>
-    <mc:Fallback>
+    <mc:Fallback xmlns="">
       <p:transition spd="med">
         <p:fade/>
       </p:transition>
@@ -20180,15 +21036,7 @@
             </a:pPr>
             <a:r>
               <a:rPr lang="es-ES" dirty="0" smtClean="0"/>
-              <a:t>El </a:t>
-            </a:r>
-            <a:r>
-              <a:rPr lang="es-ES" dirty="0" smtClean="0"/>
-              <a:t>proyecto es económicamente viable según los cálculos iniciales</a:t>
-            </a:r>
-            <a:r>
-              <a:rPr lang="es-ES" dirty="0" smtClean="0"/>
-              <a:t>.</a:t>
+              <a:t>El proyecto es económicamente viable según los cálculos iniciales.</a:t>
             </a:r>
           </a:p>
           <a:p>
@@ -20202,9 +21050,12 @@
             </a:pPr>
             <a:r>
               <a:rPr lang="es-ES" dirty="0" smtClean="0"/>
-              <a:t>El debido a sus costos relativamente bajos el proyecto deja un gran margen de ganancia para la empresa. </a:t>
-            </a:r>
-            <a:endParaRPr lang="es-ES" dirty="0" smtClean="0"/>
+              <a:t>Debido a </a:t>
+            </a:r>
+            <a:r>
+              <a:rPr lang="es-ES" dirty="0" smtClean="0"/>
+              <a:t>sus costos relativamente bajos el proyecto deja un gran margen de ganancia para la empresa. </a:t>
+            </a:r>
           </a:p>
           <a:p>
             <a:pPr>
@@ -20217,15 +21068,7 @@
             </a:pPr>
             <a:r>
               <a:rPr lang="es-ES" dirty="0" smtClean="0"/>
-              <a:t>El </a:t>
-            </a:r>
-            <a:r>
-              <a:rPr lang="es-ES" dirty="0" smtClean="0"/>
-              <a:t>proyecto servirá de base para futuras implementaciones de sistemas SCADA de características </a:t>
-            </a:r>
-            <a:r>
-              <a:rPr lang="es-ES" dirty="0" smtClean="0"/>
-              <a:t>similares.</a:t>
+              <a:t>El proyecto servirá de base para futuras implementaciones de sistemas SCADA de características similares.</a:t>
             </a:r>
           </a:p>
           <a:p>
@@ -20248,11 +21091,7 @@
             </a:pPr>
             <a:r>
               <a:rPr lang="es-ES" dirty="0" smtClean="0"/>
-              <a:t> </a:t>
-            </a:r>
-            <a:r>
-              <a:rPr lang="es-ES" dirty="0" smtClean="0"/>
-              <a:t> </a:t>
+              <a:t>  </a:t>
             </a:r>
           </a:p>
           <a:p>
@@ -20269,20 +21108,20 @@
     </p:spTree>
     <p:extLst>
       <p:ext uri="{BB962C8B-B14F-4D97-AF65-F5344CB8AC3E}">
-        <p14:creationId xmlns:p14="http://schemas.microsoft.com/office/powerpoint/2010/main" xmlns="" val="3645756746"/>
+        <p14:creationId xmlns:p14="http://schemas.microsoft.com/office/powerpoint/2010/main" val="3645756746"/>
       </p:ext>
     </p:extLst>
   </p:cSld>
   <p:clrMapOvr>
     <a:masterClrMapping/>
   </p:clrMapOvr>
-  <mc:AlternateContent xmlns:mc="http://schemas.openxmlformats.org/markup-compatibility/2006">
-    <mc:Choice xmlns:p14="http://schemas.microsoft.com/office/powerpoint/2010/main" xmlns="" Requires="p14">
+  <mc:AlternateContent xmlns:mc="http://schemas.openxmlformats.org/markup-compatibility/2006" xmlns:p14="http://schemas.microsoft.com/office/powerpoint/2010/main">
+    <mc:Choice Requires="p14">
       <p:transition spd="med" p14:dur="700">
         <p:fade/>
       </p:transition>
     </mc:Choice>
-    <mc:Fallback>
+    <mc:Fallback xmlns="">
       <p:transition spd="med">
         <p:fade/>
       </p:transition>
@@ -20401,7 +21240,7 @@
           <a:blip r:embed="rId3" cstate="print">
             <a:extLst>
               <a:ext uri="{28A0092B-C50C-407E-A947-70E740481C1C}">
-                <a14:useLocalDpi xmlns:a14="http://schemas.microsoft.com/office/drawing/2010/main" xmlns="" val="0"/>
+                <a14:useLocalDpi xmlns:a14="http://schemas.microsoft.com/office/drawing/2010/main" val="0"/>
               </a:ext>
             </a:extLst>
           </a:blip>
@@ -20426,14 +21265,14 @@
           </a:effectLst>
           <a:extLst>
             <a:ext uri="{909E8E84-426E-40DD-AFC4-6F175D3DCCD1}">
-              <a14:hiddenFill xmlns:a14="http://schemas.microsoft.com/office/drawing/2010/main" xmlns="">
+              <a14:hiddenFill xmlns:a14="http://schemas.microsoft.com/office/drawing/2010/main">
                 <a:solidFill>
                   <a:schemeClr val="accent1"/>
                 </a:solidFill>
               </a14:hiddenFill>
             </a:ext>
             <a:ext uri="{91240B29-F687-4F45-9708-019B960494DF}">
-              <a14:hiddenLine xmlns:a14="http://schemas.microsoft.com/office/drawing/2010/main" xmlns="" w="9525">
+              <a14:hiddenLine xmlns:a14="http://schemas.microsoft.com/office/drawing/2010/main" w="9525">
                 <a:solidFill>
                   <a:schemeClr val="tx1"/>
                 </a:solidFill>
@@ -20443,7 +21282,7 @@
               </a14:hiddenLine>
             </a:ext>
             <a:ext uri="{AF507438-7753-43E0-B8FC-AC1667EBCBE1}">
-              <a14:hiddenEffects xmlns:a14="http://schemas.microsoft.com/office/drawing/2010/main" xmlns="">
+              <a14:hiddenEffects xmlns:a14="http://schemas.microsoft.com/office/drawing/2010/main">
                 <a:effectLst>
                   <a:outerShdw dist="35921" dir="2700000" algn="ctr" rotWithShape="0">
                     <a:schemeClr val="bg2"/>
@@ -20457,20 +21296,20 @@
     </p:spTree>
     <p:extLst>
       <p:ext uri="{BB962C8B-B14F-4D97-AF65-F5344CB8AC3E}">
-        <p14:creationId xmlns:p14="http://schemas.microsoft.com/office/powerpoint/2010/main" xmlns="" val="3183819197"/>
+        <p14:creationId xmlns:p14="http://schemas.microsoft.com/office/powerpoint/2010/main" val="3183819197"/>
       </p:ext>
     </p:extLst>
   </p:cSld>
   <p:clrMapOvr>
     <a:masterClrMapping/>
   </p:clrMapOvr>
-  <mc:AlternateContent xmlns:mc="http://schemas.openxmlformats.org/markup-compatibility/2006">
-    <mc:Choice xmlns:p14="http://schemas.microsoft.com/office/powerpoint/2010/main" xmlns="" Requires="p14">
+  <mc:AlternateContent xmlns:mc="http://schemas.openxmlformats.org/markup-compatibility/2006" xmlns:p14="http://schemas.microsoft.com/office/powerpoint/2010/main">
+    <mc:Choice Requires="p14">
       <p:transition spd="med" p14:dur="700">
         <p:fade/>
       </p:transition>
     </mc:Choice>
-    <mc:Fallback>
+    <mc:Fallback xmlns="">
       <p:transition spd="med">
         <p:fade/>
       </p:transition>
@@ -20628,7 +21467,7 @@
           <a:blip r:embed="rId2" cstate="print">
             <a:extLst>
               <a:ext uri="{28A0092B-C50C-407E-A947-70E740481C1C}">
-                <a14:useLocalDpi xmlns:a14="http://schemas.microsoft.com/office/drawing/2010/main" xmlns="" val="0"/>
+                <a14:useLocalDpi xmlns:a14="http://schemas.microsoft.com/office/drawing/2010/main" val="0"/>
               </a:ext>
             </a:extLst>
           </a:blip>
@@ -20653,14 +21492,14 @@
           </a:effectLst>
           <a:extLst>
             <a:ext uri="{909E8E84-426E-40DD-AFC4-6F175D3DCCD1}">
-              <a14:hiddenFill xmlns:a14="http://schemas.microsoft.com/office/drawing/2010/main" xmlns="">
+              <a14:hiddenFill xmlns:a14="http://schemas.microsoft.com/office/drawing/2010/main">
                 <a:solidFill>
                   <a:schemeClr val="accent1"/>
                 </a:solidFill>
               </a14:hiddenFill>
             </a:ext>
             <a:ext uri="{91240B29-F687-4F45-9708-019B960494DF}">
-              <a14:hiddenLine xmlns:a14="http://schemas.microsoft.com/office/drawing/2010/main" xmlns="" w="9525">
+              <a14:hiddenLine xmlns:a14="http://schemas.microsoft.com/office/drawing/2010/main" w="9525">
                 <a:solidFill>
                   <a:schemeClr val="tx1"/>
                 </a:solidFill>
@@ -20670,7 +21509,7 @@
               </a14:hiddenLine>
             </a:ext>
             <a:ext uri="{AF507438-7753-43E0-B8FC-AC1667EBCBE1}">
-              <a14:hiddenEffects xmlns:a14="http://schemas.microsoft.com/office/drawing/2010/main" xmlns="">
+              <a14:hiddenEffects xmlns:a14="http://schemas.microsoft.com/office/drawing/2010/main">
                 <a:effectLst>
                   <a:outerShdw dist="35921" dir="2700000" algn="ctr" rotWithShape="0">
                     <a:schemeClr val="bg2"/>
@@ -20684,20 +21523,20 @@
     </p:spTree>
     <p:extLst>
       <p:ext uri="{BB962C8B-B14F-4D97-AF65-F5344CB8AC3E}">
-        <p14:creationId xmlns:p14="http://schemas.microsoft.com/office/powerpoint/2010/main" xmlns="" val="3266684642"/>
+        <p14:creationId xmlns:p14="http://schemas.microsoft.com/office/powerpoint/2010/main" val="3266684642"/>
       </p:ext>
     </p:extLst>
   </p:cSld>
   <p:clrMapOvr>
     <a:masterClrMapping/>
   </p:clrMapOvr>
-  <mc:AlternateContent xmlns:mc="http://schemas.openxmlformats.org/markup-compatibility/2006">
-    <mc:Choice xmlns:p14="http://schemas.microsoft.com/office/powerpoint/2010/main" xmlns="" Requires="p14">
+  <mc:AlternateContent xmlns:mc="http://schemas.openxmlformats.org/markup-compatibility/2006" xmlns:p14="http://schemas.microsoft.com/office/powerpoint/2010/main">
+    <mc:Choice Requires="p14">
       <p:transition spd="med" p14:dur="700">
         <p:fade/>
       </p:transition>
     </mc:Choice>
-    <mc:Fallback>
+    <mc:Fallback xmlns="">
       <p:transition spd="med">
         <p:fade/>
       </p:transition>
@@ -20903,13 +21742,13 @@
   <p:clrMapOvr>
     <a:masterClrMapping/>
   </p:clrMapOvr>
-  <mc:AlternateContent xmlns:mc="http://schemas.openxmlformats.org/markup-compatibility/2006">
-    <mc:Choice xmlns:p14="http://schemas.microsoft.com/office/powerpoint/2010/main" xmlns="" Requires="p14">
+  <mc:AlternateContent xmlns:mc="http://schemas.openxmlformats.org/markup-compatibility/2006" xmlns:p14="http://schemas.microsoft.com/office/powerpoint/2010/main">
+    <mc:Choice Requires="p14">
       <p:transition spd="med" p14:dur="700">
         <p:fade/>
       </p:transition>
     </mc:Choice>
-    <mc:Fallback>
+    <mc:Fallback xmlns="">
       <p:transition spd="med">
         <p:fade/>
       </p:transition>
@@ -21224,20 +22063,20 @@
     </p:spTree>
     <p:extLst>
       <p:ext uri="{BB962C8B-B14F-4D97-AF65-F5344CB8AC3E}">
-        <p14:creationId xmlns:p14="http://schemas.microsoft.com/office/powerpoint/2010/main" xmlns="" val="2462667203"/>
+        <p14:creationId xmlns:p14="http://schemas.microsoft.com/office/powerpoint/2010/main" val="2462667203"/>
       </p:ext>
     </p:extLst>
   </p:cSld>
   <p:clrMapOvr>
     <a:masterClrMapping/>
   </p:clrMapOvr>
-  <mc:AlternateContent xmlns:mc="http://schemas.openxmlformats.org/markup-compatibility/2006">
-    <mc:Choice xmlns:p14="http://schemas.microsoft.com/office/powerpoint/2010/main" xmlns="" Requires="p14">
+  <mc:AlternateContent xmlns:mc="http://schemas.openxmlformats.org/markup-compatibility/2006" xmlns:p14="http://schemas.microsoft.com/office/powerpoint/2010/main">
+    <mc:Choice Requires="p14">
       <p:transition spd="med" p14:dur="700">
         <p:fade/>
       </p:transition>
     </mc:Choice>
-    <mc:Fallback>
+    <mc:Fallback xmlns="">
       <p:transition spd="med">
         <p:fade/>
       </p:transition>
@@ -21697,20 +22536,20 @@
     </p:spTree>
     <p:extLst>
       <p:ext uri="{BB962C8B-B14F-4D97-AF65-F5344CB8AC3E}">
-        <p14:creationId xmlns:p14="http://schemas.microsoft.com/office/powerpoint/2010/main" xmlns="" val="3604940081"/>
+        <p14:creationId xmlns:p14="http://schemas.microsoft.com/office/powerpoint/2010/main" val="3604940081"/>
       </p:ext>
     </p:extLst>
   </p:cSld>
   <p:clrMapOvr>
     <a:masterClrMapping/>
   </p:clrMapOvr>
-  <mc:AlternateContent xmlns:mc="http://schemas.openxmlformats.org/markup-compatibility/2006">
-    <mc:Choice xmlns:p14="http://schemas.microsoft.com/office/powerpoint/2010/main" xmlns="" Requires="p14">
+  <mc:AlternateContent xmlns:mc="http://schemas.openxmlformats.org/markup-compatibility/2006" xmlns:p14="http://schemas.microsoft.com/office/powerpoint/2010/main">
+    <mc:Choice Requires="p14">
       <p:transition spd="med" p14:dur="700">
         <p:fade/>
       </p:transition>
     </mc:Choice>
-    <mc:Fallback>
+    <mc:Fallback xmlns="">
       <p:transition spd="med">
         <p:fade/>
       </p:transition>
@@ -22020,7 +22859,7 @@
           <a:blip r:embed="rId3" cstate="print">
             <a:extLst>
               <a:ext uri="{28A0092B-C50C-407E-A947-70E740481C1C}">
-                <a14:useLocalDpi xmlns:a14="http://schemas.microsoft.com/office/drawing/2010/main" xmlns="" val="0"/>
+                <a14:useLocalDpi xmlns:a14="http://schemas.microsoft.com/office/drawing/2010/main" val="0"/>
               </a:ext>
             </a:extLst>
           </a:blip>
@@ -22049,13 +22888,13 @@
   <p:clrMapOvr>
     <a:masterClrMapping/>
   </p:clrMapOvr>
-  <mc:AlternateContent xmlns:mc="http://schemas.openxmlformats.org/markup-compatibility/2006">
-    <mc:Choice xmlns:p14="http://schemas.microsoft.com/office/powerpoint/2010/main" xmlns="" Requires="p14">
+  <mc:AlternateContent xmlns:mc="http://schemas.openxmlformats.org/markup-compatibility/2006" xmlns:p14="http://schemas.microsoft.com/office/powerpoint/2010/main">
+    <mc:Choice Requires="p14">
       <p:transition spd="med" p14:dur="700">
         <p:fade/>
       </p:transition>
     </mc:Choice>
-    <mc:Fallback>
+    <mc:Fallback xmlns="">
       <p:transition spd="med">
         <p:fade/>
       </p:transition>
@@ -22231,7 +23070,7 @@
           <a:blip r:embed="rId3" cstate="print">
             <a:extLst>
               <a:ext uri="{28A0092B-C50C-407E-A947-70E740481C1C}">
-                <a14:useLocalDpi xmlns:a14="http://schemas.microsoft.com/office/drawing/2010/main" xmlns="" val="0"/>
+                <a14:useLocalDpi xmlns:a14="http://schemas.microsoft.com/office/drawing/2010/main" val="0"/>
               </a:ext>
             </a:extLst>
           </a:blip>
@@ -22252,20 +23091,20 @@
     </p:spTree>
     <p:extLst>
       <p:ext uri="{BB962C8B-B14F-4D97-AF65-F5344CB8AC3E}">
-        <p14:creationId xmlns:p14="http://schemas.microsoft.com/office/powerpoint/2010/main" xmlns="" val="1189800101"/>
+        <p14:creationId xmlns:p14="http://schemas.microsoft.com/office/powerpoint/2010/main" val="1189800101"/>
       </p:ext>
     </p:extLst>
   </p:cSld>
   <p:clrMapOvr>
     <a:masterClrMapping/>
   </p:clrMapOvr>
-  <mc:AlternateContent xmlns:mc="http://schemas.openxmlformats.org/markup-compatibility/2006">
-    <mc:Choice xmlns:p14="http://schemas.microsoft.com/office/powerpoint/2010/main" xmlns="" Requires="p14">
+  <mc:AlternateContent xmlns:mc="http://schemas.openxmlformats.org/markup-compatibility/2006" xmlns:p14="http://schemas.microsoft.com/office/powerpoint/2010/main">
+    <mc:Choice Requires="p14">
       <p:transition spd="med" p14:dur="700">
         <p:fade/>
       </p:transition>
     </mc:Choice>
-    <mc:Fallback>
+    <mc:Fallback xmlns="">
       <p:transition spd="med">
         <p:fade/>
       </p:transition>
@@ -22500,20 +23339,20 @@
     </p:spTree>
     <p:extLst>
       <p:ext uri="{BB962C8B-B14F-4D97-AF65-F5344CB8AC3E}">
-        <p14:creationId xmlns:p14="http://schemas.microsoft.com/office/powerpoint/2010/main" xmlns="" val="1048136822"/>
+        <p14:creationId xmlns:p14="http://schemas.microsoft.com/office/powerpoint/2010/main" val="1048136822"/>
       </p:ext>
     </p:extLst>
   </p:cSld>
   <p:clrMapOvr>
     <a:masterClrMapping/>
   </p:clrMapOvr>
-  <mc:AlternateContent xmlns:mc="http://schemas.openxmlformats.org/markup-compatibility/2006">
-    <mc:Choice xmlns:p14="http://schemas.microsoft.com/office/powerpoint/2010/main" xmlns="" Requires="p14">
+  <mc:AlternateContent xmlns:mc="http://schemas.openxmlformats.org/markup-compatibility/2006" xmlns:p14="http://schemas.microsoft.com/office/powerpoint/2010/main">
+    <mc:Choice Requires="p14">
       <p:transition spd="med" p14:dur="700">
         <p:fade/>
       </p:transition>
     </mc:Choice>
-    <mc:Fallback>
+    <mc:Fallback xmlns="">
       <p:transition spd="med">
         <p:fade/>
       </p:transition>
@@ -22615,17 +23454,17 @@
       </p:sp>
       <p:pic>
         <p:nvPicPr>
-          <p:cNvPr id="2" name="Picture 1"/>
+          <p:cNvPr id="3" name="Picture 2"/>
           <p:cNvPicPr>
             <a:picLocks noChangeAspect="1"/>
           </p:cNvPicPr>
           <p:nvPr/>
         </p:nvPicPr>
         <p:blipFill>
-          <a:blip r:embed="rId3" cstate="print">
+          <a:blip r:embed="rId3">
             <a:extLst>
               <a:ext uri="{28A0092B-C50C-407E-A947-70E740481C1C}">
-                <a14:useLocalDpi xmlns:a14="http://schemas.microsoft.com/office/drawing/2010/main" xmlns="" val="0"/>
+                <a14:useLocalDpi xmlns:a14="http://schemas.microsoft.com/office/drawing/2010/main" val="0"/>
               </a:ext>
             </a:extLst>
           </a:blip>
@@ -22635,8 +23474,8 @@
         </p:blipFill>
         <p:spPr>
           <a:xfrm>
-            <a:off x="3491879" y="692696"/>
-            <a:ext cx="4599441" cy="6318517"/>
+            <a:off x="3407040" y="690816"/>
+            <a:ext cx="4603932" cy="6324686"/>
           </a:xfrm>
           <a:prstGeom prst="rect">
             <a:avLst/>
@@ -22646,20 +23485,20 @@
     </p:spTree>
     <p:extLst>
       <p:ext uri="{BB962C8B-B14F-4D97-AF65-F5344CB8AC3E}">
-        <p14:creationId xmlns:p14="http://schemas.microsoft.com/office/powerpoint/2010/main" xmlns="" val="3113781039"/>
+        <p14:creationId xmlns:p14="http://schemas.microsoft.com/office/powerpoint/2010/main" val="3113781039"/>
       </p:ext>
     </p:extLst>
   </p:cSld>
   <p:clrMapOvr>
     <a:masterClrMapping/>
   </p:clrMapOvr>
-  <mc:AlternateContent xmlns:mc="http://schemas.openxmlformats.org/markup-compatibility/2006">
-    <mc:Choice xmlns:p14="http://schemas.microsoft.com/office/powerpoint/2010/main" xmlns="" Requires="p14">
+  <mc:AlternateContent xmlns:mc="http://schemas.openxmlformats.org/markup-compatibility/2006" xmlns:p14="http://schemas.microsoft.com/office/powerpoint/2010/main">
+    <mc:Choice Requires="p14">
       <p:transition spd="med" p14:dur="700">
         <p:fade/>
       </p:transition>
     </mc:Choice>
-    <mc:Fallback>
+    <mc:Fallback xmlns="">
       <p:transition spd="med">
         <p:fade/>
       </p:transition>
@@ -22749,20 +23588,20 @@
     </p:spTree>
     <p:extLst>
       <p:ext uri="{BB962C8B-B14F-4D97-AF65-F5344CB8AC3E}">
-        <p14:creationId xmlns:p14="http://schemas.microsoft.com/office/powerpoint/2010/main" xmlns="" val="2212578582"/>
+        <p14:creationId xmlns:p14="http://schemas.microsoft.com/office/powerpoint/2010/main" val="2212578582"/>
       </p:ext>
     </p:extLst>
   </p:cSld>
   <p:clrMapOvr>
     <a:masterClrMapping/>
   </p:clrMapOvr>
-  <mc:AlternateContent xmlns:mc="http://schemas.openxmlformats.org/markup-compatibility/2006">
-    <mc:Choice xmlns:p14="http://schemas.microsoft.com/office/powerpoint/2010/main" xmlns="" Requires="p14">
+  <mc:AlternateContent xmlns:mc="http://schemas.openxmlformats.org/markup-compatibility/2006" xmlns:p14="http://schemas.microsoft.com/office/powerpoint/2010/main">
+    <mc:Choice Requires="p14">
       <p:transition spd="med" p14:dur="700">
         <p:fade/>
       </p:transition>
     </mc:Choice>
-    <mc:Fallback>
+    <mc:Fallback xmlns="">
       <p:transition spd="med">
         <p:fade/>
       </p:transition>

--- a/trunk/Informes/TP Anual 1/3- Diseño/proyecto140611.pptx
+++ b/trunk/Informes/TP Anual 1/3- Diseño/proyecto140611.pptx
@@ -8,27 +8,29 @@
     <p:sldMasterId id="2147483708" r:id="rId5"/>
   </p:sldMasterIdLst>
   <p:notesMasterIdLst>
-    <p:notesMasterId r:id="rId24"/>
+    <p:notesMasterId r:id="rId26"/>
   </p:notesMasterIdLst>
   <p:sldIdLst>
     <p:sldId id="256" r:id="rId6"/>
-    <p:sldId id="257" r:id="rId7"/>
-    <p:sldId id="263" r:id="rId8"/>
-    <p:sldId id="264" r:id="rId9"/>
-    <p:sldId id="258" r:id="rId10"/>
-    <p:sldId id="265" r:id="rId11"/>
-    <p:sldId id="259" r:id="rId12"/>
-    <p:sldId id="260" r:id="rId13"/>
-    <p:sldId id="262" r:id="rId14"/>
-    <p:sldId id="266" r:id="rId15"/>
-    <p:sldId id="268" r:id="rId16"/>
-    <p:sldId id="269" r:id="rId17"/>
-    <p:sldId id="270" r:id="rId18"/>
-    <p:sldId id="271" r:id="rId19"/>
-    <p:sldId id="272" r:id="rId20"/>
-    <p:sldId id="273" r:id="rId21"/>
-    <p:sldId id="274" r:id="rId22"/>
-    <p:sldId id="275" r:id="rId23"/>
+    <p:sldId id="277" r:id="rId7"/>
+    <p:sldId id="257" r:id="rId8"/>
+    <p:sldId id="263" r:id="rId9"/>
+    <p:sldId id="264" r:id="rId10"/>
+    <p:sldId id="258" r:id="rId11"/>
+    <p:sldId id="265" r:id="rId12"/>
+    <p:sldId id="259" r:id="rId13"/>
+    <p:sldId id="260" r:id="rId14"/>
+    <p:sldId id="276" r:id="rId15"/>
+    <p:sldId id="262" r:id="rId16"/>
+    <p:sldId id="266" r:id="rId17"/>
+    <p:sldId id="268" r:id="rId18"/>
+    <p:sldId id="269" r:id="rId19"/>
+    <p:sldId id="270" r:id="rId20"/>
+    <p:sldId id="271" r:id="rId21"/>
+    <p:sldId id="272" r:id="rId22"/>
+    <p:sldId id="273" r:id="rId23"/>
+    <p:sldId id="274" r:id="rId24"/>
+    <p:sldId id="275" r:id="rId25"/>
   </p:sldIdLst>
   <p:sldSz cx="9144000" cy="6858000" type="screen4x3"/>
   <p:notesSz cx="6858000" cy="9144000"/>
@@ -16035,6 +16037,519 @@
 </file>
 
 <file path=ppt/slides/slide10.xml><?xml version="1.0" encoding="utf-8"?>
+<p:sld xmlns:a="http://schemas.openxmlformats.org/drawingml/2006/main" xmlns:r="http://schemas.openxmlformats.org/officeDocument/2006/relationships" xmlns:p="http://schemas.openxmlformats.org/presentationml/2006/main">
+  <p:cSld>
+    <p:spTree>
+      <p:nvGrpSpPr>
+        <p:cNvPr id="1" name=""/>
+        <p:cNvGrpSpPr/>
+        <p:nvPr/>
+      </p:nvGrpSpPr>
+      <p:grpSpPr>
+        <a:xfrm>
+          <a:off x="0" y="0"/>
+          <a:ext cx="0" cy="0"/>
+          <a:chOff x="0" y="0"/>
+          <a:chExt cx="0" cy="0"/>
+        </a:xfrm>
+      </p:grpSpPr>
+      <p:sp>
+        <p:nvSpPr>
+          <p:cNvPr id="2" name="Title 1"/>
+          <p:cNvSpPr>
+            <a:spLocks noGrp="1"/>
+          </p:cNvSpPr>
+          <p:nvPr>
+            <p:ph type="title"/>
+          </p:nvPr>
+        </p:nvSpPr>
+        <p:spPr/>
+        <p:txBody>
+          <a:bodyPr/>
+          <a:lstStyle/>
+          <a:p>
+            <a:r>
+              <a:rPr lang="es-AR" dirty="0" smtClean="0"/>
+              <a:t>Tecnologías Utilizadas</a:t>
+            </a:r>
+            <a:endParaRPr lang="es-AR" dirty="0"/>
+          </a:p>
+        </p:txBody>
+      </p:sp>
+      <p:sp>
+        <p:nvSpPr>
+          <p:cNvPr id="3" name="Content Placeholder 2"/>
+          <p:cNvSpPr>
+            <a:spLocks noGrp="1"/>
+          </p:cNvSpPr>
+          <p:nvPr>
+            <p:ph idx="1"/>
+          </p:nvPr>
+        </p:nvSpPr>
+        <p:spPr/>
+        <p:txBody>
+          <a:bodyPr/>
+          <a:lstStyle/>
+          <a:p>
+            <a:pPr marL="0" indent="0">
+              <a:buNone/>
+            </a:pPr>
+            <a:r>
+              <a:rPr lang="es-AR" b="1" dirty="0" smtClean="0"/>
+              <a:t>Prioritarias:</a:t>
+            </a:r>
+          </a:p>
+          <a:p>
+            <a:pPr marL="0" indent="0">
+              <a:buNone/>
+            </a:pPr>
+            <a:endParaRPr lang="es-AR" dirty="0" smtClean="0"/>
+          </a:p>
+          <a:p>
+            <a:r>
+              <a:rPr lang="es-AR" dirty="0" smtClean="0"/>
+              <a:t>RAD Studio (Delphi)</a:t>
+            </a:r>
+          </a:p>
+          <a:p>
+            <a:r>
+              <a:rPr lang="es-AR" dirty="0" smtClean="0"/>
+              <a:t>MATLAB &amp; </a:t>
+            </a:r>
+            <a:r>
+              <a:rPr lang="es-AR" dirty="0" err="1" smtClean="0"/>
+              <a:t>Simulink</a:t>
+            </a:r>
+            <a:r>
+              <a:rPr lang="es-AR" dirty="0" smtClean="0"/>
+              <a:t> </a:t>
+            </a:r>
+          </a:p>
+          <a:p>
+            <a:r>
+              <a:rPr lang="es-AR" dirty="0" err="1" smtClean="0"/>
+              <a:t>MySQL</a:t>
+            </a:r>
+            <a:endParaRPr lang="es-AR" dirty="0" smtClean="0"/>
+          </a:p>
+          <a:p>
+            <a:pPr marL="0" indent="0">
+              <a:buNone/>
+            </a:pPr>
+            <a:endParaRPr lang="es-AR" dirty="0"/>
+          </a:p>
+          <a:p>
+            <a:pPr marL="0" indent="0">
+              <a:buNone/>
+            </a:pPr>
+            <a:r>
+              <a:rPr lang="es-AR" b="1" dirty="0" smtClean="0"/>
+              <a:t>Secundarias:</a:t>
+            </a:r>
+          </a:p>
+          <a:p>
+            <a:r>
+              <a:rPr lang="es-AR" dirty="0" smtClean="0"/>
+              <a:t>Visual Studio (.NET Framework)</a:t>
+            </a:r>
+            <a:endParaRPr lang="es-AR" dirty="0"/>
+          </a:p>
+        </p:txBody>
+      </p:sp>
+      <p:pic>
+        <p:nvPicPr>
+          <p:cNvPr id="1026" name="Picture 2"/>
+          <p:cNvPicPr>
+            <a:picLocks noChangeAspect="1" noChangeArrowheads="1"/>
+          </p:cNvPicPr>
+          <p:nvPr/>
+        </p:nvPicPr>
+        <p:blipFill>
+          <a:blip r:embed="rId2" cstate="print">
+            <a:extLst>
+              <a:ext uri="{28A0092B-C50C-407E-A947-70E740481C1C}">
+                <a14:useLocalDpi xmlns:a14="http://schemas.microsoft.com/office/drawing/2010/main" val="0"/>
+              </a:ext>
+            </a:extLst>
+          </a:blip>
+          <a:srcRect/>
+          <a:stretch>
+            <a:fillRect/>
+          </a:stretch>
+        </p:blipFill>
+        <p:spPr bwMode="auto">
+          <a:xfrm>
+            <a:off x="5964746" y="2662066"/>
+            <a:ext cx="1080120" cy="1080120"/>
+          </a:xfrm>
+          <a:prstGeom prst="rect">
+            <a:avLst/>
+          </a:prstGeom>
+          <a:noFill/>
+          <a:ln>
+            <a:noFill/>
+          </a:ln>
+          <a:effectLst/>
+          <a:extLst>
+            <a:ext uri="{909E8E84-426E-40DD-AFC4-6F175D3DCCD1}">
+              <a14:hiddenFill xmlns:a14="http://schemas.microsoft.com/office/drawing/2010/main">
+                <a:solidFill>
+                  <a:schemeClr val="accent1"/>
+                </a:solidFill>
+              </a14:hiddenFill>
+            </a:ext>
+            <a:ext uri="{91240B29-F687-4F45-9708-019B960494DF}">
+              <a14:hiddenLine xmlns:a14="http://schemas.microsoft.com/office/drawing/2010/main" w="9525">
+                <a:solidFill>
+                  <a:schemeClr val="tx1"/>
+                </a:solidFill>
+                <a:miter lim="800000"/>
+                <a:headEnd/>
+                <a:tailEnd/>
+              </a14:hiddenLine>
+            </a:ext>
+            <a:ext uri="{AF507438-7753-43E0-B8FC-AC1667EBCBE1}">
+              <a14:hiddenEffects xmlns:a14="http://schemas.microsoft.com/office/drawing/2010/main">
+                <a:effectLst>
+                  <a:outerShdw dist="35921" dir="2700000" algn="ctr" rotWithShape="0">
+                    <a:schemeClr val="bg2"/>
+                  </a:outerShdw>
+                </a:effectLst>
+              </a14:hiddenEffects>
+            </a:ext>
+          </a:extLst>
+        </p:spPr>
+      </p:pic>
+      <p:pic>
+        <p:nvPicPr>
+          <p:cNvPr id="1028" name="Picture 4"/>
+          <p:cNvPicPr>
+            <a:picLocks noChangeAspect="1" noChangeArrowheads="1"/>
+          </p:cNvPicPr>
+          <p:nvPr/>
+        </p:nvPicPr>
+        <p:blipFill>
+          <a:blip r:embed="rId3" cstate="print">
+            <a:extLst>
+              <a:ext uri="{28A0092B-C50C-407E-A947-70E740481C1C}">
+                <a14:useLocalDpi xmlns:a14="http://schemas.microsoft.com/office/drawing/2010/main" val="0"/>
+              </a:ext>
+            </a:extLst>
+          </a:blip>
+          <a:srcRect/>
+          <a:stretch>
+            <a:fillRect/>
+          </a:stretch>
+        </p:blipFill>
+        <p:spPr bwMode="auto">
+          <a:xfrm>
+            <a:off x="5728047" y="5373216"/>
+            <a:ext cx="1812057" cy="1163039"/>
+          </a:xfrm>
+          <a:prstGeom prst="rect">
+            <a:avLst/>
+          </a:prstGeom>
+          <a:ln>
+            <a:noFill/>
+          </a:ln>
+          <a:effectLst>
+            <a:softEdge rad="112500"/>
+          </a:effectLst>
+          <a:extLst>
+            <a:ext uri="{909E8E84-426E-40DD-AFC4-6F175D3DCCD1}">
+              <a14:hiddenFill xmlns:a14="http://schemas.microsoft.com/office/drawing/2010/main">
+                <a:solidFill>
+                  <a:schemeClr val="accent1"/>
+                </a:solidFill>
+              </a14:hiddenFill>
+            </a:ext>
+            <a:ext uri="{91240B29-F687-4F45-9708-019B960494DF}">
+              <a14:hiddenLine xmlns:a14="http://schemas.microsoft.com/office/drawing/2010/main" w="9525">
+                <a:solidFill>
+                  <a:schemeClr val="tx1"/>
+                </a:solidFill>
+                <a:miter lim="800000"/>
+                <a:headEnd/>
+                <a:tailEnd/>
+              </a14:hiddenLine>
+            </a:ext>
+            <a:ext uri="{AF507438-7753-43E0-B8FC-AC1667EBCBE1}">
+              <a14:hiddenEffects xmlns:a14="http://schemas.microsoft.com/office/drawing/2010/main">
+                <a:effectLst>
+                  <a:outerShdw dist="35921" dir="2700000" algn="ctr" rotWithShape="0">
+                    <a:schemeClr val="bg2"/>
+                  </a:outerShdw>
+                </a:effectLst>
+              </a14:hiddenEffects>
+            </a:ext>
+          </a:extLst>
+        </p:spPr>
+      </p:pic>
+      <p:pic>
+        <p:nvPicPr>
+          <p:cNvPr id="1029" name="Picture 5"/>
+          <p:cNvPicPr>
+            <a:picLocks noChangeAspect="1" noChangeArrowheads="1"/>
+          </p:cNvPicPr>
+          <p:nvPr/>
+        </p:nvPicPr>
+        <p:blipFill>
+          <a:blip r:embed="rId4" cstate="print">
+            <a:extLst>
+              <a:ext uri="{28A0092B-C50C-407E-A947-70E740481C1C}">
+                <a14:useLocalDpi xmlns:a14="http://schemas.microsoft.com/office/drawing/2010/main" val="0"/>
+              </a:ext>
+            </a:extLst>
+          </a:blip>
+          <a:srcRect/>
+          <a:stretch>
+            <a:fillRect/>
+          </a:stretch>
+        </p:blipFill>
+        <p:spPr bwMode="auto">
+          <a:xfrm>
+            <a:off x="4136033" y="3202126"/>
+            <a:ext cx="1592014" cy="1060094"/>
+          </a:xfrm>
+          <a:prstGeom prst="rect">
+            <a:avLst/>
+          </a:prstGeom>
+          <a:noFill/>
+          <a:ln>
+            <a:noFill/>
+          </a:ln>
+          <a:effectLst/>
+          <a:extLst>
+            <a:ext uri="{909E8E84-426E-40DD-AFC4-6F175D3DCCD1}">
+              <a14:hiddenFill xmlns:a14="http://schemas.microsoft.com/office/drawing/2010/main">
+                <a:solidFill>
+                  <a:schemeClr val="accent1"/>
+                </a:solidFill>
+              </a14:hiddenFill>
+            </a:ext>
+            <a:ext uri="{91240B29-F687-4F45-9708-019B960494DF}">
+              <a14:hiddenLine xmlns:a14="http://schemas.microsoft.com/office/drawing/2010/main" w="9525">
+                <a:solidFill>
+                  <a:schemeClr val="tx1"/>
+                </a:solidFill>
+                <a:miter lim="800000"/>
+                <a:headEnd/>
+                <a:tailEnd/>
+              </a14:hiddenLine>
+            </a:ext>
+            <a:ext uri="{AF507438-7753-43E0-B8FC-AC1667EBCBE1}">
+              <a14:hiddenEffects xmlns:a14="http://schemas.microsoft.com/office/drawing/2010/main">
+                <a:effectLst>
+                  <a:outerShdw dist="35921" dir="2700000" algn="ctr" rotWithShape="0">
+                    <a:schemeClr val="bg2"/>
+                  </a:outerShdw>
+                </a:effectLst>
+              </a14:hiddenEffects>
+            </a:ext>
+          </a:extLst>
+        </p:spPr>
+      </p:pic>
+      <p:pic>
+        <p:nvPicPr>
+          <p:cNvPr id="1030" name="Picture 6"/>
+          <p:cNvPicPr>
+            <a:picLocks noChangeAspect="1" noChangeArrowheads="1"/>
+          </p:cNvPicPr>
+          <p:nvPr/>
+        </p:nvPicPr>
+        <p:blipFill>
+          <a:blip r:embed="rId5" cstate="print">
+            <a:extLst>
+              <a:ext uri="{28A0092B-C50C-407E-A947-70E740481C1C}">
+                <a14:useLocalDpi xmlns:a14="http://schemas.microsoft.com/office/drawing/2010/main" val="0"/>
+              </a:ext>
+            </a:extLst>
+          </a:blip>
+          <a:srcRect/>
+          <a:stretch>
+            <a:fillRect/>
+          </a:stretch>
+        </p:blipFill>
+        <p:spPr bwMode="auto">
+          <a:xfrm>
+            <a:off x="7668344" y="3429000"/>
+            <a:ext cx="913284" cy="913284"/>
+          </a:xfrm>
+          <a:prstGeom prst="rect">
+            <a:avLst/>
+          </a:prstGeom>
+          <a:ln>
+            <a:noFill/>
+          </a:ln>
+          <a:effectLst>
+            <a:softEdge rad="112500"/>
+          </a:effectLst>
+          <a:extLst>
+            <a:ext uri="{909E8E84-426E-40DD-AFC4-6F175D3DCCD1}">
+              <a14:hiddenFill xmlns:a14="http://schemas.microsoft.com/office/drawing/2010/main">
+                <a:solidFill>
+                  <a:schemeClr val="accent1"/>
+                </a:solidFill>
+              </a14:hiddenFill>
+            </a:ext>
+            <a:ext uri="{91240B29-F687-4F45-9708-019B960494DF}">
+              <a14:hiddenLine xmlns:a14="http://schemas.microsoft.com/office/drawing/2010/main" w="9525">
+                <a:solidFill>
+                  <a:schemeClr val="tx1"/>
+                </a:solidFill>
+                <a:miter lim="800000"/>
+                <a:headEnd/>
+                <a:tailEnd/>
+              </a14:hiddenLine>
+            </a:ext>
+            <a:ext uri="{AF507438-7753-43E0-B8FC-AC1667EBCBE1}">
+              <a14:hiddenEffects xmlns:a14="http://schemas.microsoft.com/office/drawing/2010/main">
+                <a:effectLst>
+                  <a:outerShdw dist="35921" dir="2700000" algn="ctr" rotWithShape="0">
+                    <a:schemeClr val="bg2"/>
+                  </a:outerShdw>
+                </a:effectLst>
+              </a14:hiddenEffects>
+            </a:ext>
+          </a:extLst>
+        </p:spPr>
+      </p:pic>
+    </p:spTree>
+    <p:extLst>
+      <p:ext uri="{BB962C8B-B14F-4D97-AF65-F5344CB8AC3E}">
+        <p14:creationId xmlns:p14="http://schemas.microsoft.com/office/powerpoint/2010/main" val="4118012986"/>
+      </p:ext>
+    </p:extLst>
+  </p:cSld>
+  <p:clrMapOvr>
+    <a:masterClrMapping/>
+  </p:clrMapOvr>
+  <mc:AlternateContent xmlns:mc="http://schemas.openxmlformats.org/markup-compatibility/2006" xmlns:p14="http://schemas.microsoft.com/office/powerpoint/2010/main">
+    <mc:Choice Requires="p14">
+      <p:transition spd="med" p14:dur="700">
+        <p:fade/>
+      </p:transition>
+    </mc:Choice>
+    <mc:Fallback xmlns="">
+      <p:transition spd="med">
+        <p:fade/>
+      </p:transition>
+    </mc:Fallback>
+  </mc:AlternateContent>
+  <p:timing>
+    <p:tnLst>
+      <p:par>
+        <p:cTn id="1" dur="indefinite" restart="never" nodeType="tmRoot"/>
+      </p:par>
+    </p:tnLst>
+  </p:timing>
+</p:sld>
+</file>
+
+<file path=ppt/slides/slide11.xml><?xml version="1.0" encoding="utf-8"?>
+<p:sld xmlns:a="http://schemas.openxmlformats.org/drawingml/2006/main" xmlns:r="http://schemas.openxmlformats.org/officeDocument/2006/relationships" xmlns:p="http://schemas.openxmlformats.org/presentationml/2006/main">
+  <p:cSld>
+    <p:bg>
+      <p:bgPr>
+        <a:blipFill dpi="0" rotWithShape="0">
+          <a:blip r:embed="rId2" cstate="print"/>
+          <a:srcRect/>
+          <a:stretch>
+            <a:fillRect/>
+          </a:stretch>
+        </a:blipFill>
+        <a:effectLst/>
+      </p:bgPr>
+    </p:bg>
+    <p:spTree>
+      <p:nvGrpSpPr>
+        <p:cNvPr id="1" name=""/>
+        <p:cNvGrpSpPr/>
+        <p:nvPr/>
+      </p:nvGrpSpPr>
+      <p:grpSpPr>
+        <a:xfrm>
+          <a:off x="0" y="0"/>
+          <a:ext cx="0" cy="0"/>
+          <a:chOff x="0" y="0"/>
+          <a:chExt cx="0" cy="0"/>
+        </a:xfrm>
+      </p:grpSpPr>
+      <p:sp>
+        <p:nvSpPr>
+          <p:cNvPr id="5123" name="Content Placeholder 2"/>
+          <p:cNvSpPr>
+            <a:spLocks noGrp="1"/>
+          </p:cNvSpPr>
+          <p:nvPr>
+            <p:ph idx="1"/>
+          </p:nvPr>
+        </p:nvSpPr>
+        <p:spPr>
+          <a:xfrm>
+            <a:off x="2555776" y="-99392"/>
+            <a:ext cx="6324600" cy="6292552"/>
+          </a:xfrm>
+        </p:spPr>
+        <p:txBody>
+          <a:bodyPr/>
+          <a:lstStyle/>
+          <a:p>
+            <a:pPr marL="0" indent="0">
+              <a:buNone/>
+            </a:pPr>
+            <a:endParaRPr lang="en-US" sz="8000" dirty="0" smtClean="0"/>
+          </a:p>
+          <a:p>
+            <a:pPr marL="0" indent="0" algn="ctr">
+              <a:buNone/>
+            </a:pPr>
+            <a:endParaRPr lang="en-US" sz="8000" dirty="0" smtClean="0"/>
+          </a:p>
+          <a:p>
+            <a:pPr marL="0" indent="0" algn="ctr">
+              <a:buNone/>
+            </a:pPr>
+            <a:r>
+              <a:rPr lang="en-US" sz="8000" dirty="0" smtClean="0"/>
+              <a:t>PANTALLAS</a:t>
+            </a:r>
+          </a:p>
+        </p:txBody>
+      </p:sp>
+    </p:spTree>
+    <p:extLst>
+      <p:ext uri="{BB962C8B-B14F-4D97-AF65-F5344CB8AC3E}">
+        <p14:creationId xmlns:p14="http://schemas.microsoft.com/office/powerpoint/2010/main" val="2212578582"/>
+      </p:ext>
+    </p:extLst>
+  </p:cSld>
+  <p:clrMapOvr>
+    <a:masterClrMapping/>
+  </p:clrMapOvr>
+  <mc:AlternateContent xmlns:mc="http://schemas.openxmlformats.org/markup-compatibility/2006" xmlns:p14="http://schemas.microsoft.com/office/powerpoint/2010/main">
+    <mc:Choice Requires="p14">
+      <p:transition spd="med" p14:dur="700">
+        <p:fade/>
+      </p:transition>
+    </mc:Choice>
+    <mc:Fallback xmlns="">
+      <p:transition spd="med">
+        <p:fade/>
+      </p:transition>
+    </mc:Fallback>
+  </mc:AlternateContent>
+  <p:timing>
+    <p:tnLst>
+      <p:par>
+        <p:cTn id="1" dur="indefinite" restart="never" nodeType="tmRoot"/>
+      </p:par>
+    </p:tnLst>
+  </p:timing>
+</p:sld>
+</file>
+
+<file path=ppt/slides/slide12.xml><?xml version="1.0" encoding="utf-8"?>
 <p:sld xmlns:a="http://schemas.openxmlformats.org/drawingml/2006/main" xmlns:r="http://schemas.openxmlformats.org/officeDocument/2006/relationships" xmlns:p="http://schemas.openxmlformats.org/presentationml/2006/main" showMasterSp="0">
   <p:cSld>
     <p:bg>
@@ -16308,7 +16823,7 @@
 </p:sld>
 </file>
 
-<file path=ppt/slides/slide11.xml><?xml version="1.0" encoding="utf-8"?>
+<file path=ppt/slides/slide13.xml><?xml version="1.0" encoding="utf-8"?>
 <p:sld xmlns:a="http://schemas.openxmlformats.org/drawingml/2006/main" xmlns:r="http://schemas.openxmlformats.org/officeDocument/2006/relationships" xmlns:p="http://schemas.openxmlformats.org/presentationml/2006/main" showMasterSp="0">
   <p:cSld>
     <p:bg>
@@ -16586,7 +17101,7 @@
 </p:sld>
 </file>
 
-<file path=ppt/slides/slide12.xml><?xml version="1.0" encoding="utf-8"?>
+<file path=ppt/slides/slide14.xml><?xml version="1.0" encoding="utf-8"?>
 <p:sld xmlns:a="http://schemas.openxmlformats.org/drawingml/2006/main" xmlns:r="http://schemas.openxmlformats.org/officeDocument/2006/relationships" xmlns:p="http://schemas.openxmlformats.org/presentationml/2006/main" showMasterSp="0">
   <p:cSld>
     <p:bg>
@@ -16864,7 +17379,7 @@
 </p:sld>
 </file>
 
-<file path=ppt/slides/slide13.xml><?xml version="1.0" encoding="utf-8"?>
+<file path=ppt/slides/slide15.xml><?xml version="1.0" encoding="utf-8"?>
 <p:sld xmlns:a="http://schemas.openxmlformats.org/drawingml/2006/main" xmlns:r="http://schemas.openxmlformats.org/officeDocument/2006/relationships" xmlns:p="http://schemas.openxmlformats.org/presentationml/2006/main" showMasterSp="0">
   <p:cSld>
     <p:bg>
@@ -17142,7 +17657,7 @@
 </p:sld>
 </file>
 
-<file path=ppt/slides/slide14.xml><?xml version="1.0" encoding="utf-8"?>
+<file path=ppt/slides/slide16.xml><?xml version="1.0" encoding="utf-8"?>
 <p:sld xmlns:a="http://schemas.openxmlformats.org/drawingml/2006/main" xmlns:r="http://schemas.openxmlformats.org/officeDocument/2006/relationships" xmlns:p="http://schemas.openxmlformats.org/presentationml/2006/main">
   <p:cSld>
     <p:spTree>
@@ -20462,7 +20977,7 @@
 </p:sld>
 </file>
 
-<file path=ppt/slides/slide15.xml><?xml version="1.0" encoding="utf-8"?>
+<file path=ppt/slides/slide17.xml><?xml version="1.0" encoding="utf-8"?>
 <p:sld xmlns:a="http://schemas.openxmlformats.org/drawingml/2006/main" xmlns:r="http://schemas.openxmlformats.org/officeDocument/2006/relationships" xmlns:p="http://schemas.openxmlformats.org/presentationml/2006/main">
   <p:cSld>
     <p:spTree>
@@ -20952,7 +21467,7 @@
 </p:sld>
 </file>
 
-<file path=ppt/slides/slide16.xml><?xml version="1.0" encoding="utf-8"?>
+<file path=ppt/slides/slide18.xml><?xml version="1.0" encoding="utf-8"?>
 <p:sld xmlns:a="http://schemas.openxmlformats.org/drawingml/2006/main" xmlns:r="http://schemas.openxmlformats.org/officeDocument/2006/relationships" xmlns:p="http://schemas.openxmlformats.org/presentationml/2006/main">
   <p:cSld>
     <p:spTree>
@@ -21050,11 +21565,7 @@
             </a:pPr>
             <a:r>
               <a:rPr lang="es-ES" dirty="0" smtClean="0"/>
-              <a:t>Debido a </a:t>
-            </a:r>
-            <a:r>
-              <a:rPr lang="es-ES" dirty="0" smtClean="0"/>
-              <a:t>sus costos relativamente bajos el proyecto deja un gran margen de ganancia para la empresa. </a:t>
+              <a:t>Debido a sus costos relativamente bajos el proyecto deja un gran margen de ganancia para la empresa. </a:t>
             </a:r>
           </a:p>
           <a:p>
@@ -21137,7 +21648,7 @@
 </p:sld>
 </file>
 
-<file path=ppt/slides/slide17.xml><?xml version="1.0" encoding="utf-8"?>
+<file path=ppt/slides/slide19.xml><?xml version="1.0" encoding="utf-8"?>
 <p:sld xmlns:a="http://schemas.openxmlformats.org/drawingml/2006/main" xmlns:r="http://schemas.openxmlformats.org/officeDocument/2006/relationships" xmlns:p="http://schemas.openxmlformats.org/presentationml/2006/main">
   <p:cSld>
     <p:bg>
@@ -21325,7 +21836,116 @@
 </p:sld>
 </file>
 
-<file path=ppt/slides/slide18.xml><?xml version="1.0" encoding="utf-8"?>
+<file path=ppt/slides/slide2.xml><?xml version="1.0" encoding="utf-8"?>
+<p:sld xmlns:a="http://schemas.openxmlformats.org/drawingml/2006/main" xmlns:r="http://schemas.openxmlformats.org/officeDocument/2006/relationships" xmlns:p="http://schemas.openxmlformats.org/presentationml/2006/main">
+  <p:cSld>
+    <p:spTree>
+      <p:nvGrpSpPr>
+        <p:cNvPr id="1" name=""/>
+        <p:cNvGrpSpPr/>
+        <p:nvPr/>
+      </p:nvGrpSpPr>
+      <p:grpSpPr>
+        <a:xfrm>
+          <a:off x="0" y="0"/>
+          <a:ext cx="0" cy="0"/>
+          <a:chOff x="0" y="0"/>
+          <a:chExt cx="0" cy="0"/>
+        </a:xfrm>
+      </p:grpSpPr>
+      <p:sp>
+        <p:nvSpPr>
+          <p:cNvPr id="2" name="Title 1"/>
+          <p:cNvSpPr>
+            <a:spLocks noGrp="1"/>
+          </p:cNvSpPr>
+          <p:nvPr>
+            <p:ph type="title"/>
+          </p:nvPr>
+        </p:nvSpPr>
+        <p:spPr/>
+        <p:txBody>
+          <a:bodyPr/>
+          <a:lstStyle/>
+          <a:p>
+            <a:r>
+              <a:rPr lang="es-AR" dirty="0" smtClean="0"/>
+              <a:t>Integrantes</a:t>
+            </a:r>
+            <a:endParaRPr lang="es-AR" dirty="0"/>
+          </a:p>
+        </p:txBody>
+      </p:sp>
+      <p:sp>
+        <p:nvSpPr>
+          <p:cNvPr id="3" name="Content Placeholder 2"/>
+          <p:cNvSpPr>
+            <a:spLocks noGrp="1"/>
+          </p:cNvSpPr>
+          <p:nvPr>
+            <p:ph idx="1"/>
+          </p:nvPr>
+        </p:nvSpPr>
+        <p:spPr/>
+        <p:txBody>
+          <a:bodyPr/>
+          <a:lstStyle/>
+          <a:p>
+            <a:r>
+              <a:rPr lang="es-AR" sz="2800" dirty="0" smtClean="0"/>
+              <a:t>Abraham Leandro</a:t>
+            </a:r>
+          </a:p>
+          <a:p>
+            <a:r>
+              <a:rPr lang="es-AR" sz="2800" dirty="0" err="1" smtClean="0"/>
+              <a:t>Botta</a:t>
+            </a:r>
+            <a:r>
+              <a:rPr lang="es-AR" sz="2800" dirty="0" smtClean="0"/>
+              <a:t> Adrián</a:t>
+            </a:r>
+          </a:p>
+          <a:p>
+            <a:r>
+              <a:rPr lang="es-AR" sz="2800" dirty="0" err="1" smtClean="0"/>
+              <a:t>Fratte</a:t>
+            </a:r>
+            <a:r>
+              <a:rPr lang="es-AR" sz="2800" dirty="0" smtClean="0"/>
+              <a:t> Daniel</a:t>
+            </a:r>
+          </a:p>
+          <a:p>
+            <a:r>
+              <a:rPr lang="es-AR" sz="2800" dirty="0" smtClean="0"/>
+              <a:t>Ocaña Pablo</a:t>
+            </a:r>
+            <a:endParaRPr lang="es-AR" sz="2800" dirty="0"/>
+          </a:p>
+        </p:txBody>
+      </p:sp>
+    </p:spTree>
+    <p:extLst>
+      <p:ext uri="{BB962C8B-B14F-4D97-AF65-F5344CB8AC3E}">
+        <p14:creationId xmlns:p14="http://schemas.microsoft.com/office/powerpoint/2010/main" val="4100152445"/>
+      </p:ext>
+    </p:extLst>
+  </p:cSld>
+  <p:clrMapOvr>
+    <a:masterClrMapping/>
+  </p:clrMapOvr>
+  <p:timing>
+    <p:tnLst>
+      <p:par>
+        <p:cTn id="1" dur="indefinite" restart="never" nodeType="tmRoot"/>
+      </p:par>
+    </p:tnLst>
+  </p:timing>
+</p:sld>
+</file>
+
+<file path=ppt/slides/slide20.xml><?xml version="1.0" encoding="utf-8"?>
 <p:sld xmlns:a="http://schemas.openxmlformats.org/drawingml/2006/main" xmlns:r="http://schemas.openxmlformats.org/officeDocument/2006/relationships" xmlns:p="http://schemas.openxmlformats.org/presentationml/2006/main">
   <p:cSld>
     <p:spTree>
@@ -21552,7 +22172,7 @@
 </p:sld>
 </file>
 
-<file path=ppt/slides/slide2.xml><?xml version="1.0" encoding="utf-8"?>
+<file path=ppt/slides/slide3.xml><?xml version="1.0" encoding="utf-8"?>
 <p:sld xmlns:a="http://schemas.openxmlformats.org/drawingml/2006/main" xmlns:r="http://schemas.openxmlformats.org/officeDocument/2006/relationships" xmlns:p="http://schemas.openxmlformats.org/presentationml/2006/main">
   <p:cSld>
     <p:spTree>
@@ -21764,7 +22384,7 @@
 </p:sld>
 </file>
 
-<file path=ppt/slides/slide3.xml><?xml version="1.0" encoding="utf-8"?>
+<file path=ppt/slides/slide4.xml><?xml version="1.0" encoding="utf-8"?>
 <p:sld xmlns:a="http://schemas.openxmlformats.org/drawingml/2006/main" xmlns:r="http://schemas.openxmlformats.org/officeDocument/2006/relationships" xmlns:p="http://schemas.openxmlformats.org/presentationml/2006/main">
   <p:cSld>
     <p:bg>
@@ -22092,7 +22712,7 @@
 </p:sld>
 </file>
 
-<file path=ppt/slides/slide4.xml><?xml version="1.0" encoding="utf-8"?>
+<file path=ppt/slides/slide5.xml><?xml version="1.0" encoding="utf-8"?>
 <p:sld xmlns:a="http://schemas.openxmlformats.org/drawingml/2006/main" xmlns:r="http://schemas.openxmlformats.org/officeDocument/2006/relationships" xmlns:p="http://schemas.openxmlformats.org/presentationml/2006/main">
   <p:cSld>
     <p:spTree>
@@ -22565,7 +23185,7 @@
 </p:sld>
 </file>
 
-<file path=ppt/slides/slide5.xml><?xml version="1.0" encoding="utf-8"?>
+<file path=ppt/slides/slide6.xml><?xml version="1.0" encoding="utf-8"?>
 <p:sld xmlns:a="http://schemas.openxmlformats.org/drawingml/2006/main" xmlns:r="http://schemas.openxmlformats.org/officeDocument/2006/relationships" xmlns:p="http://schemas.openxmlformats.org/presentationml/2006/main">
   <p:cSld>
     <p:bg>
@@ -22910,7 +23530,7 @@
 </p:sld>
 </file>
 
-<file path=ppt/slides/slide6.xml><?xml version="1.0" encoding="utf-8"?>
+<file path=ppt/slides/slide7.xml><?xml version="1.0" encoding="utf-8"?>
 <p:sld xmlns:a="http://schemas.openxmlformats.org/drawingml/2006/main" xmlns:r="http://schemas.openxmlformats.org/officeDocument/2006/relationships" xmlns:p="http://schemas.openxmlformats.org/presentationml/2006/main">
   <p:cSld>
     <p:bg>
@@ -23120,7 +23740,7 @@
 </p:sld>
 </file>
 
-<file path=ppt/slides/slide7.xml><?xml version="1.0" encoding="utf-8"?>
+<file path=ppt/slides/slide8.xml><?xml version="1.0" encoding="utf-8"?>
 <p:sld xmlns:a="http://schemas.openxmlformats.org/drawingml/2006/main" xmlns:r="http://schemas.openxmlformats.org/officeDocument/2006/relationships" xmlns:p="http://schemas.openxmlformats.org/presentationml/2006/main">
   <p:cSld>
     <p:spTree>
@@ -23340,152 +23960,6 @@
     <p:extLst>
       <p:ext uri="{BB962C8B-B14F-4D97-AF65-F5344CB8AC3E}">
         <p14:creationId xmlns:p14="http://schemas.microsoft.com/office/powerpoint/2010/main" val="1048136822"/>
-      </p:ext>
-    </p:extLst>
-  </p:cSld>
-  <p:clrMapOvr>
-    <a:masterClrMapping/>
-  </p:clrMapOvr>
-  <mc:AlternateContent xmlns:mc="http://schemas.openxmlformats.org/markup-compatibility/2006" xmlns:p14="http://schemas.microsoft.com/office/powerpoint/2010/main">
-    <mc:Choice Requires="p14">
-      <p:transition spd="med" p14:dur="700">
-        <p:fade/>
-      </p:transition>
-    </mc:Choice>
-    <mc:Fallback xmlns="">
-      <p:transition spd="med">
-        <p:fade/>
-      </p:transition>
-    </mc:Fallback>
-  </mc:AlternateContent>
-  <p:timing>
-    <p:tnLst>
-      <p:par>
-        <p:cTn id="1" dur="indefinite" restart="never" nodeType="tmRoot"/>
-      </p:par>
-    </p:tnLst>
-  </p:timing>
-</p:sld>
-</file>
-
-<file path=ppt/slides/slide8.xml><?xml version="1.0" encoding="utf-8"?>
-<p:sld xmlns:a="http://schemas.openxmlformats.org/drawingml/2006/main" xmlns:r="http://schemas.openxmlformats.org/officeDocument/2006/relationships" xmlns:p="http://schemas.openxmlformats.org/presentationml/2006/main">
-  <p:cSld>
-    <p:bg>
-      <p:bgPr>
-        <a:blipFill dpi="0" rotWithShape="0">
-          <a:blip r:embed="rId2" cstate="print"/>
-          <a:srcRect/>
-          <a:stretch>
-            <a:fillRect/>
-          </a:stretch>
-        </a:blipFill>
-        <a:effectLst/>
-      </p:bgPr>
-    </p:bg>
-    <p:spTree>
-      <p:nvGrpSpPr>
-        <p:cNvPr id="1" name=""/>
-        <p:cNvGrpSpPr/>
-        <p:nvPr/>
-      </p:nvGrpSpPr>
-      <p:grpSpPr>
-        <a:xfrm>
-          <a:off x="0" y="0"/>
-          <a:ext cx="0" cy="0"/>
-          <a:chOff x="0" y="0"/>
-          <a:chExt cx="0" cy="0"/>
-        </a:xfrm>
-      </p:grpSpPr>
-      <p:sp>
-        <p:nvSpPr>
-          <p:cNvPr id="5123" name="Content Placeholder 2"/>
-          <p:cNvSpPr>
-            <a:spLocks noGrp="1"/>
-          </p:cNvSpPr>
-          <p:nvPr>
-            <p:ph idx="1"/>
-          </p:nvPr>
-        </p:nvSpPr>
-        <p:spPr>
-          <a:xfrm>
-            <a:off x="2555776" y="260646"/>
-            <a:ext cx="6324600" cy="380256"/>
-          </a:xfrm>
-        </p:spPr>
-        <p:txBody>
-          <a:bodyPr/>
-          <a:lstStyle/>
-          <a:p>
-            <a:r>
-              <a:rPr lang="en-US" b="1" dirty="0" err="1" smtClean="0"/>
-              <a:t>Módulo</a:t>
-            </a:r>
-            <a:r>
-              <a:rPr lang="en-US" b="1" dirty="0" smtClean="0"/>
-              <a:t> de Control </a:t>
-            </a:r>
-            <a:r>
-              <a:rPr lang="en-US" b="1" dirty="0" err="1" smtClean="0"/>
-              <a:t>Automático</a:t>
-            </a:r>
-            <a:r>
-              <a:rPr lang="en-US" b="1" dirty="0"/>
-              <a:t> </a:t>
-            </a:r>
-            <a:r>
-              <a:rPr lang="en-US" dirty="0" smtClean="0"/>
-              <a:t>(</a:t>
-            </a:r>
-            <a:r>
-              <a:rPr lang="en-US" i="1" dirty="0" err="1" smtClean="0"/>
-              <a:t>Algoritmo</a:t>
-            </a:r>
-            <a:r>
-              <a:rPr lang="en-US" i="1" dirty="0" smtClean="0"/>
-              <a:t> Principal</a:t>
-            </a:r>
-            <a:r>
-              <a:rPr lang="en-US" dirty="0" smtClean="0"/>
-              <a:t>)</a:t>
-            </a:r>
-          </a:p>
-        </p:txBody>
-      </p:sp>
-      <p:pic>
-        <p:nvPicPr>
-          <p:cNvPr id="3" name="Picture 2"/>
-          <p:cNvPicPr>
-            <a:picLocks noChangeAspect="1"/>
-          </p:cNvPicPr>
-          <p:nvPr/>
-        </p:nvPicPr>
-        <p:blipFill>
-          <a:blip r:embed="rId3">
-            <a:extLst>
-              <a:ext uri="{28A0092B-C50C-407E-A947-70E740481C1C}">
-                <a14:useLocalDpi xmlns:a14="http://schemas.microsoft.com/office/drawing/2010/main" val="0"/>
-              </a:ext>
-            </a:extLst>
-          </a:blip>
-          <a:stretch>
-            <a:fillRect/>
-          </a:stretch>
-        </p:blipFill>
-        <p:spPr>
-          <a:xfrm>
-            <a:off x="3407040" y="690816"/>
-            <a:ext cx="4603932" cy="6324686"/>
-          </a:xfrm>
-          <a:prstGeom prst="rect">
-            <a:avLst/>
-          </a:prstGeom>
-        </p:spPr>
-      </p:pic>
-    </p:spTree>
-    <p:extLst>
-      <p:ext uri="{BB962C8B-B14F-4D97-AF65-F5344CB8AC3E}">
-        <p14:creationId xmlns:p14="http://schemas.microsoft.com/office/powerpoint/2010/main" val="3113781039"/>
       </p:ext>
     </p:extLst>
   </p:cSld>
@@ -23555,40 +24029,83 @@
         </p:nvSpPr>
         <p:spPr>
           <a:xfrm>
-            <a:off x="2555776" y="-99392"/>
-            <a:ext cx="6324600" cy="6292552"/>
+            <a:off x="2555776" y="260646"/>
+            <a:ext cx="6324600" cy="380256"/>
           </a:xfrm>
         </p:spPr>
         <p:txBody>
           <a:bodyPr/>
           <a:lstStyle/>
           <a:p>
-            <a:pPr marL="0" indent="0">
-              <a:buNone/>
-            </a:pPr>
-            <a:endParaRPr lang="en-US" sz="8000" dirty="0" smtClean="0"/>
-          </a:p>
-          <a:p>
-            <a:pPr marL="0" indent="0" algn="ctr">
-              <a:buNone/>
-            </a:pPr>
-            <a:endParaRPr lang="en-US" sz="8000" dirty="0" smtClean="0"/>
-          </a:p>
-          <a:p>
-            <a:pPr marL="0" indent="0" algn="ctr">
-              <a:buNone/>
-            </a:pPr>
-            <a:r>
-              <a:rPr lang="en-US" sz="8000" dirty="0" smtClean="0"/>
-              <a:t>PANTALLAS</a:t>
-            </a:r>
-          </a:p>
-        </p:txBody>
-      </p:sp>
+            <a:r>
+              <a:rPr lang="en-US" b="1" dirty="0" err="1" smtClean="0"/>
+              <a:t>Módulo</a:t>
+            </a:r>
+            <a:r>
+              <a:rPr lang="en-US" b="1" dirty="0" smtClean="0"/>
+              <a:t> de Control </a:t>
+            </a:r>
+            <a:r>
+              <a:rPr lang="en-US" b="1" dirty="0" err="1" smtClean="0"/>
+              <a:t>Automático</a:t>
+            </a:r>
+            <a:r>
+              <a:rPr lang="en-US" b="1" dirty="0"/>
+              <a:t> </a:t>
+            </a:r>
+            <a:r>
+              <a:rPr lang="en-US" dirty="0" smtClean="0"/>
+              <a:t>(</a:t>
+            </a:r>
+            <a:r>
+              <a:rPr lang="en-US" i="1" dirty="0" err="1" smtClean="0"/>
+              <a:t>Algoritmo</a:t>
+            </a:r>
+            <a:r>
+              <a:rPr lang="en-US" i="1" dirty="0" smtClean="0"/>
+              <a:t> Principal</a:t>
+            </a:r>
+            <a:r>
+              <a:rPr lang="en-US" dirty="0" smtClean="0"/>
+              <a:t>)</a:t>
+            </a:r>
+          </a:p>
+        </p:txBody>
+      </p:sp>
+      <p:pic>
+        <p:nvPicPr>
+          <p:cNvPr id="3" name="Picture 2"/>
+          <p:cNvPicPr>
+            <a:picLocks noChangeAspect="1"/>
+          </p:cNvPicPr>
+          <p:nvPr/>
+        </p:nvPicPr>
+        <p:blipFill>
+          <a:blip r:embed="rId3">
+            <a:extLst>
+              <a:ext uri="{28A0092B-C50C-407E-A947-70E740481C1C}">
+                <a14:useLocalDpi xmlns:a14="http://schemas.microsoft.com/office/drawing/2010/main" val="0"/>
+              </a:ext>
+            </a:extLst>
+          </a:blip>
+          <a:stretch>
+            <a:fillRect/>
+          </a:stretch>
+        </p:blipFill>
+        <p:spPr>
+          <a:xfrm>
+            <a:off x="3407040" y="690816"/>
+            <a:ext cx="4603932" cy="6324686"/>
+          </a:xfrm>
+          <a:prstGeom prst="rect">
+            <a:avLst/>
+          </a:prstGeom>
+        </p:spPr>
+      </p:pic>
     </p:spTree>
     <p:extLst>
       <p:ext uri="{BB962C8B-B14F-4D97-AF65-F5344CB8AC3E}">
-        <p14:creationId xmlns:p14="http://schemas.microsoft.com/office/powerpoint/2010/main" val="2212578582"/>
+        <p14:creationId xmlns:p14="http://schemas.microsoft.com/office/powerpoint/2010/main" val="3113781039"/>
       </p:ext>
     </p:extLst>
   </p:cSld>
